--- a/Unmasking Blockchain.pptx
+++ b/Unmasking Blockchain.pptx
@@ -5,10 +5,10 @@
     <p:sldMasterId id="2147483648" r:id="rId4"/>
   </p:sldMasterIdLst>
   <p:notesMasterIdLst>
-    <p:notesMasterId r:id="rId19"/>
+    <p:notesMasterId r:id="rId21"/>
   </p:notesMasterIdLst>
   <p:handoutMasterIdLst>
-    <p:handoutMasterId r:id="rId20"/>
+    <p:handoutMasterId r:id="rId22"/>
   </p:handoutMasterIdLst>
   <p:sldIdLst>
     <p:sldId id="256" r:id="rId5"/>
@@ -19,12 +19,14 @@
     <p:sldId id="276" r:id="rId10"/>
     <p:sldId id="277" r:id="rId11"/>
     <p:sldId id="278" r:id="rId12"/>
-    <p:sldId id="269" r:id="rId13"/>
-    <p:sldId id="267" r:id="rId14"/>
-    <p:sldId id="271" r:id="rId15"/>
-    <p:sldId id="273" r:id="rId16"/>
-    <p:sldId id="274" r:id="rId17"/>
-    <p:sldId id="275" r:id="rId18"/>
+    <p:sldId id="279" r:id="rId13"/>
+    <p:sldId id="280" r:id="rId14"/>
+    <p:sldId id="281" r:id="rId15"/>
+    <p:sldId id="282" r:id="rId16"/>
+    <p:sldId id="283" r:id="rId17"/>
+    <p:sldId id="284" r:id="rId18"/>
+    <p:sldId id="285" r:id="rId19"/>
+    <p:sldId id="275" r:id="rId20"/>
   </p:sldIdLst>
   <p:sldSz cx="12192000" cy="6858000"/>
   <p:notesSz cx="6858000" cy="9144000"/>
@@ -143,5108 +145,6 @@
     </p:ext>
   </p:extLst>
 </p:presentation>
-</file>
-
-<file path=ppt/diagrams/colors1.xml><?xml version="1.0" encoding="utf-8"?>
-<dgm:colorsDef xmlns:dgm="http://schemas.openxmlformats.org/drawingml/2006/diagram" xmlns:a="http://schemas.openxmlformats.org/drawingml/2006/main" uniqueId="urn:microsoft.com/office/officeart/2005/8/colors/accent1_1">
-  <dgm:title val=""/>
-  <dgm:desc val=""/>
-  <dgm:catLst>
-    <dgm:cat type="accent1" pri="11100"/>
-  </dgm:catLst>
-  <dgm:styleLbl name="node0">
-    <dgm:fillClrLst meth="repeat">
-      <a:schemeClr val="lt1"/>
-    </dgm:fillClrLst>
-    <dgm:linClrLst meth="repeat">
-      <a:schemeClr val="accent1">
-        <a:shade val="80000"/>
-      </a:schemeClr>
-    </dgm:linClrLst>
-    <dgm:effectClrLst/>
-    <dgm:txLinClrLst/>
-    <dgm:txFillClrLst meth="repeat">
-      <a:schemeClr val="dk1"/>
-    </dgm:txFillClrLst>
-    <dgm:txEffectClrLst/>
-  </dgm:styleLbl>
-  <dgm:styleLbl name="alignNode1">
-    <dgm:fillClrLst meth="repeat">
-      <a:schemeClr val="lt1"/>
-    </dgm:fillClrLst>
-    <dgm:linClrLst meth="repeat">
-      <a:schemeClr val="accent1">
-        <a:shade val="80000"/>
-      </a:schemeClr>
-    </dgm:linClrLst>
-    <dgm:effectClrLst/>
-    <dgm:txLinClrLst/>
-    <dgm:txFillClrLst meth="repeat">
-      <a:schemeClr val="dk1"/>
-    </dgm:txFillClrLst>
-    <dgm:txEffectClrLst/>
-  </dgm:styleLbl>
-  <dgm:styleLbl name="node1">
-    <dgm:fillClrLst meth="repeat">
-      <a:schemeClr val="lt1"/>
-    </dgm:fillClrLst>
-    <dgm:linClrLst meth="repeat">
-      <a:schemeClr val="accent1">
-        <a:shade val="80000"/>
-      </a:schemeClr>
-    </dgm:linClrLst>
-    <dgm:effectClrLst/>
-    <dgm:txLinClrLst/>
-    <dgm:txFillClrLst meth="repeat">
-      <a:schemeClr val="dk1"/>
-    </dgm:txFillClrLst>
-    <dgm:txEffectClrLst/>
-  </dgm:styleLbl>
-  <dgm:styleLbl name="lnNode1">
-    <dgm:fillClrLst meth="repeat">
-      <a:schemeClr val="lt1"/>
-    </dgm:fillClrLst>
-    <dgm:linClrLst meth="repeat">
-      <a:schemeClr val="accent1">
-        <a:shade val="80000"/>
-      </a:schemeClr>
-    </dgm:linClrLst>
-    <dgm:effectClrLst/>
-    <dgm:txLinClrLst/>
-    <dgm:txFillClrLst meth="repeat">
-      <a:schemeClr val="dk1"/>
-    </dgm:txFillClrLst>
-    <dgm:txEffectClrLst/>
-  </dgm:styleLbl>
-  <dgm:styleLbl name="vennNode1">
-    <dgm:fillClrLst meth="repeat">
-      <a:schemeClr val="lt1">
-        <a:alpha val="50000"/>
-      </a:schemeClr>
-    </dgm:fillClrLst>
-    <dgm:linClrLst meth="repeat">
-      <a:schemeClr val="accent1">
-        <a:shade val="80000"/>
-      </a:schemeClr>
-    </dgm:linClrLst>
-    <dgm:effectClrLst/>
-    <dgm:txLinClrLst/>
-    <dgm:txFillClrLst/>
-    <dgm:txEffectClrLst/>
-  </dgm:styleLbl>
-  <dgm:styleLbl name="node2">
-    <dgm:fillClrLst meth="repeat">
-      <a:schemeClr val="lt1"/>
-    </dgm:fillClrLst>
-    <dgm:linClrLst meth="repeat">
-      <a:schemeClr val="accent1">
-        <a:shade val="80000"/>
-      </a:schemeClr>
-    </dgm:linClrLst>
-    <dgm:effectClrLst/>
-    <dgm:txLinClrLst/>
-    <dgm:txFillClrLst meth="repeat">
-      <a:schemeClr val="dk1"/>
-    </dgm:txFillClrLst>
-    <dgm:txEffectClrLst/>
-  </dgm:styleLbl>
-  <dgm:styleLbl name="node3">
-    <dgm:fillClrLst meth="repeat">
-      <a:schemeClr val="lt1"/>
-    </dgm:fillClrLst>
-    <dgm:linClrLst meth="repeat">
-      <a:schemeClr val="accent1">
-        <a:shade val="80000"/>
-      </a:schemeClr>
-    </dgm:linClrLst>
-    <dgm:effectClrLst/>
-    <dgm:txLinClrLst/>
-    <dgm:txFillClrLst meth="repeat">
-      <a:schemeClr val="dk1"/>
-    </dgm:txFillClrLst>
-    <dgm:txEffectClrLst/>
-  </dgm:styleLbl>
-  <dgm:styleLbl name="node4">
-    <dgm:fillClrLst meth="repeat">
-      <a:schemeClr val="lt1"/>
-    </dgm:fillClrLst>
-    <dgm:linClrLst meth="repeat">
-      <a:schemeClr val="accent1">
-        <a:shade val="80000"/>
-      </a:schemeClr>
-    </dgm:linClrLst>
-    <dgm:effectClrLst/>
-    <dgm:txLinClrLst/>
-    <dgm:txFillClrLst meth="repeat">
-      <a:schemeClr val="dk1"/>
-    </dgm:txFillClrLst>
-    <dgm:txEffectClrLst/>
-  </dgm:styleLbl>
-  <dgm:styleLbl name="fgImgPlace1">
-    <dgm:fillClrLst meth="repeat">
-      <a:schemeClr val="accent1">
-        <a:tint val="40000"/>
-      </a:schemeClr>
-    </dgm:fillClrLst>
-    <dgm:linClrLst meth="repeat">
-      <a:schemeClr val="accent1">
-        <a:shade val="80000"/>
-      </a:schemeClr>
-    </dgm:linClrLst>
-    <dgm:effectClrLst/>
-    <dgm:txLinClrLst/>
-    <dgm:txFillClrLst meth="repeat">
-      <a:schemeClr val="lt1"/>
-    </dgm:txFillClrLst>
-    <dgm:txEffectClrLst/>
-  </dgm:styleLbl>
-  <dgm:styleLbl name="alignImgPlace1">
-    <dgm:fillClrLst meth="repeat">
-      <a:schemeClr val="accent1">
-        <a:tint val="40000"/>
-      </a:schemeClr>
-    </dgm:fillClrLst>
-    <dgm:linClrLst meth="repeat">
-      <a:schemeClr val="accent1">
-        <a:shade val="80000"/>
-      </a:schemeClr>
-    </dgm:linClrLst>
-    <dgm:effectClrLst/>
-    <dgm:txLinClrLst/>
-    <dgm:txFillClrLst meth="repeat">
-      <a:schemeClr val="lt1"/>
-    </dgm:txFillClrLst>
-    <dgm:txEffectClrLst/>
-  </dgm:styleLbl>
-  <dgm:styleLbl name="bgImgPlace1">
-    <dgm:fillClrLst meth="repeat">
-      <a:schemeClr val="accent1">
-        <a:tint val="40000"/>
-      </a:schemeClr>
-    </dgm:fillClrLst>
-    <dgm:linClrLst meth="repeat">
-      <a:schemeClr val="accent1">
-        <a:shade val="80000"/>
-      </a:schemeClr>
-    </dgm:linClrLst>
-    <dgm:effectClrLst/>
-    <dgm:txLinClrLst/>
-    <dgm:txFillClrLst meth="repeat">
-      <a:schemeClr val="lt1"/>
-    </dgm:txFillClrLst>
-    <dgm:txEffectClrLst/>
-  </dgm:styleLbl>
-  <dgm:styleLbl name="sibTrans2D1">
-    <dgm:fillClrLst meth="repeat">
-      <a:schemeClr val="accent1">
-        <a:tint val="60000"/>
-      </a:schemeClr>
-    </dgm:fillClrLst>
-    <dgm:linClrLst meth="repeat">
-      <a:schemeClr val="accent1">
-        <a:tint val="60000"/>
-      </a:schemeClr>
-    </dgm:linClrLst>
-    <dgm:effectClrLst/>
-    <dgm:txLinClrLst/>
-    <dgm:txFillClrLst meth="repeat">
-      <a:schemeClr val="dk1"/>
-    </dgm:txFillClrLst>
-    <dgm:txEffectClrLst/>
-  </dgm:styleLbl>
-  <dgm:styleLbl name="fgSibTrans2D1">
-    <dgm:fillClrLst meth="repeat">
-      <a:schemeClr val="accent1">
-        <a:tint val="60000"/>
-      </a:schemeClr>
-    </dgm:fillClrLst>
-    <dgm:linClrLst meth="repeat">
-      <a:schemeClr val="accent1">
-        <a:tint val="60000"/>
-      </a:schemeClr>
-    </dgm:linClrLst>
-    <dgm:effectClrLst/>
-    <dgm:txLinClrLst/>
-    <dgm:txFillClrLst meth="repeat">
-      <a:schemeClr val="dk1"/>
-    </dgm:txFillClrLst>
-    <dgm:txEffectClrLst/>
-  </dgm:styleLbl>
-  <dgm:styleLbl name="bgSibTrans2D1">
-    <dgm:fillClrLst meth="repeat">
-      <a:schemeClr val="accent1">
-        <a:tint val="60000"/>
-      </a:schemeClr>
-    </dgm:fillClrLst>
-    <dgm:linClrLst meth="repeat">
-      <a:schemeClr val="accent1">
-        <a:tint val="60000"/>
-      </a:schemeClr>
-    </dgm:linClrLst>
-    <dgm:effectClrLst/>
-    <dgm:txLinClrLst/>
-    <dgm:txFillClrLst meth="repeat">
-      <a:schemeClr val="dk1"/>
-    </dgm:txFillClrLst>
-    <dgm:txEffectClrLst/>
-  </dgm:styleLbl>
-  <dgm:styleLbl name="sibTrans1D1">
-    <dgm:fillClrLst meth="repeat">
-      <a:schemeClr val="accent1"/>
-    </dgm:fillClrLst>
-    <dgm:linClrLst meth="repeat">
-      <a:schemeClr val="accent1"/>
-    </dgm:linClrLst>
-    <dgm:effectClrLst/>
-    <dgm:txLinClrLst/>
-    <dgm:txFillClrLst meth="repeat">
-      <a:schemeClr val="tx1"/>
-    </dgm:txFillClrLst>
-    <dgm:txEffectClrLst/>
-  </dgm:styleLbl>
-  <dgm:styleLbl name="callout">
-    <dgm:fillClrLst meth="repeat">
-      <a:schemeClr val="accent1"/>
-    </dgm:fillClrLst>
-    <dgm:linClrLst meth="repeat">
-      <a:schemeClr val="accent1"/>
-    </dgm:linClrLst>
-    <dgm:effectClrLst/>
-    <dgm:txLinClrLst/>
-    <dgm:txFillClrLst meth="repeat">
-      <a:schemeClr val="tx1"/>
-    </dgm:txFillClrLst>
-    <dgm:txEffectClrLst/>
-  </dgm:styleLbl>
-  <dgm:styleLbl name="asst0">
-    <dgm:fillClrLst meth="repeat">
-      <a:schemeClr val="lt1"/>
-    </dgm:fillClrLst>
-    <dgm:linClrLst meth="repeat">
-      <a:schemeClr val="accent1">
-        <a:shade val="80000"/>
-      </a:schemeClr>
-    </dgm:linClrLst>
-    <dgm:effectClrLst/>
-    <dgm:txLinClrLst/>
-    <dgm:txFillClrLst meth="repeat">
-      <a:schemeClr val="dk1"/>
-    </dgm:txFillClrLst>
-    <dgm:txEffectClrLst/>
-  </dgm:styleLbl>
-  <dgm:styleLbl name="asst1">
-    <dgm:fillClrLst meth="repeat">
-      <a:schemeClr val="lt1"/>
-    </dgm:fillClrLst>
-    <dgm:linClrLst meth="repeat">
-      <a:schemeClr val="accent1">
-        <a:shade val="80000"/>
-      </a:schemeClr>
-    </dgm:linClrLst>
-    <dgm:effectClrLst/>
-    <dgm:txLinClrLst/>
-    <dgm:txFillClrLst meth="repeat">
-      <a:schemeClr val="dk1"/>
-    </dgm:txFillClrLst>
-    <dgm:txEffectClrLst/>
-  </dgm:styleLbl>
-  <dgm:styleLbl name="asst2">
-    <dgm:fillClrLst meth="repeat">
-      <a:schemeClr val="lt1"/>
-    </dgm:fillClrLst>
-    <dgm:linClrLst meth="repeat">
-      <a:schemeClr val="accent1">
-        <a:shade val="80000"/>
-      </a:schemeClr>
-    </dgm:linClrLst>
-    <dgm:effectClrLst/>
-    <dgm:txLinClrLst/>
-    <dgm:txFillClrLst meth="repeat">
-      <a:schemeClr val="dk1"/>
-    </dgm:txFillClrLst>
-    <dgm:txEffectClrLst/>
-  </dgm:styleLbl>
-  <dgm:styleLbl name="asst3">
-    <dgm:fillClrLst meth="repeat">
-      <a:schemeClr val="lt1"/>
-    </dgm:fillClrLst>
-    <dgm:linClrLst meth="repeat">
-      <a:schemeClr val="accent1">
-        <a:shade val="80000"/>
-      </a:schemeClr>
-    </dgm:linClrLst>
-    <dgm:effectClrLst/>
-    <dgm:txLinClrLst/>
-    <dgm:txFillClrLst meth="repeat">
-      <a:schemeClr val="dk1"/>
-    </dgm:txFillClrLst>
-    <dgm:txEffectClrLst/>
-  </dgm:styleLbl>
-  <dgm:styleLbl name="asst4">
-    <dgm:fillClrLst meth="repeat">
-      <a:schemeClr val="lt1"/>
-    </dgm:fillClrLst>
-    <dgm:linClrLst meth="repeat">
-      <a:schemeClr val="accent1">
-        <a:shade val="80000"/>
-      </a:schemeClr>
-    </dgm:linClrLst>
-    <dgm:effectClrLst/>
-    <dgm:txLinClrLst/>
-    <dgm:txFillClrLst meth="repeat">
-      <a:schemeClr val="dk1"/>
-    </dgm:txFillClrLst>
-    <dgm:txEffectClrLst/>
-  </dgm:styleLbl>
-  <dgm:styleLbl name="parChTrans2D1">
-    <dgm:fillClrLst meth="repeat">
-      <a:schemeClr val="accent1">
-        <a:tint val="60000"/>
-      </a:schemeClr>
-    </dgm:fillClrLst>
-    <dgm:linClrLst meth="repeat">
-      <a:schemeClr val="accent1">
-        <a:tint val="60000"/>
-      </a:schemeClr>
-    </dgm:linClrLst>
-    <dgm:effectClrLst/>
-    <dgm:txLinClrLst/>
-    <dgm:txFillClrLst/>
-    <dgm:txEffectClrLst/>
-  </dgm:styleLbl>
-  <dgm:styleLbl name="parChTrans2D2">
-    <dgm:fillClrLst meth="repeat">
-      <a:schemeClr val="accent1"/>
-    </dgm:fillClrLst>
-    <dgm:linClrLst meth="repeat">
-      <a:schemeClr val="accent1"/>
-    </dgm:linClrLst>
-    <dgm:effectClrLst/>
-    <dgm:txLinClrLst/>
-    <dgm:txFillClrLst/>
-    <dgm:txEffectClrLst/>
-  </dgm:styleLbl>
-  <dgm:styleLbl name="parChTrans2D3">
-    <dgm:fillClrLst meth="repeat">
-      <a:schemeClr val="accent1"/>
-    </dgm:fillClrLst>
-    <dgm:linClrLst meth="repeat">
-      <a:schemeClr val="accent1"/>
-    </dgm:linClrLst>
-    <dgm:effectClrLst/>
-    <dgm:txLinClrLst/>
-    <dgm:txFillClrLst/>
-    <dgm:txEffectClrLst/>
-  </dgm:styleLbl>
-  <dgm:styleLbl name="parChTrans2D4">
-    <dgm:fillClrLst meth="repeat">
-      <a:schemeClr val="accent1"/>
-    </dgm:fillClrLst>
-    <dgm:linClrLst meth="repeat">
-      <a:schemeClr val="accent1"/>
-    </dgm:linClrLst>
-    <dgm:effectClrLst/>
-    <dgm:txLinClrLst/>
-    <dgm:txFillClrLst meth="repeat">
-      <a:schemeClr val="lt1"/>
-    </dgm:txFillClrLst>
-    <dgm:txEffectClrLst/>
-  </dgm:styleLbl>
-  <dgm:styleLbl name="parChTrans1D1">
-    <dgm:fillClrLst meth="repeat">
-      <a:schemeClr val="accent1"/>
-    </dgm:fillClrLst>
-    <dgm:linClrLst meth="repeat">
-      <a:schemeClr val="accent1">
-        <a:shade val="60000"/>
-      </a:schemeClr>
-    </dgm:linClrLst>
-    <dgm:effectClrLst/>
-    <dgm:txLinClrLst/>
-    <dgm:txFillClrLst meth="repeat">
-      <a:schemeClr val="tx1"/>
-    </dgm:txFillClrLst>
-    <dgm:txEffectClrLst/>
-  </dgm:styleLbl>
-  <dgm:styleLbl name="parChTrans1D2">
-    <dgm:fillClrLst meth="repeat">
-      <a:schemeClr val="accent1"/>
-    </dgm:fillClrLst>
-    <dgm:linClrLst meth="repeat">
-      <a:schemeClr val="accent1">
-        <a:shade val="60000"/>
-      </a:schemeClr>
-    </dgm:linClrLst>
-    <dgm:effectClrLst/>
-    <dgm:txLinClrLst/>
-    <dgm:txFillClrLst meth="repeat">
-      <a:schemeClr val="tx1"/>
-    </dgm:txFillClrLst>
-    <dgm:txEffectClrLst/>
-  </dgm:styleLbl>
-  <dgm:styleLbl name="parChTrans1D3">
-    <dgm:fillClrLst meth="repeat">
-      <a:schemeClr val="accent1"/>
-    </dgm:fillClrLst>
-    <dgm:linClrLst meth="repeat">
-      <a:schemeClr val="accent1">
-        <a:shade val="80000"/>
-      </a:schemeClr>
-    </dgm:linClrLst>
-    <dgm:effectClrLst/>
-    <dgm:txLinClrLst/>
-    <dgm:txFillClrLst meth="repeat">
-      <a:schemeClr val="tx1"/>
-    </dgm:txFillClrLst>
-    <dgm:txEffectClrLst/>
-  </dgm:styleLbl>
-  <dgm:styleLbl name="parChTrans1D4">
-    <dgm:fillClrLst meth="repeat">
-      <a:schemeClr val="accent1"/>
-    </dgm:fillClrLst>
-    <dgm:linClrLst meth="repeat">
-      <a:schemeClr val="accent1">
-        <a:shade val="80000"/>
-      </a:schemeClr>
-    </dgm:linClrLst>
-    <dgm:effectClrLst/>
-    <dgm:txLinClrLst/>
-    <dgm:txFillClrLst meth="repeat">
-      <a:schemeClr val="tx1"/>
-    </dgm:txFillClrLst>
-    <dgm:txEffectClrLst/>
-  </dgm:styleLbl>
-  <dgm:styleLbl name="fgAcc1">
-    <dgm:fillClrLst meth="repeat">
-      <a:schemeClr val="accent1">
-        <a:alpha val="90000"/>
-        <a:tint val="40000"/>
-      </a:schemeClr>
-    </dgm:fillClrLst>
-    <dgm:linClrLst meth="repeat">
-      <a:schemeClr val="accent1"/>
-    </dgm:linClrLst>
-    <dgm:effectClrLst/>
-    <dgm:txLinClrLst/>
-    <dgm:txFillClrLst meth="repeat">
-      <a:schemeClr val="dk1"/>
-    </dgm:txFillClrLst>
-    <dgm:txEffectClrLst/>
-  </dgm:styleLbl>
-  <dgm:styleLbl name="conFgAcc1">
-    <dgm:fillClrLst meth="repeat">
-      <a:schemeClr val="accent1">
-        <a:alpha val="90000"/>
-        <a:tint val="40000"/>
-      </a:schemeClr>
-    </dgm:fillClrLst>
-    <dgm:linClrLst meth="repeat">
-      <a:schemeClr val="accent1"/>
-    </dgm:linClrLst>
-    <dgm:effectClrLst/>
-    <dgm:txLinClrLst/>
-    <dgm:txFillClrLst meth="repeat">
-      <a:schemeClr val="dk1"/>
-    </dgm:txFillClrLst>
-    <dgm:txEffectClrLst/>
-  </dgm:styleLbl>
-  <dgm:styleLbl name="alignAcc1">
-    <dgm:fillClrLst meth="repeat">
-      <a:schemeClr val="accent1">
-        <a:alpha val="90000"/>
-        <a:tint val="40000"/>
-      </a:schemeClr>
-    </dgm:fillClrLst>
-    <dgm:linClrLst meth="repeat">
-      <a:schemeClr val="accent1"/>
-    </dgm:linClrLst>
-    <dgm:effectClrLst/>
-    <dgm:txLinClrLst/>
-    <dgm:txFillClrLst meth="repeat">
-      <a:schemeClr val="dk1"/>
-    </dgm:txFillClrLst>
-    <dgm:txEffectClrLst/>
-  </dgm:styleLbl>
-  <dgm:styleLbl name="trAlignAcc1">
-    <dgm:fillClrLst meth="repeat">
-      <a:schemeClr val="accent1">
-        <a:alpha val="40000"/>
-        <a:tint val="40000"/>
-      </a:schemeClr>
-    </dgm:fillClrLst>
-    <dgm:linClrLst meth="repeat">
-      <a:schemeClr val="accent1"/>
-    </dgm:linClrLst>
-    <dgm:effectClrLst/>
-    <dgm:txLinClrLst/>
-    <dgm:txFillClrLst meth="repeat">
-      <a:schemeClr val="dk1"/>
-    </dgm:txFillClrLst>
-    <dgm:txEffectClrLst/>
-  </dgm:styleLbl>
-  <dgm:styleLbl name="bgAcc1">
-    <dgm:fillClrLst meth="repeat">
-      <a:schemeClr val="accent1">
-        <a:alpha val="90000"/>
-        <a:tint val="40000"/>
-      </a:schemeClr>
-    </dgm:fillClrLst>
-    <dgm:linClrLst meth="repeat">
-      <a:schemeClr val="accent1"/>
-    </dgm:linClrLst>
-    <dgm:effectClrLst/>
-    <dgm:txLinClrLst/>
-    <dgm:txFillClrLst meth="repeat">
-      <a:schemeClr val="dk1"/>
-    </dgm:txFillClrLst>
-    <dgm:txEffectClrLst/>
-  </dgm:styleLbl>
-  <dgm:styleLbl name="solidFgAcc1">
-    <dgm:fillClrLst meth="repeat">
-      <a:schemeClr val="lt1"/>
-    </dgm:fillClrLst>
-    <dgm:linClrLst meth="repeat">
-      <a:schemeClr val="accent1"/>
-    </dgm:linClrLst>
-    <dgm:effectClrLst/>
-    <dgm:txLinClrLst/>
-    <dgm:txFillClrLst meth="repeat">
-      <a:schemeClr val="dk1"/>
-    </dgm:txFillClrLst>
-    <dgm:txEffectClrLst/>
-  </dgm:styleLbl>
-  <dgm:styleLbl name="solidAlignAcc1">
-    <dgm:fillClrLst meth="repeat">
-      <a:schemeClr val="lt1"/>
-    </dgm:fillClrLst>
-    <dgm:linClrLst meth="repeat">
-      <a:schemeClr val="accent1"/>
-    </dgm:linClrLst>
-    <dgm:effectClrLst/>
-    <dgm:txLinClrLst/>
-    <dgm:txFillClrLst meth="repeat">
-      <a:schemeClr val="dk1"/>
-    </dgm:txFillClrLst>
-    <dgm:txEffectClrLst/>
-  </dgm:styleLbl>
-  <dgm:styleLbl name="solidBgAcc1">
-    <dgm:fillClrLst meth="repeat">
-      <a:schemeClr val="lt1"/>
-    </dgm:fillClrLst>
-    <dgm:linClrLst meth="repeat">
-      <a:schemeClr val="accent1"/>
-    </dgm:linClrLst>
-    <dgm:effectClrLst/>
-    <dgm:txLinClrLst/>
-    <dgm:txFillClrLst meth="repeat">
-      <a:schemeClr val="dk1"/>
-    </dgm:txFillClrLst>
-    <dgm:txEffectClrLst/>
-  </dgm:styleLbl>
-  <dgm:styleLbl name="fgAccFollowNode1">
-    <dgm:fillClrLst meth="repeat">
-      <a:schemeClr val="lt1">
-        <a:alpha val="90000"/>
-        <a:tint val="40000"/>
-      </a:schemeClr>
-    </dgm:fillClrLst>
-    <dgm:linClrLst meth="repeat">
-      <a:schemeClr val="accent1">
-        <a:alpha val="90000"/>
-      </a:schemeClr>
-    </dgm:linClrLst>
-    <dgm:effectClrLst/>
-    <dgm:txLinClrLst/>
-    <dgm:txFillClrLst meth="repeat">
-      <a:schemeClr val="dk1"/>
-    </dgm:txFillClrLst>
-    <dgm:txEffectClrLst/>
-  </dgm:styleLbl>
-  <dgm:styleLbl name="alignAccFollowNode1">
-    <dgm:fillClrLst meth="repeat">
-      <a:schemeClr val="lt1">
-        <a:alpha val="90000"/>
-        <a:tint val="40000"/>
-      </a:schemeClr>
-    </dgm:fillClrLst>
-    <dgm:linClrLst meth="repeat">
-      <a:schemeClr val="accent1">
-        <a:alpha val="90000"/>
-      </a:schemeClr>
-    </dgm:linClrLst>
-    <dgm:effectClrLst/>
-    <dgm:txLinClrLst/>
-    <dgm:txFillClrLst meth="repeat">
-      <a:schemeClr val="dk1"/>
-    </dgm:txFillClrLst>
-    <dgm:txEffectClrLst/>
-  </dgm:styleLbl>
-  <dgm:styleLbl name="bgAccFollowNode1">
-    <dgm:fillClrLst meth="repeat">
-      <a:schemeClr val="lt1">
-        <a:alpha val="90000"/>
-        <a:tint val="40000"/>
-      </a:schemeClr>
-    </dgm:fillClrLst>
-    <dgm:linClrLst meth="repeat">
-      <a:schemeClr val="accent1">
-        <a:alpha val="90000"/>
-      </a:schemeClr>
-    </dgm:linClrLst>
-    <dgm:effectClrLst/>
-    <dgm:txLinClrLst/>
-    <dgm:txFillClrLst meth="repeat">
-      <a:schemeClr val="dk1"/>
-    </dgm:txFillClrLst>
-    <dgm:txEffectClrLst/>
-  </dgm:styleLbl>
-  <dgm:styleLbl name="fgAcc0">
-    <dgm:fillClrLst meth="repeat">
-      <a:schemeClr val="accent1">
-        <a:alpha val="90000"/>
-        <a:tint val="40000"/>
-      </a:schemeClr>
-    </dgm:fillClrLst>
-    <dgm:linClrLst meth="repeat">
-      <a:schemeClr val="accent1"/>
-    </dgm:linClrLst>
-    <dgm:effectClrLst/>
-    <dgm:txLinClrLst/>
-    <dgm:txFillClrLst meth="repeat">
-      <a:schemeClr val="dk1"/>
-    </dgm:txFillClrLst>
-    <dgm:txEffectClrLst/>
-  </dgm:styleLbl>
-  <dgm:styleLbl name="fgAcc2">
-    <dgm:fillClrLst meth="repeat">
-      <a:schemeClr val="accent1">
-        <a:alpha val="90000"/>
-        <a:tint val="40000"/>
-      </a:schemeClr>
-    </dgm:fillClrLst>
-    <dgm:linClrLst meth="repeat">
-      <a:schemeClr val="accent1"/>
-    </dgm:linClrLst>
-    <dgm:effectClrLst/>
-    <dgm:txLinClrLst/>
-    <dgm:txFillClrLst meth="repeat">
-      <a:schemeClr val="dk1"/>
-    </dgm:txFillClrLst>
-    <dgm:txEffectClrLst/>
-  </dgm:styleLbl>
-  <dgm:styleLbl name="fgAcc3">
-    <dgm:fillClrLst meth="repeat">
-      <a:schemeClr val="accent1">
-        <a:alpha val="90000"/>
-        <a:tint val="40000"/>
-      </a:schemeClr>
-    </dgm:fillClrLst>
-    <dgm:linClrLst meth="repeat">
-      <a:schemeClr val="accent1"/>
-    </dgm:linClrLst>
-    <dgm:effectClrLst/>
-    <dgm:txLinClrLst/>
-    <dgm:txFillClrLst meth="repeat">
-      <a:schemeClr val="dk1"/>
-    </dgm:txFillClrLst>
-    <dgm:txEffectClrLst/>
-  </dgm:styleLbl>
-  <dgm:styleLbl name="fgAcc4">
-    <dgm:fillClrLst meth="repeat">
-      <a:schemeClr val="accent1">
-        <a:alpha val="90000"/>
-        <a:tint val="40000"/>
-      </a:schemeClr>
-    </dgm:fillClrLst>
-    <dgm:linClrLst meth="repeat">
-      <a:schemeClr val="accent1"/>
-    </dgm:linClrLst>
-    <dgm:effectClrLst/>
-    <dgm:txLinClrLst/>
-    <dgm:txFillClrLst meth="repeat">
-      <a:schemeClr val="dk1"/>
-    </dgm:txFillClrLst>
-    <dgm:txEffectClrLst/>
-  </dgm:styleLbl>
-  <dgm:styleLbl name="bgShp">
-    <dgm:fillClrLst meth="repeat">
-      <a:schemeClr val="accent1">
-        <a:tint val="40000"/>
-      </a:schemeClr>
-    </dgm:fillClrLst>
-    <dgm:linClrLst meth="repeat">
-      <a:schemeClr val="accent1"/>
-    </dgm:linClrLst>
-    <dgm:effectClrLst/>
-    <dgm:txLinClrLst/>
-    <dgm:txFillClrLst meth="repeat">
-      <a:schemeClr val="dk1"/>
-    </dgm:txFillClrLst>
-    <dgm:txEffectClrLst/>
-  </dgm:styleLbl>
-  <dgm:styleLbl name="dkBgShp">
-    <dgm:fillClrLst meth="repeat">
-      <a:schemeClr val="accent1">
-        <a:shade val="80000"/>
-      </a:schemeClr>
-    </dgm:fillClrLst>
-    <dgm:linClrLst meth="repeat">
-      <a:schemeClr val="accent1"/>
-    </dgm:linClrLst>
-    <dgm:effectClrLst/>
-    <dgm:txLinClrLst/>
-    <dgm:txFillClrLst meth="repeat">
-      <a:schemeClr val="lt1"/>
-    </dgm:txFillClrLst>
-    <dgm:txEffectClrLst/>
-  </dgm:styleLbl>
-  <dgm:styleLbl name="trBgShp">
-    <dgm:fillClrLst meth="repeat">
-      <a:schemeClr val="accent1">
-        <a:tint val="50000"/>
-        <a:alpha val="40000"/>
-      </a:schemeClr>
-    </dgm:fillClrLst>
-    <dgm:linClrLst meth="repeat">
-      <a:schemeClr val="accent1"/>
-    </dgm:linClrLst>
-    <dgm:effectClrLst/>
-    <dgm:txLinClrLst/>
-    <dgm:txFillClrLst meth="repeat">
-      <a:schemeClr val="lt1"/>
-    </dgm:txFillClrLst>
-    <dgm:txEffectClrLst/>
-  </dgm:styleLbl>
-  <dgm:styleLbl name="fgShp">
-    <dgm:fillClrLst meth="repeat">
-      <a:schemeClr val="accent1">
-        <a:tint val="60000"/>
-      </a:schemeClr>
-    </dgm:fillClrLst>
-    <dgm:linClrLst meth="repeat">
-      <a:schemeClr val="lt1"/>
-    </dgm:linClrLst>
-    <dgm:effectClrLst/>
-    <dgm:txLinClrLst/>
-    <dgm:txFillClrLst meth="repeat">
-      <a:schemeClr val="dk1"/>
-    </dgm:txFillClrLst>
-    <dgm:txEffectClrLst/>
-  </dgm:styleLbl>
-  <dgm:styleLbl name="revTx">
-    <dgm:fillClrLst meth="repeat">
-      <a:schemeClr val="lt1">
-        <a:alpha val="0"/>
-      </a:schemeClr>
-    </dgm:fillClrLst>
-    <dgm:linClrLst meth="repeat">
-      <a:schemeClr val="dk1">
-        <a:alpha val="0"/>
-      </a:schemeClr>
-    </dgm:linClrLst>
-    <dgm:effectClrLst/>
-    <dgm:txLinClrLst/>
-    <dgm:txFillClrLst meth="repeat">
-      <a:schemeClr val="tx1"/>
-    </dgm:txFillClrLst>
-    <dgm:txEffectClrLst/>
-  </dgm:styleLbl>
-</dgm:colorsDef>
-</file>
-
-<file path=ppt/diagrams/data1.xml><?xml version="1.0" encoding="utf-8"?>
-<dgm:dataModel xmlns:dgm="http://schemas.openxmlformats.org/drawingml/2006/diagram" xmlns:a="http://schemas.openxmlformats.org/drawingml/2006/main">
-  <dgm:ptLst>
-    <dgm:pt modelId="{C53CC6D8-DEFC-45FD-8207-E1ECCC27EA85}" type="doc">
-      <dgm:prSet loTypeId="urn:microsoft.com/office/officeart/2005/8/layout/lProcess1" loCatId="process" qsTypeId="urn:microsoft.com/office/officeart/2005/8/quickstyle/simple4" qsCatId="simple" csTypeId="urn:microsoft.com/office/officeart/2005/8/colors/accent1_1" csCatId="accent1" phldr="1"/>
-      <dgm:spPr/>
-      <dgm:t>
-        <a:bodyPr/>
-        <a:lstStyle/>
-        <a:p>
-          <a:endParaRPr lang="en-US"/>
-        </a:p>
-      </dgm:t>
-    </dgm:pt>
-    <dgm:pt modelId="{516A4DDC-76BD-494E-B503-625555CCBC4A}">
-      <dgm:prSet phldrT="[Text]"/>
-      <dgm:spPr/>
-      <dgm:t>
-        <a:bodyPr/>
-        <a:lstStyle/>
-        <a:p>
-          <a:r>
-            <a:rPr lang="en-US" dirty="0" err="1"/>
-            <a:t>Blockchain</a:t>
-          </a:r>
-          <a:endParaRPr lang="en-US" dirty="0"/>
-        </a:p>
-      </dgm:t>
-    </dgm:pt>
-    <dgm:pt modelId="{133DE2D2-6278-469E-8A80-F71EA996A07A}" type="parTrans" cxnId="{7B595755-BE81-46A0-903D-004D1EF6EE33}">
-      <dgm:prSet/>
-      <dgm:spPr/>
-      <dgm:t>
-        <a:bodyPr/>
-        <a:lstStyle/>
-        <a:p>
-          <a:endParaRPr lang="en-US"/>
-        </a:p>
-      </dgm:t>
-    </dgm:pt>
-    <dgm:pt modelId="{AE4D7DCA-0B66-4207-B896-C721B2CB4C13}" type="sibTrans" cxnId="{7B595755-BE81-46A0-903D-004D1EF6EE33}">
-      <dgm:prSet/>
-      <dgm:spPr/>
-      <dgm:t>
-        <a:bodyPr/>
-        <a:lstStyle/>
-        <a:p>
-          <a:endParaRPr lang="en-US"/>
-        </a:p>
-      </dgm:t>
-    </dgm:pt>
-    <dgm:pt modelId="{41E3B52E-71B8-4BD0-B1ED-D051FFB12506}">
-      <dgm:prSet phldrT="[Text]"/>
-      <dgm:spPr/>
-      <dgm:t>
-        <a:bodyPr/>
-        <a:lstStyle/>
-        <a:p>
-          <a:r>
-            <a:rPr lang="en-US" dirty="0" err="1"/>
-            <a:t>Coinbase</a:t>
-          </a:r>
-          <a:endParaRPr lang="en-US" dirty="0"/>
-        </a:p>
-      </dgm:t>
-    </dgm:pt>
-    <dgm:pt modelId="{DA206B73-34B1-48E4-A513-9978853BF217}" type="parTrans" cxnId="{0F0D3551-AF94-422C-87FE-80E4E27CB025}">
-      <dgm:prSet/>
-      <dgm:spPr/>
-      <dgm:t>
-        <a:bodyPr/>
-        <a:lstStyle/>
-        <a:p>
-          <a:endParaRPr lang="en-US"/>
-        </a:p>
-      </dgm:t>
-    </dgm:pt>
-    <dgm:pt modelId="{2436D701-8B79-4C2B-92A4-52BC1BA24775}" type="sibTrans" cxnId="{0F0D3551-AF94-422C-87FE-80E4E27CB025}">
-      <dgm:prSet/>
-      <dgm:spPr/>
-      <dgm:t>
-        <a:bodyPr/>
-        <a:lstStyle/>
-        <a:p>
-          <a:endParaRPr lang="en-US"/>
-        </a:p>
-      </dgm:t>
-    </dgm:pt>
-    <dgm:pt modelId="{CD410504-9F7F-47AE-B46E-CE985680360F}">
-      <dgm:prSet phldrT="[Text]"/>
-      <dgm:spPr/>
-      <dgm:t>
-        <a:bodyPr/>
-        <a:lstStyle/>
-        <a:p>
-          <a:r>
-            <a:rPr lang="en-US" dirty="0"/>
-            <a:t>Task description</a:t>
-          </a:r>
-        </a:p>
-      </dgm:t>
-    </dgm:pt>
-    <dgm:pt modelId="{995C4470-49EF-4BD9-B00A-AD612181AB58}" type="parTrans" cxnId="{6B045370-B4FF-427A-9929-461476AAE193}">
-      <dgm:prSet/>
-      <dgm:spPr/>
-      <dgm:t>
-        <a:bodyPr/>
-        <a:lstStyle/>
-        <a:p>
-          <a:endParaRPr lang="en-US"/>
-        </a:p>
-      </dgm:t>
-    </dgm:pt>
-    <dgm:pt modelId="{2B847D36-6E88-4DD3-AABD-579C99426233}" type="sibTrans" cxnId="{6B045370-B4FF-427A-9929-461476AAE193}">
-      <dgm:prSet/>
-      <dgm:spPr/>
-      <dgm:t>
-        <a:bodyPr/>
-        <a:lstStyle/>
-        <a:p>
-          <a:endParaRPr lang="en-US"/>
-        </a:p>
-      </dgm:t>
-    </dgm:pt>
-    <dgm:pt modelId="{C4FF5CFA-9CEF-4C34-984A-CC28F232798F}">
-      <dgm:prSet phldrT="[Text]"/>
-      <dgm:spPr/>
-      <dgm:t>
-        <a:bodyPr/>
-        <a:lstStyle/>
-        <a:p>
-          <a:r>
-            <a:rPr lang="en-US" dirty="0"/>
-            <a:t>Task description</a:t>
-          </a:r>
-        </a:p>
-      </dgm:t>
-    </dgm:pt>
-    <dgm:pt modelId="{92813948-C227-4EB2-8530-43003E3CB375}" type="parTrans" cxnId="{710659EC-6706-425F-81BB-5F1E070F7D4D}">
-      <dgm:prSet/>
-      <dgm:spPr/>
-      <dgm:t>
-        <a:bodyPr/>
-        <a:lstStyle/>
-        <a:p>
-          <a:endParaRPr lang="en-US"/>
-        </a:p>
-      </dgm:t>
-    </dgm:pt>
-    <dgm:pt modelId="{B551F8FA-E415-4EE1-BA68-D13E7D2E980B}" type="sibTrans" cxnId="{710659EC-6706-425F-81BB-5F1E070F7D4D}">
-      <dgm:prSet/>
-      <dgm:spPr/>
-      <dgm:t>
-        <a:bodyPr/>
-        <a:lstStyle/>
-        <a:p>
-          <a:endParaRPr lang="en-US"/>
-        </a:p>
-      </dgm:t>
-    </dgm:pt>
-    <dgm:pt modelId="{5CBEC7DD-A25D-4956-9A65-6EA385F6FCB5}">
-      <dgm:prSet phldrT="[Text]"/>
-      <dgm:spPr/>
-      <dgm:t>
-        <a:bodyPr/>
-        <a:lstStyle/>
-        <a:p>
-          <a:r>
-            <a:rPr lang="en-US" dirty="0"/>
-            <a:t>Task description</a:t>
-          </a:r>
-        </a:p>
-      </dgm:t>
-    </dgm:pt>
-    <dgm:pt modelId="{F342D04F-4D11-41CC-AB66-36041A902B44}" type="parTrans" cxnId="{0687A885-2354-4E9E-B313-4269283F0057}">
-      <dgm:prSet/>
-      <dgm:spPr/>
-      <dgm:t>
-        <a:bodyPr/>
-        <a:lstStyle/>
-        <a:p>
-          <a:endParaRPr lang="en-US"/>
-        </a:p>
-      </dgm:t>
-    </dgm:pt>
-    <dgm:pt modelId="{BD0F67B1-39E4-45ED-9534-FB8F89E8EEF6}" type="sibTrans" cxnId="{0687A885-2354-4E9E-B313-4269283F0057}">
-      <dgm:prSet/>
-      <dgm:spPr/>
-      <dgm:t>
-        <a:bodyPr/>
-        <a:lstStyle/>
-        <a:p>
-          <a:endParaRPr lang="en-US"/>
-        </a:p>
-      </dgm:t>
-    </dgm:pt>
-    <dgm:pt modelId="{33BF0E2A-2B00-40A5-832E-FC800DCA5982}">
-      <dgm:prSet phldrT="[Text]"/>
-      <dgm:spPr/>
-      <dgm:t>
-        <a:bodyPr/>
-        <a:lstStyle/>
-        <a:p>
-          <a:r>
-            <a:rPr lang="en-US" dirty="0"/>
-            <a:t>Task description</a:t>
-          </a:r>
-        </a:p>
-      </dgm:t>
-    </dgm:pt>
-    <dgm:pt modelId="{F8C31ED9-A2C0-4A09-A419-0AE9A44BB8DF}" type="parTrans" cxnId="{B522739A-4DEE-43CF-9357-A84EF1EEE7ED}">
-      <dgm:prSet/>
-      <dgm:spPr/>
-      <dgm:t>
-        <a:bodyPr/>
-        <a:lstStyle/>
-        <a:p>
-          <a:endParaRPr lang="en-US"/>
-        </a:p>
-      </dgm:t>
-    </dgm:pt>
-    <dgm:pt modelId="{E373698D-1356-47A7-A591-B72BFE77C3D1}" type="sibTrans" cxnId="{B522739A-4DEE-43CF-9357-A84EF1EEE7ED}">
-      <dgm:prSet/>
-      <dgm:spPr/>
-      <dgm:t>
-        <a:bodyPr/>
-        <a:lstStyle/>
-        <a:p>
-          <a:endParaRPr lang="en-US"/>
-        </a:p>
-      </dgm:t>
-    </dgm:pt>
-    <dgm:pt modelId="{F7CED298-1605-4B60-9FC8-0A4C25C5AA00}">
-      <dgm:prSet phldrT="[Text]"/>
-      <dgm:spPr/>
-      <dgm:t>
-        <a:bodyPr/>
-        <a:lstStyle/>
-        <a:p>
-          <a:r>
-            <a:rPr lang="en-US" dirty="0"/>
-            <a:t>Task description</a:t>
-          </a:r>
-        </a:p>
-      </dgm:t>
-    </dgm:pt>
-    <dgm:pt modelId="{618E2D9E-4CAE-48D5-9A0F-94DAE74A2D69}" type="parTrans" cxnId="{206D6826-92C5-4EEE-A28E-254E966FF0A0}">
-      <dgm:prSet/>
-      <dgm:spPr/>
-      <dgm:t>
-        <a:bodyPr/>
-        <a:lstStyle/>
-        <a:p>
-          <a:endParaRPr lang="en-US"/>
-        </a:p>
-      </dgm:t>
-    </dgm:pt>
-    <dgm:pt modelId="{1009FF03-5F93-449C-AF20-55447EEE50AB}" type="sibTrans" cxnId="{206D6826-92C5-4EEE-A28E-254E966FF0A0}">
-      <dgm:prSet/>
-      <dgm:spPr/>
-      <dgm:t>
-        <a:bodyPr/>
-        <a:lstStyle/>
-        <a:p>
-          <a:endParaRPr lang="en-US"/>
-        </a:p>
-      </dgm:t>
-    </dgm:pt>
-    <dgm:pt modelId="{87D09C77-9C5B-45C2-ACC9-ACEA66F18198}">
-      <dgm:prSet phldrT="[Text]"/>
-      <dgm:spPr/>
-      <dgm:t>
-        <a:bodyPr/>
-        <a:lstStyle/>
-        <a:p>
-          <a:r>
-            <a:rPr lang="en-US" dirty="0"/>
-            <a:t>Task description</a:t>
-          </a:r>
-        </a:p>
-      </dgm:t>
-    </dgm:pt>
-    <dgm:pt modelId="{A7A65ADC-DB8A-4F76-8458-BC8354307C90}" type="parTrans" cxnId="{542EFA5A-B279-4120-B9BA-FE4ABDE4AFDD}">
-      <dgm:prSet/>
-      <dgm:spPr/>
-      <dgm:t>
-        <a:bodyPr/>
-        <a:lstStyle/>
-        <a:p>
-          <a:endParaRPr lang="en-US"/>
-        </a:p>
-      </dgm:t>
-    </dgm:pt>
-    <dgm:pt modelId="{8234610D-6FEE-4546-99B0-60EDB0B3BAEC}" type="sibTrans" cxnId="{542EFA5A-B279-4120-B9BA-FE4ABDE4AFDD}">
-      <dgm:prSet/>
-      <dgm:spPr/>
-      <dgm:t>
-        <a:bodyPr/>
-        <a:lstStyle/>
-        <a:p>
-          <a:endParaRPr lang="en-US"/>
-        </a:p>
-      </dgm:t>
-    </dgm:pt>
-    <dgm:pt modelId="{CAE20587-4D50-4B6B-A17D-199722D630E2}">
-      <dgm:prSet phldrT="[Text]"/>
-      <dgm:spPr/>
-      <dgm:t>
-        <a:bodyPr/>
-        <a:lstStyle/>
-        <a:p>
-          <a:r>
-            <a:rPr lang="en-US" dirty="0"/>
-            <a:t>Task description</a:t>
-          </a:r>
-        </a:p>
-      </dgm:t>
-    </dgm:pt>
-    <dgm:pt modelId="{6CEBC692-6F9A-47B4-948E-5AEB8FCFD251}" type="parTrans" cxnId="{D22C632F-8F8B-48FF-A898-48FD446A5F78}">
-      <dgm:prSet/>
-      <dgm:spPr/>
-      <dgm:t>
-        <a:bodyPr/>
-        <a:lstStyle/>
-        <a:p>
-          <a:endParaRPr lang="en-US"/>
-        </a:p>
-      </dgm:t>
-    </dgm:pt>
-    <dgm:pt modelId="{7656320D-CC13-4DD7-8A30-F9FDC84AC6F2}" type="sibTrans" cxnId="{D22C632F-8F8B-48FF-A898-48FD446A5F78}">
-      <dgm:prSet/>
-      <dgm:spPr/>
-      <dgm:t>
-        <a:bodyPr/>
-        <a:lstStyle/>
-        <a:p>
-          <a:endParaRPr lang="en-US"/>
-        </a:p>
-      </dgm:t>
-    </dgm:pt>
-    <dgm:pt modelId="{EA587102-578B-46F3-8D9E-CEC48527A898}">
-      <dgm:prSet phldrT="[Text]"/>
-      <dgm:spPr/>
-      <dgm:t>
-        <a:bodyPr/>
-        <a:lstStyle/>
-        <a:p>
-          <a:r>
-            <a:rPr lang="en-US" dirty="0" err="1"/>
-            <a:t>Ethereum</a:t>
-          </a:r>
-          <a:endParaRPr lang="en-US" dirty="0"/>
-        </a:p>
-      </dgm:t>
-    </dgm:pt>
-    <dgm:pt modelId="{5B4D99EA-4A7D-4EFB-95FC-BCCF98693CA7}" type="parTrans" cxnId="{A7B8947C-EA6E-47DE-814B-A0994EFA8C28}">
-      <dgm:prSet/>
-      <dgm:spPr/>
-      <dgm:t>
-        <a:bodyPr/>
-        <a:lstStyle/>
-        <a:p>
-          <a:endParaRPr lang="en-US"/>
-        </a:p>
-      </dgm:t>
-    </dgm:pt>
-    <dgm:pt modelId="{8D504E2C-8A70-4591-8ECD-4A886FADED33}" type="sibTrans" cxnId="{A7B8947C-EA6E-47DE-814B-A0994EFA8C28}">
-      <dgm:prSet/>
-      <dgm:spPr/>
-      <dgm:t>
-        <a:bodyPr/>
-        <a:lstStyle/>
-        <a:p>
-          <a:endParaRPr lang="en-US"/>
-        </a:p>
-      </dgm:t>
-    </dgm:pt>
-    <dgm:pt modelId="{038F6A6A-232A-44A4-9628-ADFA8F068F81}">
-      <dgm:prSet phldrT="[Text]"/>
-      <dgm:spPr/>
-      <dgm:t>
-        <a:bodyPr/>
-        <a:lstStyle/>
-        <a:p>
-          <a:r>
-            <a:rPr lang="en-US" dirty="0"/>
-            <a:t>Task description</a:t>
-          </a:r>
-        </a:p>
-      </dgm:t>
-    </dgm:pt>
-    <dgm:pt modelId="{403B4542-B2F8-496D-BBEA-3A684B1106F9}" type="parTrans" cxnId="{0DC50B81-769A-4AC7-8C73-8EF8D8334AA1}">
-      <dgm:prSet/>
-      <dgm:spPr/>
-      <dgm:t>
-        <a:bodyPr/>
-        <a:lstStyle/>
-        <a:p>
-          <a:endParaRPr lang="en-US"/>
-        </a:p>
-      </dgm:t>
-    </dgm:pt>
-    <dgm:pt modelId="{ABE7D012-6867-48DA-AF76-FDB8ECBB944D}" type="sibTrans" cxnId="{0DC50B81-769A-4AC7-8C73-8EF8D8334AA1}">
-      <dgm:prSet/>
-      <dgm:spPr/>
-      <dgm:t>
-        <a:bodyPr/>
-        <a:lstStyle/>
-        <a:p>
-          <a:endParaRPr lang="en-US"/>
-        </a:p>
-      </dgm:t>
-    </dgm:pt>
-    <dgm:pt modelId="{15982A38-A73B-4943-B138-EA0EAB77BC29}">
-      <dgm:prSet phldrT="[Text]"/>
-      <dgm:spPr/>
-      <dgm:t>
-        <a:bodyPr/>
-        <a:lstStyle/>
-        <a:p>
-          <a:r>
-            <a:rPr lang="en-US" dirty="0"/>
-            <a:t>Task description</a:t>
-          </a:r>
-        </a:p>
-      </dgm:t>
-    </dgm:pt>
-    <dgm:pt modelId="{7CBA4BA7-B8C9-4EC9-9C51-4E810224FE14}" type="parTrans" cxnId="{B767AB03-F7F7-492B-8158-C75E1682A10F}">
-      <dgm:prSet/>
-      <dgm:spPr/>
-      <dgm:t>
-        <a:bodyPr/>
-        <a:lstStyle/>
-        <a:p>
-          <a:endParaRPr lang="en-US"/>
-        </a:p>
-      </dgm:t>
-    </dgm:pt>
-    <dgm:pt modelId="{9295158E-0763-4655-AD0E-61686A560F58}" type="sibTrans" cxnId="{B767AB03-F7F7-492B-8158-C75E1682A10F}">
-      <dgm:prSet/>
-      <dgm:spPr/>
-      <dgm:t>
-        <a:bodyPr/>
-        <a:lstStyle/>
-        <a:p>
-          <a:endParaRPr lang="en-US"/>
-        </a:p>
-      </dgm:t>
-    </dgm:pt>
-    <dgm:pt modelId="{5CA89521-836B-470D-B51C-F8A4714D4EFF}">
-      <dgm:prSet phldrT="[Text]"/>
-      <dgm:spPr/>
-      <dgm:t>
-        <a:bodyPr/>
-        <a:lstStyle/>
-        <a:p>
-          <a:r>
-            <a:rPr lang="en-US" dirty="0"/>
-            <a:t>IBM</a:t>
-          </a:r>
-        </a:p>
-      </dgm:t>
-    </dgm:pt>
-    <dgm:pt modelId="{D7F37AAF-020D-463D-9735-A1336884A6AE}" type="parTrans" cxnId="{6D853954-67EB-442C-9F5A-866B9247A562}">
-      <dgm:prSet/>
-      <dgm:spPr/>
-      <dgm:t>
-        <a:bodyPr/>
-        <a:lstStyle/>
-        <a:p>
-          <a:endParaRPr lang="en-US"/>
-        </a:p>
-      </dgm:t>
-    </dgm:pt>
-    <dgm:pt modelId="{C27250CA-FF59-4A03-8472-477331DB98EB}" type="sibTrans" cxnId="{6D853954-67EB-442C-9F5A-866B9247A562}">
-      <dgm:prSet/>
-      <dgm:spPr/>
-      <dgm:t>
-        <a:bodyPr/>
-        <a:lstStyle/>
-        <a:p>
-          <a:endParaRPr lang="en-US"/>
-        </a:p>
-      </dgm:t>
-    </dgm:pt>
-    <dgm:pt modelId="{63746B76-9534-4F4F-B65B-B8A9AACC03F9}">
-      <dgm:prSet phldrT="[Text]"/>
-      <dgm:spPr/>
-      <dgm:t>
-        <a:bodyPr/>
-        <a:lstStyle/>
-        <a:p>
-          <a:r>
-            <a:rPr lang="en-US" dirty="0"/>
-            <a:t>Task description</a:t>
-          </a:r>
-        </a:p>
-      </dgm:t>
-    </dgm:pt>
-    <dgm:pt modelId="{525F31A2-90BB-4E18-B1F5-10D38B8099D9}" type="parTrans" cxnId="{36634D94-C210-4DDC-A75A-FBCAAFC75039}">
-      <dgm:prSet/>
-      <dgm:spPr/>
-      <dgm:t>
-        <a:bodyPr/>
-        <a:lstStyle/>
-        <a:p>
-          <a:endParaRPr lang="en-US"/>
-        </a:p>
-      </dgm:t>
-    </dgm:pt>
-    <dgm:pt modelId="{A9C1E709-4F9E-4AAB-BB7C-51A08921302E}" type="sibTrans" cxnId="{36634D94-C210-4DDC-A75A-FBCAAFC75039}">
-      <dgm:prSet/>
-      <dgm:spPr/>
-      <dgm:t>
-        <a:bodyPr/>
-        <a:lstStyle/>
-        <a:p>
-          <a:endParaRPr lang="en-US"/>
-        </a:p>
-      </dgm:t>
-    </dgm:pt>
-    <dgm:pt modelId="{5CB20C1A-D92D-4DED-BB1B-D113E2006C55}">
-      <dgm:prSet phldrT="[Text]"/>
-      <dgm:spPr/>
-      <dgm:t>
-        <a:bodyPr/>
-        <a:lstStyle/>
-        <a:p>
-          <a:r>
-            <a:rPr lang="en-US" dirty="0"/>
-            <a:t>Task description</a:t>
-          </a:r>
-        </a:p>
-      </dgm:t>
-    </dgm:pt>
-    <dgm:pt modelId="{5ABE8E5F-26E3-4C88-A09C-44363B99D147}" type="parTrans" cxnId="{D1EB8A19-014C-42AE-9F8D-325E631D8FE9}">
-      <dgm:prSet/>
-      <dgm:spPr/>
-      <dgm:t>
-        <a:bodyPr/>
-        <a:lstStyle/>
-        <a:p>
-          <a:endParaRPr lang="en-US"/>
-        </a:p>
-      </dgm:t>
-    </dgm:pt>
-    <dgm:pt modelId="{7BA6E93A-EC79-4425-BCAD-9518E06A22F9}" type="sibTrans" cxnId="{D1EB8A19-014C-42AE-9F8D-325E631D8FE9}">
-      <dgm:prSet/>
-      <dgm:spPr/>
-      <dgm:t>
-        <a:bodyPr/>
-        <a:lstStyle/>
-        <a:p>
-          <a:endParaRPr lang="en-US"/>
-        </a:p>
-      </dgm:t>
-    </dgm:pt>
-    <dgm:pt modelId="{22D8E0AF-322E-4A8E-BC3C-6E9E9A51F58F}" type="pres">
-      <dgm:prSet presAssocID="{C53CC6D8-DEFC-45FD-8207-E1ECCC27EA85}" presName="Name0" presStyleCnt="0">
-        <dgm:presLayoutVars>
-          <dgm:dir/>
-          <dgm:animLvl val="lvl"/>
-          <dgm:resizeHandles val="exact"/>
-        </dgm:presLayoutVars>
-      </dgm:prSet>
-      <dgm:spPr/>
-    </dgm:pt>
-    <dgm:pt modelId="{B1443ED3-5E34-456D-8CD9-88B600EDA95F}" type="pres">
-      <dgm:prSet presAssocID="{516A4DDC-76BD-494E-B503-625555CCBC4A}" presName="vertFlow" presStyleCnt="0"/>
-      <dgm:spPr/>
-    </dgm:pt>
-    <dgm:pt modelId="{9BBCF6CE-E750-48B6-B333-305BBB100737}" type="pres">
-      <dgm:prSet presAssocID="{516A4DDC-76BD-494E-B503-625555CCBC4A}" presName="header" presStyleLbl="node1" presStyleIdx="0" presStyleCnt="4"/>
-      <dgm:spPr/>
-    </dgm:pt>
-    <dgm:pt modelId="{1B1F80F4-E9A5-4A99-A630-6548067B7CB5}" type="pres">
-      <dgm:prSet presAssocID="{995C4470-49EF-4BD9-B00A-AD612181AB58}" presName="parTrans" presStyleLbl="sibTrans2D1" presStyleIdx="0" presStyleCnt="11"/>
-      <dgm:spPr/>
-    </dgm:pt>
-    <dgm:pt modelId="{85447532-8740-4202-B6A5-AE63748B9291}" type="pres">
-      <dgm:prSet presAssocID="{CD410504-9F7F-47AE-B46E-CE985680360F}" presName="child" presStyleLbl="alignAccFollowNode1" presStyleIdx="0" presStyleCnt="11">
-        <dgm:presLayoutVars>
-          <dgm:chMax val="0"/>
-          <dgm:bulletEnabled val="1"/>
-        </dgm:presLayoutVars>
-      </dgm:prSet>
-      <dgm:spPr/>
-    </dgm:pt>
-    <dgm:pt modelId="{7CAEA63C-96B5-40D4-900F-409598FDB0C1}" type="pres">
-      <dgm:prSet presAssocID="{2B847D36-6E88-4DD3-AABD-579C99426233}" presName="sibTrans" presStyleLbl="sibTrans2D1" presStyleIdx="1" presStyleCnt="11"/>
-      <dgm:spPr/>
-    </dgm:pt>
-    <dgm:pt modelId="{459BBFF8-CE50-41AE-9B5E-F6026BBE4F45}" type="pres">
-      <dgm:prSet presAssocID="{C4FF5CFA-9CEF-4C34-984A-CC28F232798F}" presName="child" presStyleLbl="alignAccFollowNode1" presStyleIdx="1" presStyleCnt="11">
-        <dgm:presLayoutVars>
-          <dgm:chMax val="0"/>
-          <dgm:bulletEnabled val="1"/>
-        </dgm:presLayoutVars>
-      </dgm:prSet>
-      <dgm:spPr/>
-    </dgm:pt>
-    <dgm:pt modelId="{A65C4264-24F4-4122-844B-F5E582EC0111}" type="pres">
-      <dgm:prSet presAssocID="{B551F8FA-E415-4EE1-BA68-D13E7D2E980B}" presName="sibTrans" presStyleLbl="sibTrans2D1" presStyleIdx="2" presStyleCnt="11"/>
-      <dgm:spPr/>
-    </dgm:pt>
-    <dgm:pt modelId="{9A5E1799-26FB-4959-97AA-0FCC22761318}" type="pres">
-      <dgm:prSet presAssocID="{F7CED298-1605-4B60-9FC8-0A4C25C5AA00}" presName="child" presStyleLbl="alignAccFollowNode1" presStyleIdx="2" presStyleCnt="11">
-        <dgm:presLayoutVars>
-          <dgm:chMax val="0"/>
-          <dgm:bulletEnabled val="1"/>
-        </dgm:presLayoutVars>
-      </dgm:prSet>
-      <dgm:spPr/>
-    </dgm:pt>
-    <dgm:pt modelId="{3FBD4BD3-B74D-4AAB-9295-AE19DCC50691}" type="pres">
-      <dgm:prSet presAssocID="{1009FF03-5F93-449C-AF20-55447EEE50AB}" presName="sibTrans" presStyleLbl="sibTrans2D1" presStyleIdx="3" presStyleCnt="11"/>
-      <dgm:spPr/>
-    </dgm:pt>
-    <dgm:pt modelId="{8C46515F-5745-4BFE-8634-C34D77574BE3}" type="pres">
-      <dgm:prSet presAssocID="{87D09C77-9C5B-45C2-ACC9-ACEA66F18198}" presName="child" presStyleLbl="alignAccFollowNode1" presStyleIdx="3" presStyleCnt="11">
-        <dgm:presLayoutVars>
-          <dgm:chMax val="0"/>
-          <dgm:bulletEnabled val="1"/>
-        </dgm:presLayoutVars>
-      </dgm:prSet>
-      <dgm:spPr/>
-    </dgm:pt>
-    <dgm:pt modelId="{8F2F3A22-7A2A-4EE4-9C5B-70F6E89B9064}" type="pres">
-      <dgm:prSet presAssocID="{516A4DDC-76BD-494E-B503-625555CCBC4A}" presName="hSp" presStyleCnt="0"/>
-      <dgm:spPr/>
-    </dgm:pt>
-    <dgm:pt modelId="{734C3A16-72FA-42CA-BF15-F44513245016}" type="pres">
-      <dgm:prSet presAssocID="{41E3B52E-71B8-4BD0-B1ED-D051FFB12506}" presName="vertFlow" presStyleCnt="0"/>
-      <dgm:spPr/>
-    </dgm:pt>
-    <dgm:pt modelId="{09ADE9CE-20B7-4A4E-BED6-D56E4ED1D855}" type="pres">
-      <dgm:prSet presAssocID="{41E3B52E-71B8-4BD0-B1ED-D051FFB12506}" presName="header" presStyleLbl="node1" presStyleIdx="1" presStyleCnt="4"/>
-      <dgm:spPr/>
-    </dgm:pt>
-    <dgm:pt modelId="{C8CE6287-76AA-46C4-B478-0F9183DE6118}" type="pres">
-      <dgm:prSet presAssocID="{F342D04F-4D11-41CC-AB66-36041A902B44}" presName="parTrans" presStyleLbl="sibTrans2D1" presStyleIdx="4" presStyleCnt="11"/>
-      <dgm:spPr/>
-    </dgm:pt>
-    <dgm:pt modelId="{F7AA6D3E-BCE0-4C06-B101-080DA85DCB01}" type="pres">
-      <dgm:prSet presAssocID="{5CBEC7DD-A25D-4956-9A65-6EA385F6FCB5}" presName="child" presStyleLbl="alignAccFollowNode1" presStyleIdx="4" presStyleCnt="11">
-        <dgm:presLayoutVars>
-          <dgm:chMax val="0"/>
-          <dgm:bulletEnabled val="1"/>
-        </dgm:presLayoutVars>
-      </dgm:prSet>
-      <dgm:spPr/>
-    </dgm:pt>
-    <dgm:pt modelId="{DDA5CBC7-AA05-481A-A03A-3964C1BBBB5A}" type="pres">
-      <dgm:prSet presAssocID="{BD0F67B1-39E4-45ED-9534-FB8F89E8EEF6}" presName="sibTrans" presStyleLbl="sibTrans2D1" presStyleIdx="5" presStyleCnt="11"/>
-      <dgm:spPr/>
-    </dgm:pt>
-    <dgm:pt modelId="{73DBFA1A-3823-4209-9CD6-DBDD456F39FB}" type="pres">
-      <dgm:prSet presAssocID="{33BF0E2A-2B00-40A5-832E-FC800DCA5982}" presName="child" presStyleLbl="alignAccFollowNode1" presStyleIdx="5" presStyleCnt="11">
-        <dgm:presLayoutVars>
-          <dgm:chMax val="0"/>
-          <dgm:bulletEnabled val="1"/>
-        </dgm:presLayoutVars>
-      </dgm:prSet>
-      <dgm:spPr/>
-    </dgm:pt>
-    <dgm:pt modelId="{E7F7C4A8-2F3A-49BA-B2E4-CF48FCA5D8D8}" type="pres">
-      <dgm:prSet presAssocID="{E373698D-1356-47A7-A591-B72BFE77C3D1}" presName="sibTrans" presStyleLbl="sibTrans2D1" presStyleIdx="6" presStyleCnt="11"/>
-      <dgm:spPr/>
-    </dgm:pt>
-    <dgm:pt modelId="{68423B8C-DD55-4C1A-86D3-87118415FFA7}" type="pres">
-      <dgm:prSet presAssocID="{CAE20587-4D50-4B6B-A17D-199722D630E2}" presName="child" presStyleLbl="alignAccFollowNode1" presStyleIdx="6" presStyleCnt="11">
-        <dgm:presLayoutVars>
-          <dgm:chMax val="0"/>
-          <dgm:bulletEnabled val="1"/>
-        </dgm:presLayoutVars>
-      </dgm:prSet>
-      <dgm:spPr/>
-    </dgm:pt>
-    <dgm:pt modelId="{D5E79C7E-BA4F-41B5-AEAD-7D11CABDB66C}" type="pres">
-      <dgm:prSet presAssocID="{41E3B52E-71B8-4BD0-B1ED-D051FFB12506}" presName="hSp" presStyleCnt="0"/>
-      <dgm:spPr/>
-    </dgm:pt>
-    <dgm:pt modelId="{96EC6E5F-616C-4A0E-8B47-23C2DB360B15}" type="pres">
-      <dgm:prSet presAssocID="{EA587102-578B-46F3-8D9E-CEC48527A898}" presName="vertFlow" presStyleCnt="0"/>
-      <dgm:spPr/>
-    </dgm:pt>
-    <dgm:pt modelId="{67971461-EE07-4B5E-A0C3-A166C6559682}" type="pres">
-      <dgm:prSet presAssocID="{EA587102-578B-46F3-8D9E-CEC48527A898}" presName="header" presStyleLbl="node1" presStyleIdx="2" presStyleCnt="4"/>
-      <dgm:spPr/>
-    </dgm:pt>
-    <dgm:pt modelId="{BF9CEF10-4726-4D20-AC2F-85DE706D0D00}" type="pres">
-      <dgm:prSet presAssocID="{403B4542-B2F8-496D-BBEA-3A684B1106F9}" presName="parTrans" presStyleLbl="sibTrans2D1" presStyleIdx="7" presStyleCnt="11"/>
-      <dgm:spPr/>
-    </dgm:pt>
-    <dgm:pt modelId="{C1386769-D313-4B62-9BE9-A84DD636105E}" type="pres">
-      <dgm:prSet presAssocID="{038F6A6A-232A-44A4-9628-ADFA8F068F81}" presName="child" presStyleLbl="alignAccFollowNode1" presStyleIdx="7" presStyleCnt="11">
-        <dgm:presLayoutVars>
-          <dgm:chMax val="0"/>
-          <dgm:bulletEnabled val="1"/>
-        </dgm:presLayoutVars>
-      </dgm:prSet>
-      <dgm:spPr/>
-    </dgm:pt>
-    <dgm:pt modelId="{0C1CAC8B-CC80-49DA-9707-021AB163C55F}" type="pres">
-      <dgm:prSet presAssocID="{ABE7D012-6867-48DA-AF76-FDB8ECBB944D}" presName="sibTrans" presStyleLbl="sibTrans2D1" presStyleIdx="8" presStyleCnt="11"/>
-      <dgm:spPr/>
-    </dgm:pt>
-    <dgm:pt modelId="{2985E292-795D-4403-BD7F-3A17BE0B21A7}" type="pres">
-      <dgm:prSet presAssocID="{15982A38-A73B-4943-B138-EA0EAB77BC29}" presName="child" presStyleLbl="alignAccFollowNode1" presStyleIdx="8" presStyleCnt="11">
-        <dgm:presLayoutVars>
-          <dgm:chMax val="0"/>
-          <dgm:bulletEnabled val="1"/>
-        </dgm:presLayoutVars>
-      </dgm:prSet>
-      <dgm:spPr/>
-    </dgm:pt>
-    <dgm:pt modelId="{AEFF52EA-2D4D-4AD3-9F53-6B25191BD163}" type="pres">
-      <dgm:prSet presAssocID="{EA587102-578B-46F3-8D9E-CEC48527A898}" presName="hSp" presStyleCnt="0"/>
-      <dgm:spPr/>
-    </dgm:pt>
-    <dgm:pt modelId="{C057A87B-CF77-43C5-95EA-FF69715D34A3}" type="pres">
-      <dgm:prSet presAssocID="{5CA89521-836B-470D-B51C-F8A4714D4EFF}" presName="vertFlow" presStyleCnt="0"/>
-      <dgm:spPr/>
-    </dgm:pt>
-    <dgm:pt modelId="{DA50ACFD-2722-4D29-B376-5CF3C8F3EB41}" type="pres">
-      <dgm:prSet presAssocID="{5CA89521-836B-470D-B51C-F8A4714D4EFF}" presName="header" presStyleLbl="node1" presStyleIdx="3" presStyleCnt="4"/>
-      <dgm:spPr/>
-    </dgm:pt>
-    <dgm:pt modelId="{E31C91BC-3A8F-4AC7-8DBF-330AFF31351C}" type="pres">
-      <dgm:prSet presAssocID="{525F31A2-90BB-4E18-B1F5-10D38B8099D9}" presName="parTrans" presStyleLbl="sibTrans2D1" presStyleIdx="9" presStyleCnt="11"/>
-      <dgm:spPr/>
-    </dgm:pt>
-    <dgm:pt modelId="{AC28A259-E8AB-491C-9FF1-41516FA5BC71}" type="pres">
-      <dgm:prSet presAssocID="{63746B76-9534-4F4F-B65B-B8A9AACC03F9}" presName="child" presStyleLbl="alignAccFollowNode1" presStyleIdx="9" presStyleCnt="11">
-        <dgm:presLayoutVars>
-          <dgm:chMax val="0"/>
-          <dgm:bulletEnabled val="1"/>
-        </dgm:presLayoutVars>
-      </dgm:prSet>
-      <dgm:spPr/>
-    </dgm:pt>
-    <dgm:pt modelId="{DF54C50F-225E-47E8-9EC4-AAA209AD28CA}" type="pres">
-      <dgm:prSet presAssocID="{A9C1E709-4F9E-4AAB-BB7C-51A08921302E}" presName="sibTrans" presStyleLbl="sibTrans2D1" presStyleIdx="10" presStyleCnt="11"/>
-      <dgm:spPr/>
-    </dgm:pt>
-    <dgm:pt modelId="{75889BA5-DC82-4D41-8983-B2EE794BC078}" type="pres">
-      <dgm:prSet presAssocID="{5CB20C1A-D92D-4DED-BB1B-D113E2006C55}" presName="child" presStyleLbl="alignAccFollowNode1" presStyleIdx="10" presStyleCnt="11">
-        <dgm:presLayoutVars>
-          <dgm:chMax val="0"/>
-          <dgm:bulletEnabled val="1"/>
-        </dgm:presLayoutVars>
-      </dgm:prSet>
-      <dgm:spPr/>
-    </dgm:pt>
-  </dgm:ptLst>
-  <dgm:cxnLst>
-    <dgm:cxn modelId="{F0586601-9ACD-4FBD-BD5A-48D73FF14301}" type="presOf" srcId="{516A4DDC-76BD-494E-B503-625555CCBC4A}" destId="{9BBCF6CE-E750-48B6-B333-305BBB100737}" srcOrd="0" destOrd="0" presId="urn:microsoft.com/office/officeart/2005/8/layout/lProcess1"/>
-    <dgm:cxn modelId="{B767AB03-F7F7-492B-8158-C75E1682A10F}" srcId="{EA587102-578B-46F3-8D9E-CEC48527A898}" destId="{15982A38-A73B-4943-B138-EA0EAB77BC29}" srcOrd="1" destOrd="0" parTransId="{7CBA4BA7-B8C9-4EC9-9C51-4E810224FE14}" sibTransId="{9295158E-0763-4655-AD0E-61686A560F58}"/>
-    <dgm:cxn modelId="{25B66A08-E57F-429F-A076-5691EC284D95}" type="presOf" srcId="{33BF0E2A-2B00-40A5-832E-FC800DCA5982}" destId="{73DBFA1A-3823-4209-9CD6-DBDD456F39FB}" srcOrd="0" destOrd="0" presId="urn:microsoft.com/office/officeart/2005/8/layout/lProcess1"/>
-    <dgm:cxn modelId="{D8B46E14-EE50-493C-A469-7E70E63B953B}" type="presOf" srcId="{15982A38-A73B-4943-B138-EA0EAB77BC29}" destId="{2985E292-795D-4403-BD7F-3A17BE0B21A7}" srcOrd="0" destOrd="0" presId="urn:microsoft.com/office/officeart/2005/8/layout/lProcess1"/>
-    <dgm:cxn modelId="{AB112F16-9765-4DCF-8A6B-B4FEBB1DF80B}" type="presOf" srcId="{1009FF03-5F93-449C-AF20-55447EEE50AB}" destId="{3FBD4BD3-B74D-4AAB-9295-AE19DCC50691}" srcOrd="0" destOrd="0" presId="urn:microsoft.com/office/officeart/2005/8/layout/lProcess1"/>
-    <dgm:cxn modelId="{D1EB8A19-014C-42AE-9F8D-325E631D8FE9}" srcId="{5CA89521-836B-470D-B51C-F8A4714D4EFF}" destId="{5CB20C1A-D92D-4DED-BB1B-D113E2006C55}" srcOrd="1" destOrd="0" parTransId="{5ABE8E5F-26E3-4C88-A09C-44363B99D147}" sibTransId="{7BA6E93A-EC79-4425-BCAD-9518E06A22F9}"/>
-    <dgm:cxn modelId="{7F02F21A-BECD-4B8C-A0ED-2FD37CA7DF1B}" type="presOf" srcId="{A9C1E709-4F9E-4AAB-BB7C-51A08921302E}" destId="{DF54C50F-225E-47E8-9EC4-AAA209AD28CA}" srcOrd="0" destOrd="0" presId="urn:microsoft.com/office/officeart/2005/8/layout/lProcess1"/>
-    <dgm:cxn modelId="{206D6826-92C5-4EEE-A28E-254E966FF0A0}" srcId="{516A4DDC-76BD-494E-B503-625555CCBC4A}" destId="{F7CED298-1605-4B60-9FC8-0A4C25C5AA00}" srcOrd="2" destOrd="0" parTransId="{618E2D9E-4CAE-48D5-9A0F-94DAE74A2D69}" sibTransId="{1009FF03-5F93-449C-AF20-55447EEE50AB}"/>
-    <dgm:cxn modelId="{D22C632F-8F8B-48FF-A898-48FD446A5F78}" srcId="{41E3B52E-71B8-4BD0-B1ED-D051FFB12506}" destId="{CAE20587-4D50-4B6B-A17D-199722D630E2}" srcOrd="2" destOrd="0" parTransId="{6CEBC692-6F9A-47B4-948E-5AEB8FCFD251}" sibTransId="{7656320D-CC13-4DD7-8A30-F9FDC84AC6F2}"/>
-    <dgm:cxn modelId="{3EF97A2F-4200-46E4-86EB-19980AD436FE}" type="presOf" srcId="{CD410504-9F7F-47AE-B46E-CE985680360F}" destId="{85447532-8740-4202-B6A5-AE63748B9291}" srcOrd="0" destOrd="0" presId="urn:microsoft.com/office/officeart/2005/8/layout/lProcess1"/>
-    <dgm:cxn modelId="{28FAA735-D033-4888-A512-CA0B0DC5D34E}" type="presOf" srcId="{B551F8FA-E415-4EE1-BA68-D13E7D2E980B}" destId="{A65C4264-24F4-4122-844B-F5E582EC0111}" srcOrd="0" destOrd="0" presId="urn:microsoft.com/office/officeart/2005/8/layout/lProcess1"/>
-    <dgm:cxn modelId="{177AFE5D-5A5F-401C-8390-858F33CAC97C}" type="presOf" srcId="{87D09C77-9C5B-45C2-ACC9-ACEA66F18198}" destId="{8C46515F-5745-4BFE-8634-C34D77574BE3}" srcOrd="0" destOrd="0" presId="urn:microsoft.com/office/officeart/2005/8/layout/lProcess1"/>
-    <dgm:cxn modelId="{CAEA814D-FE9C-4BD3-8623-87D2E421CDED}" type="presOf" srcId="{525F31A2-90BB-4E18-B1F5-10D38B8099D9}" destId="{E31C91BC-3A8F-4AC7-8DBF-330AFF31351C}" srcOrd="0" destOrd="0" presId="urn:microsoft.com/office/officeart/2005/8/layout/lProcess1"/>
-    <dgm:cxn modelId="{6B045370-B4FF-427A-9929-461476AAE193}" srcId="{516A4DDC-76BD-494E-B503-625555CCBC4A}" destId="{CD410504-9F7F-47AE-B46E-CE985680360F}" srcOrd="0" destOrd="0" parTransId="{995C4470-49EF-4BD9-B00A-AD612181AB58}" sibTransId="{2B847D36-6E88-4DD3-AABD-579C99426233}"/>
-    <dgm:cxn modelId="{0F0D3551-AF94-422C-87FE-80E4E27CB025}" srcId="{C53CC6D8-DEFC-45FD-8207-E1ECCC27EA85}" destId="{41E3B52E-71B8-4BD0-B1ED-D051FFB12506}" srcOrd="1" destOrd="0" parTransId="{DA206B73-34B1-48E4-A513-9978853BF217}" sibTransId="{2436D701-8B79-4C2B-92A4-52BC1BA24775}"/>
-    <dgm:cxn modelId="{73058351-9FAC-4F4F-A5FB-FC365EDF9D02}" type="presOf" srcId="{C53CC6D8-DEFC-45FD-8207-E1ECCC27EA85}" destId="{22D8E0AF-322E-4A8E-BC3C-6E9E9A51F58F}" srcOrd="0" destOrd="0" presId="urn:microsoft.com/office/officeart/2005/8/layout/lProcess1"/>
-    <dgm:cxn modelId="{6D853954-67EB-442C-9F5A-866B9247A562}" srcId="{C53CC6D8-DEFC-45FD-8207-E1ECCC27EA85}" destId="{5CA89521-836B-470D-B51C-F8A4714D4EFF}" srcOrd="3" destOrd="0" parTransId="{D7F37AAF-020D-463D-9735-A1336884A6AE}" sibTransId="{C27250CA-FF59-4A03-8472-477331DB98EB}"/>
-    <dgm:cxn modelId="{D2430375-0F29-4591-AAE4-CB3B30C4B793}" type="presOf" srcId="{EA587102-578B-46F3-8D9E-CEC48527A898}" destId="{67971461-EE07-4B5E-A0C3-A166C6559682}" srcOrd="0" destOrd="0" presId="urn:microsoft.com/office/officeart/2005/8/layout/lProcess1"/>
-    <dgm:cxn modelId="{7B595755-BE81-46A0-903D-004D1EF6EE33}" srcId="{C53CC6D8-DEFC-45FD-8207-E1ECCC27EA85}" destId="{516A4DDC-76BD-494E-B503-625555CCBC4A}" srcOrd="0" destOrd="0" parTransId="{133DE2D2-6278-469E-8A80-F71EA996A07A}" sibTransId="{AE4D7DCA-0B66-4207-B896-C721B2CB4C13}"/>
-    <dgm:cxn modelId="{542EFA5A-B279-4120-B9BA-FE4ABDE4AFDD}" srcId="{516A4DDC-76BD-494E-B503-625555CCBC4A}" destId="{87D09C77-9C5B-45C2-ACC9-ACEA66F18198}" srcOrd="3" destOrd="0" parTransId="{A7A65ADC-DB8A-4F76-8458-BC8354307C90}" sibTransId="{8234610D-6FEE-4546-99B0-60EDB0B3BAEC}"/>
-    <dgm:cxn modelId="{A7B8947C-EA6E-47DE-814B-A0994EFA8C28}" srcId="{C53CC6D8-DEFC-45FD-8207-E1ECCC27EA85}" destId="{EA587102-578B-46F3-8D9E-CEC48527A898}" srcOrd="2" destOrd="0" parTransId="{5B4D99EA-4A7D-4EFB-95FC-BCCF98693CA7}" sibTransId="{8D504E2C-8A70-4591-8ECD-4A886FADED33}"/>
-    <dgm:cxn modelId="{E26EF37D-CA6A-40E6-84D5-4EA9B936B567}" type="presOf" srcId="{5CA89521-836B-470D-B51C-F8A4714D4EFF}" destId="{DA50ACFD-2722-4D29-B376-5CF3C8F3EB41}" srcOrd="0" destOrd="0" presId="urn:microsoft.com/office/officeart/2005/8/layout/lProcess1"/>
-    <dgm:cxn modelId="{60A6E07E-63FF-4C81-A385-5E00467DE9D8}" type="presOf" srcId="{F7CED298-1605-4B60-9FC8-0A4C25C5AA00}" destId="{9A5E1799-26FB-4959-97AA-0FCC22761318}" srcOrd="0" destOrd="0" presId="urn:microsoft.com/office/officeart/2005/8/layout/lProcess1"/>
-    <dgm:cxn modelId="{0DC50B81-769A-4AC7-8C73-8EF8D8334AA1}" srcId="{EA587102-578B-46F3-8D9E-CEC48527A898}" destId="{038F6A6A-232A-44A4-9628-ADFA8F068F81}" srcOrd="0" destOrd="0" parTransId="{403B4542-B2F8-496D-BBEA-3A684B1106F9}" sibTransId="{ABE7D012-6867-48DA-AF76-FDB8ECBB944D}"/>
-    <dgm:cxn modelId="{0687A885-2354-4E9E-B313-4269283F0057}" srcId="{41E3B52E-71B8-4BD0-B1ED-D051FFB12506}" destId="{5CBEC7DD-A25D-4956-9A65-6EA385F6FCB5}" srcOrd="0" destOrd="0" parTransId="{F342D04F-4D11-41CC-AB66-36041A902B44}" sibTransId="{BD0F67B1-39E4-45ED-9534-FB8F89E8EEF6}"/>
-    <dgm:cxn modelId="{20E91086-4757-4CF3-9C35-102C5A4D0079}" type="presOf" srcId="{403B4542-B2F8-496D-BBEA-3A684B1106F9}" destId="{BF9CEF10-4726-4D20-AC2F-85DE706D0D00}" srcOrd="0" destOrd="0" presId="urn:microsoft.com/office/officeart/2005/8/layout/lProcess1"/>
-    <dgm:cxn modelId="{9C706988-580C-4829-94E8-BE4491FF0228}" type="presOf" srcId="{995C4470-49EF-4BD9-B00A-AD612181AB58}" destId="{1B1F80F4-E9A5-4A99-A630-6548067B7CB5}" srcOrd="0" destOrd="0" presId="urn:microsoft.com/office/officeart/2005/8/layout/lProcess1"/>
-    <dgm:cxn modelId="{F6742589-989F-4466-ABD8-B9A53946EFA3}" type="presOf" srcId="{038F6A6A-232A-44A4-9628-ADFA8F068F81}" destId="{C1386769-D313-4B62-9BE9-A84DD636105E}" srcOrd="0" destOrd="0" presId="urn:microsoft.com/office/officeart/2005/8/layout/lProcess1"/>
-    <dgm:cxn modelId="{5F55A28B-96EB-4565-9919-9E4BDE07F610}" type="presOf" srcId="{F342D04F-4D11-41CC-AB66-36041A902B44}" destId="{C8CE6287-76AA-46C4-B478-0F9183DE6118}" srcOrd="0" destOrd="0" presId="urn:microsoft.com/office/officeart/2005/8/layout/lProcess1"/>
-    <dgm:cxn modelId="{36634D94-C210-4DDC-A75A-FBCAAFC75039}" srcId="{5CA89521-836B-470D-B51C-F8A4714D4EFF}" destId="{63746B76-9534-4F4F-B65B-B8A9AACC03F9}" srcOrd="0" destOrd="0" parTransId="{525F31A2-90BB-4E18-B1F5-10D38B8099D9}" sibTransId="{A9C1E709-4F9E-4AAB-BB7C-51A08921302E}"/>
-    <dgm:cxn modelId="{AC32EC95-E874-4C4E-AF61-58E99EE59A51}" type="presOf" srcId="{C4FF5CFA-9CEF-4C34-984A-CC28F232798F}" destId="{459BBFF8-CE50-41AE-9B5E-F6026BBE4F45}" srcOrd="0" destOrd="0" presId="urn:microsoft.com/office/officeart/2005/8/layout/lProcess1"/>
-    <dgm:cxn modelId="{B522739A-4DEE-43CF-9357-A84EF1EEE7ED}" srcId="{41E3B52E-71B8-4BD0-B1ED-D051FFB12506}" destId="{33BF0E2A-2B00-40A5-832E-FC800DCA5982}" srcOrd="1" destOrd="0" parTransId="{F8C31ED9-A2C0-4A09-A419-0AE9A44BB8DF}" sibTransId="{E373698D-1356-47A7-A591-B72BFE77C3D1}"/>
-    <dgm:cxn modelId="{AEAE8CB6-1B26-4996-A549-ADEFF4BF9B7B}" type="presOf" srcId="{41E3B52E-71B8-4BD0-B1ED-D051FFB12506}" destId="{09ADE9CE-20B7-4A4E-BED6-D56E4ED1D855}" srcOrd="0" destOrd="0" presId="urn:microsoft.com/office/officeart/2005/8/layout/lProcess1"/>
-    <dgm:cxn modelId="{541426C5-B997-49AC-A1CD-ABBC86A85301}" type="presOf" srcId="{BD0F67B1-39E4-45ED-9534-FB8F89E8EEF6}" destId="{DDA5CBC7-AA05-481A-A03A-3964C1BBBB5A}" srcOrd="0" destOrd="0" presId="urn:microsoft.com/office/officeart/2005/8/layout/lProcess1"/>
-    <dgm:cxn modelId="{414375C7-23B9-49F8-AEFD-1552E3E6888B}" type="presOf" srcId="{5CB20C1A-D92D-4DED-BB1B-D113E2006C55}" destId="{75889BA5-DC82-4D41-8983-B2EE794BC078}" srcOrd="0" destOrd="0" presId="urn:microsoft.com/office/officeart/2005/8/layout/lProcess1"/>
-    <dgm:cxn modelId="{0E9367DA-F3C7-4672-A3E1-FDDD869E15C8}" type="presOf" srcId="{ABE7D012-6867-48DA-AF76-FDB8ECBB944D}" destId="{0C1CAC8B-CC80-49DA-9707-021AB163C55F}" srcOrd="0" destOrd="0" presId="urn:microsoft.com/office/officeart/2005/8/layout/lProcess1"/>
-    <dgm:cxn modelId="{EF5E21E6-CC69-47D7-95D8-FB2CCC23193D}" type="presOf" srcId="{E373698D-1356-47A7-A591-B72BFE77C3D1}" destId="{E7F7C4A8-2F3A-49BA-B2E4-CF48FCA5D8D8}" srcOrd="0" destOrd="0" presId="urn:microsoft.com/office/officeart/2005/8/layout/lProcess1"/>
-    <dgm:cxn modelId="{710659EC-6706-425F-81BB-5F1E070F7D4D}" srcId="{516A4DDC-76BD-494E-B503-625555CCBC4A}" destId="{C4FF5CFA-9CEF-4C34-984A-CC28F232798F}" srcOrd="1" destOrd="0" parTransId="{92813948-C227-4EB2-8530-43003E3CB375}" sibTransId="{B551F8FA-E415-4EE1-BA68-D13E7D2E980B}"/>
-    <dgm:cxn modelId="{9AFC20F2-D5DD-455E-8266-96B58ABE2D49}" type="presOf" srcId="{CAE20587-4D50-4B6B-A17D-199722D630E2}" destId="{68423B8C-DD55-4C1A-86D3-87118415FFA7}" srcOrd="0" destOrd="0" presId="urn:microsoft.com/office/officeart/2005/8/layout/lProcess1"/>
-    <dgm:cxn modelId="{0FF6D2F7-E787-4B57-911C-090AA0CBD9AA}" type="presOf" srcId="{63746B76-9534-4F4F-B65B-B8A9AACC03F9}" destId="{AC28A259-E8AB-491C-9FF1-41516FA5BC71}" srcOrd="0" destOrd="0" presId="urn:microsoft.com/office/officeart/2005/8/layout/lProcess1"/>
-    <dgm:cxn modelId="{70C18AF9-2F24-4A50-9785-941DE7FE4B31}" type="presOf" srcId="{2B847D36-6E88-4DD3-AABD-579C99426233}" destId="{7CAEA63C-96B5-40D4-900F-409598FDB0C1}" srcOrd="0" destOrd="0" presId="urn:microsoft.com/office/officeart/2005/8/layout/lProcess1"/>
-    <dgm:cxn modelId="{40E743FD-4072-4389-94B0-B65E89259C6B}" type="presOf" srcId="{5CBEC7DD-A25D-4956-9A65-6EA385F6FCB5}" destId="{F7AA6D3E-BCE0-4C06-B101-080DA85DCB01}" srcOrd="0" destOrd="0" presId="urn:microsoft.com/office/officeart/2005/8/layout/lProcess1"/>
-    <dgm:cxn modelId="{CC00200B-5AB6-421D-A39D-C942C3354FE4}" type="presParOf" srcId="{22D8E0AF-322E-4A8E-BC3C-6E9E9A51F58F}" destId="{B1443ED3-5E34-456D-8CD9-88B600EDA95F}" srcOrd="0" destOrd="0" presId="urn:microsoft.com/office/officeart/2005/8/layout/lProcess1"/>
-    <dgm:cxn modelId="{D33AA10B-4ED8-4BB1-9C64-4F52A35D7099}" type="presParOf" srcId="{B1443ED3-5E34-456D-8CD9-88B600EDA95F}" destId="{9BBCF6CE-E750-48B6-B333-305BBB100737}" srcOrd="0" destOrd="0" presId="urn:microsoft.com/office/officeart/2005/8/layout/lProcess1"/>
-    <dgm:cxn modelId="{9E37487A-7185-4A70-9AC4-9659B92F531E}" type="presParOf" srcId="{B1443ED3-5E34-456D-8CD9-88B600EDA95F}" destId="{1B1F80F4-E9A5-4A99-A630-6548067B7CB5}" srcOrd="1" destOrd="0" presId="urn:microsoft.com/office/officeart/2005/8/layout/lProcess1"/>
-    <dgm:cxn modelId="{EC43FCD1-27D8-440E-8BDB-DEE2E8BB6D6F}" type="presParOf" srcId="{B1443ED3-5E34-456D-8CD9-88B600EDA95F}" destId="{85447532-8740-4202-B6A5-AE63748B9291}" srcOrd="2" destOrd="0" presId="urn:microsoft.com/office/officeart/2005/8/layout/lProcess1"/>
-    <dgm:cxn modelId="{D24904BE-0B60-4FE2-92F3-00D00DBA80D1}" type="presParOf" srcId="{B1443ED3-5E34-456D-8CD9-88B600EDA95F}" destId="{7CAEA63C-96B5-40D4-900F-409598FDB0C1}" srcOrd="3" destOrd="0" presId="urn:microsoft.com/office/officeart/2005/8/layout/lProcess1"/>
-    <dgm:cxn modelId="{A41D2E3D-00B4-4319-9EE2-BB46636841C7}" type="presParOf" srcId="{B1443ED3-5E34-456D-8CD9-88B600EDA95F}" destId="{459BBFF8-CE50-41AE-9B5E-F6026BBE4F45}" srcOrd="4" destOrd="0" presId="urn:microsoft.com/office/officeart/2005/8/layout/lProcess1"/>
-    <dgm:cxn modelId="{3CE06A48-5A5D-4BBC-B425-6226E021C55D}" type="presParOf" srcId="{B1443ED3-5E34-456D-8CD9-88B600EDA95F}" destId="{A65C4264-24F4-4122-844B-F5E582EC0111}" srcOrd="5" destOrd="0" presId="urn:microsoft.com/office/officeart/2005/8/layout/lProcess1"/>
-    <dgm:cxn modelId="{6613DF6A-79D3-4CE9-BE2D-B462A36258D7}" type="presParOf" srcId="{B1443ED3-5E34-456D-8CD9-88B600EDA95F}" destId="{9A5E1799-26FB-4959-97AA-0FCC22761318}" srcOrd="6" destOrd="0" presId="urn:microsoft.com/office/officeart/2005/8/layout/lProcess1"/>
-    <dgm:cxn modelId="{26DAC11A-895E-4844-A639-122E5BAA12C2}" type="presParOf" srcId="{B1443ED3-5E34-456D-8CD9-88B600EDA95F}" destId="{3FBD4BD3-B74D-4AAB-9295-AE19DCC50691}" srcOrd="7" destOrd="0" presId="urn:microsoft.com/office/officeart/2005/8/layout/lProcess1"/>
-    <dgm:cxn modelId="{357EE53C-3487-4903-B62D-757AEA84453B}" type="presParOf" srcId="{B1443ED3-5E34-456D-8CD9-88B600EDA95F}" destId="{8C46515F-5745-4BFE-8634-C34D77574BE3}" srcOrd="8" destOrd="0" presId="urn:microsoft.com/office/officeart/2005/8/layout/lProcess1"/>
-    <dgm:cxn modelId="{C3EBA94B-E35F-4A89-987B-27047E6BDC25}" type="presParOf" srcId="{22D8E0AF-322E-4A8E-BC3C-6E9E9A51F58F}" destId="{8F2F3A22-7A2A-4EE4-9C5B-70F6E89B9064}" srcOrd="1" destOrd="0" presId="urn:microsoft.com/office/officeart/2005/8/layout/lProcess1"/>
-    <dgm:cxn modelId="{73811368-B194-4A24-AD33-D7682C703338}" type="presParOf" srcId="{22D8E0AF-322E-4A8E-BC3C-6E9E9A51F58F}" destId="{734C3A16-72FA-42CA-BF15-F44513245016}" srcOrd="2" destOrd="0" presId="urn:microsoft.com/office/officeart/2005/8/layout/lProcess1"/>
-    <dgm:cxn modelId="{CF11DF29-864F-46B6-AAB3-A5037CF8A0AD}" type="presParOf" srcId="{734C3A16-72FA-42CA-BF15-F44513245016}" destId="{09ADE9CE-20B7-4A4E-BED6-D56E4ED1D855}" srcOrd="0" destOrd="0" presId="urn:microsoft.com/office/officeart/2005/8/layout/lProcess1"/>
-    <dgm:cxn modelId="{45BFDF97-7485-4BD3-9636-A42CF9DED933}" type="presParOf" srcId="{734C3A16-72FA-42CA-BF15-F44513245016}" destId="{C8CE6287-76AA-46C4-B478-0F9183DE6118}" srcOrd="1" destOrd="0" presId="urn:microsoft.com/office/officeart/2005/8/layout/lProcess1"/>
-    <dgm:cxn modelId="{96337C59-FBC5-4280-848F-E1ABE955629C}" type="presParOf" srcId="{734C3A16-72FA-42CA-BF15-F44513245016}" destId="{F7AA6D3E-BCE0-4C06-B101-080DA85DCB01}" srcOrd="2" destOrd="0" presId="urn:microsoft.com/office/officeart/2005/8/layout/lProcess1"/>
-    <dgm:cxn modelId="{02D7F229-EA09-4CF1-8A9A-9A5AAE90046C}" type="presParOf" srcId="{734C3A16-72FA-42CA-BF15-F44513245016}" destId="{DDA5CBC7-AA05-481A-A03A-3964C1BBBB5A}" srcOrd="3" destOrd="0" presId="urn:microsoft.com/office/officeart/2005/8/layout/lProcess1"/>
-    <dgm:cxn modelId="{354586AA-7CE8-4586-9E66-2D688CB72C44}" type="presParOf" srcId="{734C3A16-72FA-42CA-BF15-F44513245016}" destId="{73DBFA1A-3823-4209-9CD6-DBDD456F39FB}" srcOrd="4" destOrd="0" presId="urn:microsoft.com/office/officeart/2005/8/layout/lProcess1"/>
-    <dgm:cxn modelId="{90D43EC8-D059-4AA5-A590-3603C8F010A7}" type="presParOf" srcId="{734C3A16-72FA-42CA-BF15-F44513245016}" destId="{E7F7C4A8-2F3A-49BA-B2E4-CF48FCA5D8D8}" srcOrd="5" destOrd="0" presId="urn:microsoft.com/office/officeart/2005/8/layout/lProcess1"/>
-    <dgm:cxn modelId="{35CDA84A-A070-48A2-86D3-246382CBFE34}" type="presParOf" srcId="{734C3A16-72FA-42CA-BF15-F44513245016}" destId="{68423B8C-DD55-4C1A-86D3-87118415FFA7}" srcOrd="6" destOrd="0" presId="urn:microsoft.com/office/officeart/2005/8/layout/lProcess1"/>
-    <dgm:cxn modelId="{45D49A7A-3664-4AB2-B3A5-3D21008896A6}" type="presParOf" srcId="{22D8E0AF-322E-4A8E-BC3C-6E9E9A51F58F}" destId="{D5E79C7E-BA4F-41B5-AEAD-7D11CABDB66C}" srcOrd="3" destOrd="0" presId="urn:microsoft.com/office/officeart/2005/8/layout/lProcess1"/>
-    <dgm:cxn modelId="{42D72CBF-2A51-4316-9C5E-92655A902468}" type="presParOf" srcId="{22D8E0AF-322E-4A8E-BC3C-6E9E9A51F58F}" destId="{96EC6E5F-616C-4A0E-8B47-23C2DB360B15}" srcOrd="4" destOrd="0" presId="urn:microsoft.com/office/officeart/2005/8/layout/lProcess1"/>
-    <dgm:cxn modelId="{2EBB2F01-0952-416C-8D61-9CBBA685F51F}" type="presParOf" srcId="{96EC6E5F-616C-4A0E-8B47-23C2DB360B15}" destId="{67971461-EE07-4B5E-A0C3-A166C6559682}" srcOrd="0" destOrd="0" presId="urn:microsoft.com/office/officeart/2005/8/layout/lProcess1"/>
-    <dgm:cxn modelId="{164E6B8A-ACC8-4A59-8C34-C15E679A8503}" type="presParOf" srcId="{96EC6E5F-616C-4A0E-8B47-23C2DB360B15}" destId="{BF9CEF10-4726-4D20-AC2F-85DE706D0D00}" srcOrd="1" destOrd="0" presId="urn:microsoft.com/office/officeart/2005/8/layout/lProcess1"/>
-    <dgm:cxn modelId="{E7DA4B73-0D72-4516-ADC6-ED952C9FE81E}" type="presParOf" srcId="{96EC6E5F-616C-4A0E-8B47-23C2DB360B15}" destId="{C1386769-D313-4B62-9BE9-A84DD636105E}" srcOrd="2" destOrd="0" presId="urn:microsoft.com/office/officeart/2005/8/layout/lProcess1"/>
-    <dgm:cxn modelId="{CB17923D-0FE4-4A68-ABA5-C8706398FB8F}" type="presParOf" srcId="{96EC6E5F-616C-4A0E-8B47-23C2DB360B15}" destId="{0C1CAC8B-CC80-49DA-9707-021AB163C55F}" srcOrd="3" destOrd="0" presId="urn:microsoft.com/office/officeart/2005/8/layout/lProcess1"/>
-    <dgm:cxn modelId="{03D18F74-62DE-46FC-BDC3-F46D4C5A4C7A}" type="presParOf" srcId="{96EC6E5F-616C-4A0E-8B47-23C2DB360B15}" destId="{2985E292-795D-4403-BD7F-3A17BE0B21A7}" srcOrd="4" destOrd="0" presId="urn:microsoft.com/office/officeart/2005/8/layout/lProcess1"/>
-    <dgm:cxn modelId="{0928E017-990D-49BC-A3BB-E762A7BB9C64}" type="presParOf" srcId="{22D8E0AF-322E-4A8E-BC3C-6E9E9A51F58F}" destId="{AEFF52EA-2D4D-4AD3-9F53-6B25191BD163}" srcOrd="5" destOrd="0" presId="urn:microsoft.com/office/officeart/2005/8/layout/lProcess1"/>
-    <dgm:cxn modelId="{60AF69CC-E2C4-42C6-A765-A2C5CFC4AEC2}" type="presParOf" srcId="{22D8E0AF-322E-4A8E-BC3C-6E9E9A51F58F}" destId="{C057A87B-CF77-43C5-95EA-FF69715D34A3}" srcOrd="6" destOrd="0" presId="urn:microsoft.com/office/officeart/2005/8/layout/lProcess1"/>
-    <dgm:cxn modelId="{3D5AEDB5-C877-49C4-8CE7-CBF70D35C8CE}" type="presParOf" srcId="{C057A87B-CF77-43C5-95EA-FF69715D34A3}" destId="{DA50ACFD-2722-4D29-B376-5CF3C8F3EB41}" srcOrd="0" destOrd="0" presId="urn:microsoft.com/office/officeart/2005/8/layout/lProcess1"/>
-    <dgm:cxn modelId="{E452C909-B0C8-4180-B558-4C1214228CD0}" type="presParOf" srcId="{C057A87B-CF77-43C5-95EA-FF69715D34A3}" destId="{E31C91BC-3A8F-4AC7-8DBF-330AFF31351C}" srcOrd="1" destOrd="0" presId="urn:microsoft.com/office/officeart/2005/8/layout/lProcess1"/>
-    <dgm:cxn modelId="{0E7938F4-0647-4FB9-90EA-66B6E55CAC2A}" type="presParOf" srcId="{C057A87B-CF77-43C5-95EA-FF69715D34A3}" destId="{AC28A259-E8AB-491C-9FF1-41516FA5BC71}" srcOrd="2" destOrd="0" presId="urn:microsoft.com/office/officeart/2005/8/layout/lProcess1"/>
-    <dgm:cxn modelId="{741FCA68-4C0B-42FC-B615-6EEC3933E3E2}" type="presParOf" srcId="{C057A87B-CF77-43C5-95EA-FF69715D34A3}" destId="{DF54C50F-225E-47E8-9EC4-AAA209AD28CA}" srcOrd="3" destOrd="0" presId="urn:microsoft.com/office/officeart/2005/8/layout/lProcess1"/>
-    <dgm:cxn modelId="{DC82132B-6DDE-430C-A8AF-A5A6FF26F739}" type="presParOf" srcId="{C057A87B-CF77-43C5-95EA-FF69715D34A3}" destId="{75889BA5-DC82-4D41-8983-B2EE794BC078}" srcOrd="4" destOrd="0" presId="urn:microsoft.com/office/officeart/2005/8/layout/lProcess1"/>
-  </dgm:cxnLst>
-  <dgm:bg/>
-  <dgm:whole/>
-  <dgm:extLst>
-    <a:ext uri="http://schemas.microsoft.com/office/drawing/2008/diagram">
-      <dsp:dataModelExt xmlns:dsp="http://schemas.microsoft.com/office/drawing/2008/diagram" relId="rId6" minVer="http://schemas.openxmlformats.org/drawingml/2006/diagram"/>
-    </a:ext>
-  </dgm:extLst>
-</dgm:dataModel>
-</file>
-
-<file path=ppt/diagrams/drawing1.xml><?xml version="1.0" encoding="utf-8"?>
-<dsp:drawing xmlns:dgm="http://schemas.openxmlformats.org/drawingml/2006/diagram" xmlns:dsp="http://schemas.microsoft.com/office/drawing/2008/diagram" xmlns:a="http://schemas.openxmlformats.org/drawingml/2006/main">
-  <dsp:spTree>
-    <dsp:nvGrpSpPr>
-      <dsp:cNvPr id="0" name=""/>
-      <dsp:cNvGrpSpPr/>
-    </dsp:nvGrpSpPr>
-    <dsp:grpSpPr/>
-    <dsp:sp modelId="{9BBCF6CE-E750-48B6-B333-305BBB100737}">
-      <dsp:nvSpPr>
-        <dsp:cNvPr id="0" name=""/>
-        <dsp:cNvSpPr/>
-      </dsp:nvSpPr>
-      <dsp:spPr>
-        <a:xfrm>
-          <a:off x="4095" y="480059"/>
-          <a:ext cx="2066925" cy="516731"/>
-        </a:xfrm>
-        <a:prstGeom prst="roundRect">
-          <a:avLst>
-            <a:gd name="adj" fmla="val 10000"/>
-          </a:avLst>
-        </a:prstGeom>
-        <a:gradFill rotWithShape="0">
-          <a:gsLst>
-            <a:gs pos="0">
-              <a:schemeClr val="lt1">
-                <a:hueOff val="0"/>
-                <a:satOff val="0"/>
-                <a:lumOff val="0"/>
-                <a:alphaOff val="0"/>
-                <a:satMod val="103000"/>
-                <a:lumMod val="102000"/>
-                <a:tint val="94000"/>
-              </a:schemeClr>
-            </a:gs>
-            <a:gs pos="50000">
-              <a:schemeClr val="lt1">
-                <a:hueOff val="0"/>
-                <a:satOff val="0"/>
-                <a:lumOff val="0"/>
-                <a:alphaOff val="0"/>
-                <a:satMod val="110000"/>
-                <a:lumMod val="100000"/>
-                <a:shade val="100000"/>
-              </a:schemeClr>
-            </a:gs>
-            <a:gs pos="100000">
-              <a:schemeClr val="lt1">
-                <a:hueOff val="0"/>
-                <a:satOff val="0"/>
-                <a:lumOff val="0"/>
-                <a:alphaOff val="0"/>
-                <a:lumMod val="99000"/>
-                <a:satMod val="120000"/>
-                <a:shade val="78000"/>
-              </a:schemeClr>
-            </a:gs>
-          </a:gsLst>
-          <a:lin ang="5400000" scaled="0"/>
-        </a:gradFill>
-        <a:ln>
-          <a:noFill/>
-        </a:ln>
-        <a:effectLst/>
-      </dsp:spPr>
-      <dsp:style>
-        <a:lnRef idx="0">
-          <a:scrgbClr r="0" g="0" b="0"/>
-        </a:lnRef>
-        <a:fillRef idx="3">
-          <a:scrgbClr r="0" g="0" b="0"/>
-        </a:fillRef>
-        <a:effectRef idx="2">
-          <a:scrgbClr r="0" g="0" b="0"/>
-        </a:effectRef>
-        <a:fontRef idx="minor">
-          <a:schemeClr val="lt1"/>
-        </a:fontRef>
-      </dsp:style>
-      <dsp:txBody>
-        <a:bodyPr spcFirstLastPara="0" vert="horz" wrap="square" lIns="36830" tIns="36830" rIns="36830" bIns="36830" numCol="1" spcCol="1270" anchor="ctr" anchorCtr="0">
-          <a:noAutofit/>
-        </a:bodyPr>
-        <a:lstStyle/>
-        <a:p>
-          <a:pPr marL="0" lvl="0" indent="0" algn="ctr" defTabSz="1289050">
-            <a:lnSpc>
-              <a:spcPct val="90000"/>
-            </a:lnSpc>
-            <a:spcBef>
-              <a:spcPct val="0"/>
-            </a:spcBef>
-            <a:spcAft>
-              <a:spcPct val="35000"/>
-            </a:spcAft>
-            <a:buNone/>
-          </a:pPr>
-          <a:r>
-            <a:rPr lang="en-US" sz="2900" kern="1200" dirty="0" err="1"/>
-            <a:t>Blockchain</a:t>
-          </a:r>
-          <a:endParaRPr lang="en-US" sz="2900" kern="1200" dirty="0"/>
-        </a:p>
-      </dsp:txBody>
-      <dsp:txXfrm>
-        <a:off x="19230" y="495194"/>
-        <a:ext cx="2036655" cy="486461"/>
-      </dsp:txXfrm>
-    </dsp:sp>
-    <dsp:sp modelId="{1B1F80F4-E9A5-4A99-A630-6548067B7CB5}">
-      <dsp:nvSpPr>
-        <dsp:cNvPr id="0" name=""/>
-        <dsp:cNvSpPr/>
-      </dsp:nvSpPr>
-      <dsp:spPr>
-        <a:xfrm rot="5400000">
-          <a:off x="992344" y="1042005"/>
-          <a:ext cx="90427" cy="90427"/>
-        </a:xfrm>
-        <a:prstGeom prst="rightArrow">
-          <a:avLst>
-            <a:gd name="adj1" fmla="val 66700"/>
-            <a:gd name="adj2" fmla="val 50000"/>
-          </a:avLst>
-        </a:prstGeom>
-        <a:gradFill rotWithShape="0">
-          <a:gsLst>
-            <a:gs pos="0">
-              <a:schemeClr val="accent1">
-                <a:tint val="60000"/>
-                <a:hueOff val="0"/>
-                <a:satOff val="0"/>
-                <a:lumOff val="0"/>
-                <a:alphaOff val="0"/>
-                <a:satMod val="103000"/>
-                <a:lumMod val="102000"/>
-                <a:tint val="94000"/>
-              </a:schemeClr>
-            </a:gs>
-            <a:gs pos="50000">
-              <a:schemeClr val="accent1">
-                <a:tint val="60000"/>
-                <a:hueOff val="0"/>
-                <a:satOff val="0"/>
-                <a:lumOff val="0"/>
-                <a:alphaOff val="0"/>
-                <a:satMod val="110000"/>
-                <a:lumMod val="100000"/>
-                <a:shade val="100000"/>
-              </a:schemeClr>
-            </a:gs>
-            <a:gs pos="100000">
-              <a:schemeClr val="accent1">
-                <a:tint val="60000"/>
-                <a:hueOff val="0"/>
-                <a:satOff val="0"/>
-                <a:lumOff val="0"/>
-                <a:alphaOff val="0"/>
-                <a:lumMod val="99000"/>
-                <a:satMod val="120000"/>
-                <a:shade val="78000"/>
-              </a:schemeClr>
-            </a:gs>
-          </a:gsLst>
-          <a:lin ang="5400000" scaled="0"/>
-        </a:gradFill>
-        <a:ln>
-          <a:noFill/>
-        </a:ln>
-        <a:effectLst/>
-      </dsp:spPr>
-      <dsp:style>
-        <a:lnRef idx="0">
-          <a:scrgbClr r="0" g="0" b="0"/>
-        </a:lnRef>
-        <a:fillRef idx="3">
-          <a:scrgbClr r="0" g="0" b="0"/>
-        </a:fillRef>
-        <a:effectRef idx="2">
-          <a:scrgbClr r="0" g="0" b="0"/>
-        </a:effectRef>
-        <a:fontRef idx="minor">
-          <a:schemeClr val="lt1"/>
-        </a:fontRef>
-      </dsp:style>
-    </dsp:sp>
-    <dsp:sp modelId="{85447532-8740-4202-B6A5-AE63748B9291}">
-      <dsp:nvSpPr>
-        <dsp:cNvPr id="0" name=""/>
-        <dsp:cNvSpPr/>
-      </dsp:nvSpPr>
-      <dsp:spPr>
-        <a:xfrm>
-          <a:off x="4095" y="1177647"/>
-          <a:ext cx="2066925" cy="516731"/>
-        </a:xfrm>
-        <a:prstGeom prst="roundRect">
-          <a:avLst>
-            <a:gd name="adj" fmla="val 10000"/>
-          </a:avLst>
-        </a:prstGeom>
-        <a:solidFill>
-          <a:schemeClr val="lt1">
-            <a:alpha val="90000"/>
-            <a:tint val="40000"/>
-            <a:hueOff val="0"/>
-            <a:satOff val="0"/>
-            <a:lumOff val="0"/>
-            <a:alphaOff val="0"/>
-          </a:schemeClr>
-        </a:solidFill>
-        <a:ln w="6350" cap="flat" cmpd="sng" algn="ctr">
-          <a:solidFill>
-            <a:schemeClr val="accent1">
-              <a:alpha val="90000"/>
-              <a:hueOff val="0"/>
-              <a:satOff val="0"/>
-              <a:lumOff val="0"/>
-              <a:alphaOff val="0"/>
-            </a:schemeClr>
-          </a:solidFill>
-          <a:prstDash val="solid"/>
-          <a:miter lim="800000"/>
-        </a:ln>
-        <a:effectLst/>
-      </dsp:spPr>
-      <dsp:style>
-        <a:lnRef idx="1">
-          <a:scrgbClr r="0" g="0" b="0"/>
-        </a:lnRef>
-        <a:fillRef idx="1">
-          <a:scrgbClr r="0" g="0" b="0"/>
-        </a:fillRef>
-        <a:effectRef idx="0">
-          <a:scrgbClr r="0" g="0" b="0"/>
-        </a:effectRef>
-        <a:fontRef idx="minor"/>
-      </dsp:style>
-      <dsp:txBody>
-        <a:bodyPr spcFirstLastPara="0" vert="horz" wrap="square" lIns="27940" tIns="27940" rIns="27940" bIns="27940" numCol="1" spcCol="1270" anchor="ctr" anchorCtr="0">
-          <a:noAutofit/>
-        </a:bodyPr>
-        <a:lstStyle/>
-        <a:p>
-          <a:pPr marL="0" lvl="0" indent="0" algn="ctr" defTabSz="977900">
-            <a:lnSpc>
-              <a:spcPct val="90000"/>
-            </a:lnSpc>
-            <a:spcBef>
-              <a:spcPct val="0"/>
-            </a:spcBef>
-            <a:spcAft>
-              <a:spcPct val="35000"/>
-            </a:spcAft>
-            <a:buNone/>
-          </a:pPr>
-          <a:r>
-            <a:rPr lang="en-US" sz="2200" kern="1200" dirty="0"/>
-            <a:t>Task description</a:t>
-          </a:r>
-        </a:p>
-      </dsp:txBody>
-      <dsp:txXfrm>
-        <a:off x="19230" y="1192782"/>
-        <a:ext cx="2036655" cy="486461"/>
-      </dsp:txXfrm>
-    </dsp:sp>
-    <dsp:sp modelId="{7CAEA63C-96B5-40D4-900F-409598FDB0C1}">
-      <dsp:nvSpPr>
-        <dsp:cNvPr id="0" name=""/>
-        <dsp:cNvSpPr/>
-      </dsp:nvSpPr>
-      <dsp:spPr>
-        <a:xfrm rot="5400000">
-          <a:off x="992344" y="1739592"/>
-          <a:ext cx="90427" cy="90427"/>
-        </a:xfrm>
-        <a:prstGeom prst="rightArrow">
-          <a:avLst>
-            <a:gd name="adj1" fmla="val 66700"/>
-            <a:gd name="adj2" fmla="val 50000"/>
-          </a:avLst>
-        </a:prstGeom>
-        <a:gradFill rotWithShape="0">
-          <a:gsLst>
-            <a:gs pos="0">
-              <a:schemeClr val="accent1">
-                <a:tint val="60000"/>
-                <a:hueOff val="0"/>
-                <a:satOff val="0"/>
-                <a:lumOff val="0"/>
-                <a:alphaOff val="0"/>
-                <a:satMod val="103000"/>
-                <a:lumMod val="102000"/>
-                <a:tint val="94000"/>
-              </a:schemeClr>
-            </a:gs>
-            <a:gs pos="50000">
-              <a:schemeClr val="accent1">
-                <a:tint val="60000"/>
-                <a:hueOff val="0"/>
-                <a:satOff val="0"/>
-                <a:lumOff val="0"/>
-                <a:alphaOff val="0"/>
-                <a:satMod val="110000"/>
-                <a:lumMod val="100000"/>
-                <a:shade val="100000"/>
-              </a:schemeClr>
-            </a:gs>
-            <a:gs pos="100000">
-              <a:schemeClr val="accent1">
-                <a:tint val="60000"/>
-                <a:hueOff val="0"/>
-                <a:satOff val="0"/>
-                <a:lumOff val="0"/>
-                <a:alphaOff val="0"/>
-                <a:lumMod val="99000"/>
-                <a:satMod val="120000"/>
-                <a:shade val="78000"/>
-              </a:schemeClr>
-            </a:gs>
-          </a:gsLst>
-          <a:lin ang="5400000" scaled="0"/>
-        </a:gradFill>
-        <a:ln>
-          <a:noFill/>
-        </a:ln>
-        <a:effectLst/>
-      </dsp:spPr>
-      <dsp:style>
-        <a:lnRef idx="0">
-          <a:scrgbClr r="0" g="0" b="0"/>
-        </a:lnRef>
-        <a:fillRef idx="3">
-          <a:scrgbClr r="0" g="0" b="0"/>
-        </a:fillRef>
-        <a:effectRef idx="2">
-          <a:scrgbClr r="0" g="0" b="0"/>
-        </a:effectRef>
-        <a:fontRef idx="minor">
-          <a:schemeClr val="lt1"/>
-        </a:fontRef>
-      </dsp:style>
-    </dsp:sp>
-    <dsp:sp modelId="{459BBFF8-CE50-41AE-9B5E-F6026BBE4F45}">
-      <dsp:nvSpPr>
-        <dsp:cNvPr id="0" name=""/>
-        <dsp:cNvSpPr/>
-      </dsp:nvSpPr>
-      <dsp:spPr>
-        <a:xfrm>
-          <a:off x="4095" y="1875234"/>
-          <a:ext cx="2066925" cy="516731"/>
-        </a:xfrm>
-        <a:prstGeom prst="roundRect">
-          <a:avLst>
-            <a:gd name="adj" fmla="val 10000"/>
-          </a:avLst>
-        </a:prstGeom>
-        <a:solidFill>
-          <a:schemeClr val="lt1">
-            <a:alpha val="90000"/>
-            <a:tint val="40000"/>
-            <a:hueOff val="0"/>
-            <a:satOff val="0"/>
-            <a:lumOff val="0"/>
-            <a:alphaOff val="0"/>
-          </a:schemeClr>
-        </a:solidFill>
-        <a:ln w="6350" cap="flat" cmpd="sng" algn="ctr">
-          <a:solidFill>
-            <a:schemeClr val="accent1">
-              <a:alpha val="90000"/>
-              <a:hueOff val="0"/>
-              <a:satOff val="0"/>
-              <a:lumOff val="0"/>
-              <a:alphaOff val="0"/>
-            </a:schemeClr>
-          </a:solidFill>
-          <a:prstDash val="solid"/>
-          <a:miter lim="800000"/>
-        </a:ln>
-        <a:effectLst/>
-      </dsp:spPr>
-      <dsp:style>
-        <a:lnRef idx="1">
-          <a:scrgbClr r="0" g="0" b="0"/>
-        </a:lnRef>
-        <a:fillRef idx="1">
-          <a:scrgbClr r="0" g="0" b="0"/>
-        </a:fillRef>
-        <a:effectRef idx="0">
-          <a:scrgbClr r="0" g="0" b="0"/>
-        </a:effectRef>
-        <a:fontRef idx="minor"/>
-      </dsp:style>
-      <dsp:txBody>
-        <a:bodyPr spcFirstLastPara="0" vert="horz" wrap="square" lIns="27940" tIns="27940" rIns="27940" bIns="27940" numCol="1" spcCol="1270" anchor="ctr" anchorCtr="0">
-          <a:noAutofit/>
-        </a:bodyPr>
-        <a:lstStyle/>
-        <a:p>
-          <a:pPr marL="0" lvl="0" indent="0" algn="ctr" defTabSz="977900">
-            <a:lnSpc>
-              <a:spcPct val="90000"/>
-            </a:lnSpc>
-            <a:spcBef>
-              <a:spcPct val="0"/>
-            </a:spcBef>
-            <a:spcAft>
-              <a:spcPct val="35000"/>
-            </a:spcAft>
-            <a:buNone/>
-          </a:pPr>
-          <a:r>
-            <a:rPr lang="en-US" sz="2200" kern="1200" dirty="0"/>
-            <a:t>Task description</a:t>
-          </a:r>
-        </a:p>
-      </dsp:txBody>
-      <dsp:txXfrm>
-        <a:off x="19230" y="1890369"/>
-        <a:ext cx="2036655" cy="486461"/>
-      </dsp:txXfrm>
-    </dsp:sp>
-    <dsp:sp modelId="{A65C4264-24F4-4122-844B-F5E582EC0111}">
-      <dsp:nvSpPr>
-        <dsp:cNvPr id="0" name=""/>
-        <dsp:cNvSpPr/>
-      </dsp:nvSpPr>
-      <dsp:spPr>
-        <a:xfrm rot="5400000">
-          <a:off x="992344" y="2437179"/>
-          <a:ext cx="90427" cy="90427"/>
-        </a:xfrm>
-        <a:prstGeom prst="rightArrow">
-          <a:avLst>
-            <a:gd name="adj1" fmla="val 66700"/>
-            <a:gd name="adj2" fmla="val 50000"/>
-          </a:avLst>
-        </a:prstGeom>
-        <a:gradFill rotWithShape="0">
-          <a:gsLst>
-            <a:gs pos="0">
-              <a:schemeClr val="accent1">
-                <a:tint val="60000"/>
-                <a:hueOff val="0"/>
-                <a:satOff val="0"/>
-                <a:lumOff val="0"/>
-                <a:alphaOff val="0"/>
-                <a:satMod val="103000"/>
-                <a:lumMod val="102000"/>
-                <a:tint val="94000"/>
-              </a:schemeClr>
-            </a:gs>
-            <a:gs pos="50000">
-              <a:schemeClr val="accent1">
-                <a:tint val="60000"/>
-                <a:hueOff val="0"/>
-                <a:satOff val="0"/>
-                <a:lumOff val="0"/>
-                <a:alphaOff val="0"/>
-                <a:satMod val="110000"/>
-                <a:lumMod val="100000"/>
-                <a:shade val="100000"/>
-              </a:schemeClr>
-            </a:gs>
-            <a:gs pos="100000">
-              <a:schemeClr val="accent1">
-                <a:tint val="60000"/>
-                <a:hueOff val="0"/>
-                <a:satOff val="0"/>
-                <a:lumOff val="0"/>
-                <a:alphaOff val="0"/>
-                <a:lumMod val="99000"/>
-                <a:satMod val="120000"/>
-                <a:shade val="78000"/>
-              </a:schemeClr>
-            </a:gs>
-          </a:gsLst>
-          <a:lin ang="5400000" scaled="0"/>
-        </a:gradFill>
-        <a:ln>
-          <a:noFill/>
-        </a:ln>
-        <a:effectLst/>
-      </dsp:spPr>
-      <dsp:style>
-        <a:lnRef idx="0">
-          <a:scrgbClr r="0" g="0" b="0"/>
-        </a:lnRef>
-        <a:fillRef idx="3">
-          <a:scrgbClr r="0" g="0" b="0"/>
-        </a:fillRef>
-        <a:effectRef idx="2">
-          <a:scrgbClr r="0" g="0" b="0"/>
-        </a:effectRef>
-        <a:fontRef idx="minor">
-          <a:schemeClr val="lt1"/>
-        </a:fontRef>
-      </dsp:style>
-    </dsp:sp>
-    <dsp:sp modelId="{9A5E1799-26FB-4959-97AA-0FCC22761318}">
-      <dsp:nvSpPr>
-        <dsp:cNvPr id="0" name=""/>
-        <dsp:cNvSpPr/>
-      </dsp:nvSpPr>
-      <dsp:spPr>
-        <a:xfrm>
-          <a:off x="4095" y="2572821"/>
-          <a:ext cx="2066925" cy="516731"/>
-        </a:xfrm>
-        <a:prstGeom prst="roundRect">
-          <a:avLst>
-            <a:gd name="adj" fmla="val 10000"/>
-          </a:avLst>
-        </a:prstGeom>
-        <a:solidFill>
-          <a:schemeClr val="lt1">
-            <a:alpha val="90000"/>
-            <a:tint val="40000"/>
-            <a:hueOff val="0"/>
-            <a:satOff val="0"/>
-            <a:lumOff val="0"/>
-            <a:alphaOff val="0"/>
-          </a:schemeClr>
-        </a:solidFill>
-        <a:ln w="6350" cap="flat" cmpd="sng" algn="ctr">
-          <a:solidFill>
-            <a:schemeClr val="accent1">
-              <a:alpha val="90000"/>
-              <a:hueOff val="0"/>
-              <a:satOff val="0"/>
-              <a:lumOff val="0"/>
-              <a:alphaOff val="0"/>
-            </a:schemeClr>
-          </a:solidFill>
-          <a:prstDash val="solid"/>
-          <a:miter lim="800000"/>
-        </a:ln>
-        <a:effectLst/>
-      </dsp:spPr>
-      <dsp:style>
-        <a:lnRef idx="1">
-          <a:scrgbClr r="0" g="0" b="0"/>
-        </a:lnRef>
-        <a:fillRef idx="1">
-          <a:scrgbClr r="0" g="0" b="0"/>
-        </a:fillRef>
-        <a:effectRef idx="0">
-          <a:scrgbClr r="0" g="0" b="0"/>
-        </a:effectRef>
-        <a:fontRef idx="minor"/>
-      </dsp:style>
-      <dsp:txBody>
-        <a:bodyPr spcFirstLastPara="0" vert="horz" wrap="square" lIns="27940" tIns="27940" rIns="27940" bIns="27940" numCol="1" spcCol="1270" anchor="ctr" anchorCtr="0">
-          <a:noAutofit/>
-        </a:bodyPr>
-        <a:lstStyle/>
-        <a:p>
-          <a:pPr marL="0" lvl="0" indent="0" algn="ctr" defTabSz="977900">
-            <a:lnSpc>
-              <a:spcPct val="90000"/>
-            </a:lnSpc>
-            <a:spcBef>
-              <a:spcPct val="0"/>
-            </a:spcBef>
-            <a:spcAft>
-              <a:spcPct val="35000"/>
-            </a:spcAft>
-            <a:buNone/>
-          </a:pPr>
-          <a:r>
-            <a:rPr lang="en-US" sz="2200" kern="1200" dirty="0"/>
-            <a:t>Task description</a:t>
-          </a:r>
-        </a:p>
-      </dsp:txBody>
-      <dsp:txXfrm>
-        <a:off x="19230" y="2587956"/>
-        <a:ext cx="2036655" cy="486461"/>
-      </dsp:txXfrm>
-    </dsp:sp>
-    <dsp:sp modelId="{3FBD4BD3-B74D-4AAB-9295-AE19DCC50691}">
-      <dsp:nvSpPr>
-        <dsp:cNvPr id="0" name=""/>
-        <dsp:cNvSpPr/>
-      </dsp:nvSpPr>
-      <dsp:spPr>
-        <a:xfrm rot="5400000">
-          <a:off x="992344" y="3134766"/>
-          <a:ext cx="90427" cy="90427"/>
-        </a:xfrm>
-        <a:prstGeom prst="rightArrow">
-          <a:avLst>
-            <a:gd name="adj1" fmla="val 66700"/>
-            <a:gd name="adj2" fmla="val 50000"/>
-          </a:avLst>
-        </a:prstGeom>
-        <a:gradFill rotWithShape="0">
-          <a:gsLst>
-            <a:gs pos="0">
-              <a:schemeClr val="accent1">
-                <a:tint val="60000"/>
-                <a:hueOff val="0"/>
-                <a:satOff val="0"/>
-                <a:lumOff val="0"/>
-                <a:alphaOff val="0"/>
-                <a:satMod val="103000"/>
-                <a:lumMod val="102000"/>
-                <a:tint val="94000"/>
-              </a:schemeClr>
-            </a:gs>
-            <a:gs pos="50000">
-              <a:schemeClr val="accent1">
-                <a:tint val="60000"/>
-                <a:hueOff val="0"/>
-                <a:satOff val="0"/>
-                <a:lumOff val="0"/>
-                <a:alphaOff val="0"/>
-                <a:satMod val="110000"/>
-                <a:lumMod val="100000"/>
-                <a:shade val="100000"/>
-              </a:schemeClr>
-            </a:gs>
-            <a:gs pos="100000">
-              <a:schemeClr val="accent1">
-                <a:tint val="60000"/>
-                <a:hueOff val="0"/>
-                <a:satOff val="0"/>
-                <a:lumOff val="0"/>
-                <a:alphaOff val="0"/>
-                <a:lumMod val="99000"/>
-                <a:satMod val="120000"/>
-                <a:shade val="78000"/>
-              </a:schemeClr>
-            </a:gs>
-          </a:gsLst>
-          <a:lin ang="5400000" scaled="0"/>
-        </a:gradFill>
-        <a:ln>
-          <a:noFill/>
-        </a:ln>
-        <a:effectLst/>
-      </dsp:spPr>
-      <dsp:style>
-        <a:lnRef idx="0">
-          <a:scrgbClr r="0" g="0" b="0"/>
-        </a:lnRef>
-        <a:fillRef idx="3">
-          <a:scrgbClr r="0" g="0" b="0"/>
-        </a:fillRef>
-        <a:effectRef idx="2">
-          <a:scrgbClr r="0" g="0" b="0"/>
-        </a:effectRef>
-        <a:fontRef idx="minor">
-          <a:schemeClr val="lt1"/>
-        </a:fontRef>
-      </dsp:style>
-    </dsp:sp>
-    <dsp:sp modelId="{8C46515F-5745-4BFE-8634-C34D77574BE3}">
-      <dsp:nvSpPr>
-        <dsp:cNvPr id="0" name=""/>
-        <dsp:cNvSpPr/>
-      </dsp:nvSpPr>
-      <dsp:spPr>
-        <a:xfrm>
-          <a:off x="4095" y="3270408"/>
-          <a:ext cx="2066925" cy="516731"/>
-        </a:xfrm>
-        <a:prstGeom prst="roundRect">
-          <a:avLst>
-            <a:gd name="adj" fmla="val 10000"/>
-          </a:avLst>
-        </a:prstGeom>
-        <a:solidFill>
-          <a:schemeClr val="lt1">
-            <a:alpha val="90000"/>
-            <a:tint val="40000"/>
-            <a:hueOff val="0"/>
-            <a:satOff val="0"/>
-            <a:lumOff val="0"/>
-            <a:alphaOff val="0"/>
-          </a:schemeClr>
-        </a:solidFill>
-        <a:ln w="6350" cap="flat" cmpd="sng" algn="ctr">
-          <a:solidFill>
-            <a:schemeClr val="accent1">
-              <a:alpha val="90000"/>
-              <a:hueOff val="0"/>
-              <a:satOff val="0"/>
-              <a:lumOff val="0"/>
-              <a:alphaOff val="0"/>
-            </a:schemeClr>
-          </a:solidFill>
-          <a:prstDash val="solid"/>
-          <a:miter lim="800000"/>
-        </a:ln>
-        <a:effectLst/>
-      </dsp:spPr>
-      <dsp:style>
-        <a:lnRef idx="1">
-          <a:scrgbClr r="0" g="0" b="0"/>
-        </a:lnRef>
-        <a:fillRef idx="1">
-          <a:scrgbClr r="0" g="0" b="0"/>
-        </a:fillRef>
-        <a:effectRef idx="0">
-          <a:scrgbClr r="0" g="0" b="0"/>
-        </a:effectRef>
-        <a:fontRef idx="minor"/>
-      </dsp:style>
-      <dsp:txBody>
-        <a:bodyPr spcFirstLastPara="0" vert="horz" wrap="square" lIns="27940" tIns="27940" rIns="27940" bIns="27940" numCol="1" spcCol="1270" anchor="ctr" anchorCtr="0">
-          <a:noAutofit/>
-        </a:bodyPr>
-        <a:lstStyle/>
-        <a:p>
-          <a:pPr marL="0" lvl="0" indent="0" algn="ctr" defTabSz="977900">
-            <a:lnSpc>
-              <a:spcPct val="90000"/>
-            </a:lnSpc>
-            <a:spcBef>
-              <a:spcPct val="0"/>
-            </a:spcBef>
-            <a:spcAft>
-              <a:spcPct val="35000"/>
-            </a:spcAft>
-            <a:buNone/>
-          </a:pPr>
-          <a:r>
-            <a:rPr lang="en-US" sz="2200" kern="1200" dirty="0"/>
-            <a:t>Task description</a:t>
-          </a:r>
-        </a:p>
-      </dsp:txBody>
-      <dsp:txXfrm>
-        <a:off x="19230" y="3285543"/>
-        <a:ext cx="2036655" cy="486461"/>
-      </dsp:txXfrm>
-    </dsp:sp>
-    <dsp:sp modelId="{09ADE9CE-20B7-4A4E-BED6-D56E4ED1D855}">
-      <dsp:nvSpPr>
-        <dsp:cNvPr id="0" name=""/>
-        <dsp:cNvSpPr/>
-      </dsp:nvSpPr>
-      <dsp:spPr>
-        <a:xfrm>
-          <a:off x="2360390" y="480060"/>
-          <a:ext cx="2066925" cy="516731"/>
-        </a:xfrm>
-        <a:prstGeom prst="roundRect">
-          <a:avLst>
-            <a:gd name="adj" fmla="val 10000"/>
-          </a:avLst>
-        </a:prstGeom>
-        <a:gradFill rotWithShape="0">
-          <a:gsLst>
-            <a:gs pos="0">
-              <a:schemeClr val="lt1">
-                <a:hueOff val="0"/>
-                <a:satOff val="0"/>
-                <a:lumOff val="0"/>
-                <a:alphaOff val="0"/>
-                <a:satMod val="103000"/>
-                <a:lumMod val="102000"/>
-                <a:tint val="94000"/>
-              </a:schemeClr>
-            </a:gs>
-            <a:gs pos="50000">
-              <a:schemeClr val="lt1">
-                <a:hueOff val="0"/>
-                <a:satOff val="0"/>
-                <a:lumOff val="0"/>
-                <a:alphaOff val="0"/>
-                <a:satMod val="110000"/>
-                <a:lumMod val="100000"/>
-                <a:shade val="100000"/>
-              </a:schemeClr>
-            </a:gs>
-            <a:gs pos="100000">
-              <a:schemeClr val="lt1">
-                <a:hueOff val="0"/>
-                <a:satOff val="0"/>
-                <a:lumOff val="0"/>
-                <a:alphaOff val="0"/>
-                <a:lumMod val="99000"/>
-                <a:satMod val="120000"/>
-                <a:shade val="78000"/>
-              </a:schemeClr>
-            </a:gs>
-          </a:gsLst>
-          <a:lin ang="5400000" scaled="0"/>
-        </a:gradFill>
-        <a:ln>
-          <a:noFill/>
-        </a:ln>
-        <a:effectLst/>
-      </dsp:spPr>
-      <dsp:style>
-        <a:lnRef idx="0">
-          <a:scrgbClr r="0" g="0" b="0"/>
-        </a:lnRef>
-        <a:fillRef idx="3">
-          <a:scrgbClr r="0" g="0" b="0"/>
-        </a:fillRef>
-        <a:effectRef idx="2">
-          <a:scrgbClr r="0" g="0" b="0"/>
-        </a:effectRef>
-        <a:fontRef idx="minor">
-          <a:schemeClr val="lt1"/>
-        </a:fontRef>
-      </dsp:style>
-      <dsp:txBody>
-        <a:bodyPr spcFirstLastPara="0" vert="horz" wrap="square" lIns="36830" tIns="36830" rIns="36830" bIns="36830" numCol="1" spcCol="1270" anchor="ctr" anchorCtr="0">
-          <a:noAutofit/>
-        </a:bodyPr>
-        <a:lstStyle/>
-        <a:p>
-          <a:pPr marL="0" lvl="0" indent="0" algn="ctr" defTabSz="1289050">
-            <a:lnSpc>
-              <a:spcPct val="90000"/>
-            </a:lnSpc>
-            <a:spcBef>
-              <a:spcPct val="0"/>
-            </a:spcBef>
-            <a:spcAft>
-              <a:spcPct val="35000"/>
-            </a:spcAft>
-            <a:buNone/>
-          </a:pPr>
-          <a:r>
-            <a:rPr lang="en-US" sz="2900" kern="1200" dirty="0" err="1"/>
-            <a:t>Coinbase</a:t>
-          </a:r>
-          <a:endParaRPr lang="en-US" sz="2900" kern="1200" dirty="0"/>
-        </a:p>
-      </dsp:txBody>
-      <dsp:txXfrm>
-        <a:off x="2375525" y="495195"/>
-        <a:ext cx="2036655" cy="486461"/>
-      </dsp:txXfrm>
-    </dsp:sp>
-    <dsp:sp modelId="{C8CE6287-76AA-46C4-B478-0F9183DE6118}">
-      <dsp:nvSpPr>
-        <dsp:cNvPr id="0" name=""/>
-        <dsp:cNvSpPr/>
-      </dsp:nvSpPr>
-      <dsp:spPr>
-        <a:xfrm rot="5400000">
-          <a:off x="3348638" y="1042005"/>
-          <a:ext cx="90427" cy="90427"/>
-        </a:xfrm>
-        <a:prstGeom prst="rightArrow">
-          <a:avLst>
-            <a:gd name="adj1" fmla="val 66700"/>
-            <a:gd name="adj2" fmla="val 50000"/>
-          </a:avLst>
-        </a:prstGeom>
-        <a:gradFill rotWithShape="0">
-          <a:gsLst>
-            <a:gs pos="0">
-              <a:schemeClr val="accent1">
-                <a:tint val="60000"/>
-                <a:hueOff val="0"/>
-                <a:satOff val="0"/>
-                <a:lumOff val="0"/>
-                <a:alphaOff val="0"/>
-                <a:satMod val="103000"/>
-                <a:lumMod val="102000"/>
-                <a:tint val="94000"/>
-              </a:schemeClr>
-            </a:gs>
-            <a:gs pos="50000">
-              <a:schemeClr val="accent1">
-                <a:tint val="60000"/>
-                <a:hueOff val="0"/>
-                <a:satOff val="0"/>
-                <a:lumOff val="0"/>
-                <a:alphaOff val="0"/>
-                <a:satMod val="110000"/>
-                <a:lumMod val="100000"/>
-                <a:shade val="100000"/>
-              </a:schemeClr>
-            </a:gs>
-            <a:gs pos="100000">
-              <a:schemeClr val="accent1">
-                <a:tint val="60000"/>
-                <a:hueOff val="0"/>
-                <a:satOff val="0"/>
-                <a:lumOff val="0"/>
-                <a:alphaOff val="0"/>
-                <a:lumMod val="99000"/>
-                <a:satMod val="120000"/>
-                <a:shade val="78000"/>
-              </a:schemeClr>
-            </a:gs>
-          </a:gsLst>
-          <a:lin ang="5400000" scaled="0"/>
-        </a:gradFill>
-        <a:ln>
-          <a:noFill/>
-        </a:ln>
-        <a:effectLst/>
-      </dsp:spPr>
-      <dsp:style>
-        <a:lnRef idx="0">
-          <a:scrgbClr r="0" g="0" b="0"/>
-        </a:lnRef>
-        <a:fillRef idx="3">
-          <a:scrgbClr r="0" g="0" b="0"/>
-        </a:fillRef>
-        <a:effectRef idx="2">
-          <a:scrgbClr r="0" g="0" b="0"/>
-        </a:effectRef>
-        <a:fontRef idx="minor">
-          <a:schemeClr val="lt1"/>
-        </a:fontRef>
-      </dsp:style>
-    </dsp:sp>
-    <dsp:sp modelId="{F7AA6D3E-BCE0-4C06-B101-080DA85DCB01}">
-      <dsp:nvSpPr>
-        <dsp:cNvPr id="0" name=""/>
-        <dsp:cNvSpPr/>
-      </dsp:nvSpPr>
-      <dsp:spPr>
-        <a:xfrm>
-          <a:off x="2360390" y="1177647"/>
-          <a:ext cx="2066925" cy="516731"/>
-        </a:xfrm>
-        <a:prstGeom prst="roundRect">
-          <a:avLst>
-            <a:gd name="adj" fmla="val 10000"/>
-          </a:avLst>
-        </a:prstGeom>
-        <a:solidFill>
-          <a:schemeClr val="lt1">
-            <a:alpha val="90000"/>
-            <a:tint val="40000"/>
-            <a:hueOff val="0"/>
-            <a:satOff val="0"/>
-            <a:lumOff val="0"/>
-            <a:alphaOff val="0"/>
-          </a:schemeClr>
-        </a:solidFill>
-        <a:ln w="6350" cap="flat" cmpd="sng" algn="ctr">
-          <a:solidFill>
-            <a:schemeClr val="accent1">
-              <a:alpha val="90000"/>
-              <a:hueOff val="0"/>
-              <a:satOff val="0"/>
-              <a:lumOff val="0"/>
-              <a:alphaOff val="0"/>
-            </a:schemeClr>
-          </a:solidFill>
-          <a:prstDash val="solid"/>
-          <a:miter lim="800000"/>
-        </a:ln>
-        <a:effectLst/>
-      </dsp:spPr>
-      <dsp:style>
-        <a:lnRef idx="1">
-          <a:scrgbClr r="0" g="0" b="0"/>
-        </a:lnRef>
-        <a:fillRef idx="1">
-          <a:scrgbClr r="0" g="0" b="0"/>
-        </a:fillRef>
-        <a:effectRef idx="0">
-          <a:scrgbClr r="0" g="0" b="0"/>
-        </a:effectRef>
-        <a:fontRef idx="minor"/>
-      </dsp:style>
-      <dsp:txBody>
-        <a:bodyPr spcFirstLastPara="0" vert="horz" wrap="square" lIns="27940" tIns="27940" rIns="27940" bIns="27940" numCol="1" spcCol="1270" anchor="ctr" anchorCtr="0">
-          <a:noAutofit/>
-        </a:bodyPr>
-        <a:lstStyle/>
-        <a:p>
-          <a:pPr marL="0" lvl="0" indent="0" algn="ctr" defTabSz="977900">
-            <a:lnSpc>
-              <a:spcPct val="90000"/>
-            </a:lnSpc>
-            <a:spcBef>
-              <a:spcPct val="0"/>
-            </a:spcBef>
-            <a:spcAft>
-              <a:spcPct val="35000"/>
-            </a:spcAft>
-            <a:buNone/>
-          </a:pPr>
-          <a:r>
-            <a:rPr lang="en-US" sz="2200" kern="1200" dirty="0"/>
-            <a:t>Task description</a:t>
-          </a:r>
-        </a:p>
-      </dsp:txBody>
-      <dsp:txXfrm>
-        <a:off x="2375525" y="1192782"/>
-        <a:ext cx="2036655" cy="486461"/>
-      </dsp:txXfrm>
-    </dsp:sp>
-    <dsp:sp modelId="{DDA5CBC7-AA05-481A-A03A-3964C1BBBB5A}">
-      <dsp:nvSpPr>
-        <dsp:cNvPr id="0" name=""/>
-        <dsp:cNvSpPr/>
-      </dsp:nvSpPr>
-      <dsp:spPr>
-        <a:xfrm rot="5400000">
-          <a:off x="3348638" y="1739592"/>
-          <a:ext cx="90427" cy="90427"/>
-        </a:xfrm>
-        <a:prstGeom prst="rightArrow">
-          <a:avLst>
-            <a:gd name="adj1" fmla="val 66700"/>
-            <a:gd name="adj2" fmla="val 50000"/>
-          </a:avLst>
-        </a:prstGeom>
-        <a:gradFill rotWithShape="0">
-          <a:gsLst>
-            <a:gs pos="0">
-              <a:schemeClr val="accent1">
-                <a:tint val="60000"/>
-                <a:hueOff val="0"/>
-                <a:satOff val="0"/>
-                <a:lumOff val="0"/>
-                <a:alphaOff val="0"/>
-                <a:satMod val="103000"/>
-                <a:lumMod val="102000"/>
-                <a:tint val="94000"/>
-              </a:schemeClr>
-            </a:gs>
-            <a:gs pos="50000">
-              <a:schemeClr val="accent1">
-                <a:tint val="60000"/>
-                <a:hueOff val="0"/>
-                <a:satOff val="0"/>
-                <a:lumOff val="0"/>
-                <a:alphaOff val="0"/>
-                <a:satMod val="110000"/>
-                <a:lumMod val="100000"/>
-                <a:shade val="100000"/>
-              </a:schemeClr>
-            </a:gs>
-            <a:gs pos="100000">
-              <a:schemeClr val="accent1">
-                <a:tint val="60000"/>
-                <a:hueOff val="0"/>
-                <a:satOff val="0"/>
-                <a:lumOff val="0"/>
-                <a:alphaOff val="0"/>
-                <a:lumMod val="99000"/>
-                <a:satMod val="120000"/>
-                <a:shade val="78000"/>
-              </a:schemeClr>
-            </a:gs>
-          </a:gsLst>
-          <a:lin ang="5400000" scaled="0"/>
-        </a:gradFill>
-        <a:ln>
-          <a:noFill/>
-        </a:ln>
-        <a:effectLst/>
-      </dsp:spPr>
-      <dsp:style>
-        <a:lnRef idx="0">
-          <a:scrgbClr r="0" g="0" b="0"/>
-        </a:lnRef>
-        <a:fillRef idx="3">
-          <a:scrgbClr r="0" g="0" b="0"/>
-        </a:fillRef>
-        <a:effectRef idx="2">
-          <a:scrgbClr r="0" g="0" b="0"/>
-        </a:effectRef>
-        <a:fontRef idx="minor">
-          <a:schemeClr val="lt1"/>
-        </a:fontRef>
-      </dsp:style>
-    </dsp:sp>
-    <dsp:sp modelId="{73DBFA1A-3823-4209-9CD6-DBDD456F39FB}">
-      <dsp:nvSpPr>
-        <dsp:cNvPr id="0" name=""/>
-        <dsp:cNvSpPr/>
-      </dsp:nvSpPr>
-      <dsp:spPr>
-        <a:xfrm>
-          <a:off x="2360390" y="1875234"/>
-          <a:ext cx="2066925" cy="516731"/>
-        </a:xfrm>
-        <a:prstGeom prst="roundRect">
-          <a:avLst>
-            <a:gd name="adj" fmla="val 10000"/>
-          </a:avLst>
-        </a:prstGeom>
-        <a:solidFill>
-          <a:schemeClr val="lt1">
-            <a:alpha val="90000"/>
-            <a:tint val="40000"/>
-            <a:hueOff val="0"/>
-            <a:satOff val="0"/>
-            <a:lumOff val="0"/>
-            <a:alphaOff val="0"/>
-          </a:schemeClr>
-        </a:solidFill>
-        <a:ln w="6350" cap="flat" cmpd="sng" algn="ctr">
-          <a:solidFill>
-            <a:schemeClr val="accent1">
-              <a:alpha val="90000"/>
-              <a:hueOff val="0"/>
-              <a:satOff val="0"/>
-              <a:lumOff val="0"/>
-              <a:alphaOff val="0"/>
-            </a:schemeClr>
-          </a:solidFill>
-          <a:prstDash val="solid"/>
-          <a:miter lim="800000"/>
-        </a:ln>
-        <a:effectLst/>
-      </dsp:spPr>
-      <dsp:style>
-        <a:lnRef idx="1">
-          <a:scrgbClr r="0" g="0" b="0"/>
-        </a:lnRef>
-        <a:fillRef idx="1">
-          <a:scrgbClr r="0" g="0" b="0"/>
-        </a:fillRef>
-        <a:effectRef idx="0">
-          <a:scrgbClr r="0" g="0" b="0"/>
-        </a:effectRef>
-        <a:fontRef idx="minor"/>
-      </dsp:style>
-      <dsp:txBody>
-        <a:bodyPr spcFirstLastPara="0" vert="horz" wrap="square" lIns="27940" tIns="27940" rIns="27940" bIns="27940" numCol="1" spcCol="1270" anchor="ctr" anchorCtr="0">
-          <a:noAutofit/>
-        </a:bodyPr>
-        <a:lstStyle/>
-        <a:p>
-          <a:pPr marL="0" lvl="0" indent="0" algn="ctr" defTabSz="977900">
-            <a:lnSpc>
-              <a:spcPct val="90000"/>
-            </a:lnSpc>
-            <a:spcBef>
-              <a:spcPct val="0"/>
-            </a:spcBef>
-            <a:spcAft>
-              <a:spcPct val="35000"/>
-            </a:spcAft>
-            <a:buNone/>
-          </a:pPr>
-          <a:r>
-            <a:rPr lang="en-US" sz="2200" kern="1200" dirty="0"/>
-            <a:t>Task description</a:t>
-          </a:r>
-        </a:p>
-      </dsp:txBody>
-      <dsp:txXfrm>
-        <a:off x="2375525" y="1890369"/>
-        <a:ext cx="2036655" cy="486461"/>
-      </dsp:txXfrm>
-    </dsp:sp>
-    <dsp:sp modelId="{E7F7C4A8-2F3A-49BA-B2E4-CF48FCA5D8D8}">
-      <dsp:nvSpPr>
-        <dsp:cNvPr id="0" name=""/>
-        <dsp:cNvSpPr/>
-      </dsp:nvSpPr>
-      <dsp:spPr>
-        <a:xfrm rot="5400000">
-          <a:off x="3348638" y="2437179"/>
-          <a:ext cx="90427" cy="90427"/>
-        </a:xfrm>
-        <a:prstGeom prst="rightArrow">
-          <a:avLst>
-            <a:gd name="adj1" fmla="val 66700"/>
-            <a:gd name="adj2" fmla="val 50000"/>
-          </a:avLst>
-        </a:prstGeom>
-        <a:gradFill rotWithShape="0">
-          <a:gsLst>
-            <a:gs pos="0">
-              <a:schemeClr val="accent1">
-                <a:tint val="60000"/>
-                <a:hueOff val="0"/>
-                <a:satOff val="0"/>
-                <a:lumOff val="0"/>
-                <a:alphaOff val="0"/>
-                <a:satMod val="103000"/>
-                <a:lumMod val="102000"/>
-                <a:tint val="94000"/>
-              </a:schemeClr>
-            </a:gs>
-            <a:gs pos="50000">
-              <a:schemeClr val="accent1">
-                <a:tint val="60000"/>
-                <a:hueOff val="0"/>
-                <a:satOff val="0"/>
-                <a:lumOff val="0"/>
-                <a:alphaOff val="0"/>
-                <a:satMod val="110000"/>
-                <a:lumMod val="100000"/>
-                <a:shade val="100000"/>
-              </a:schemeClr>
-            </a:gs>
-            <a:gs pos="100000">
-              <a:schemeClr val="accent1">
-                <a:tint val="60000"/>
-                <a:hueOff val="0"/>
-                <a:satOff val="0"/>
-                <a:lumOff val="0"/>
-                <a:alphaOff val="0"/>
-                <a:lumMod val="99000"/>
-                <a:satMod val="120000"/>
-                <a:shade val="78000"/>
-              </a:schemeClr>
-            </a:gs>
-          </a:gsLst>
-          <a:lin ang="5400000" scaled="0"/>
-        </a:gradFill>
-        <a:ln>
-          <a:noFill/>
-        </a:ln>
-        <a:effectLst/>
-      </dsp:spPr>
-      <dsp:style>
-        <a:lnRef idx="0">
-          <a:scrgbClr r="0" g="0" b="0"/>
-        </a:lnRef>
-        <a:fillRef idx="3">
-          <a:scrgbClr r="0" g="0" b="0"/>
-        </a:fillRef>
-        <a:effectRef idx="2">
-          <a:scrgbClr r="0" g="0" b="0"/>
-        </a:effectRef>
-        <a:fontRef idx="minor">
-          <a:schemeClr val="lt1"/>
-        </a:fontRef>
-      </dsp:style>
-    </dsp:sp>
-    <dsp:sp modelId="{68423B8C-DD55-4C1A-86D3-87118415FFA7}">
-      <dsp:nvSpPr>
-        <dsp:cNvPr id="0" name=""/>
-        <dsp:cNvSpPr/>
-      </dsp:nvSpPr>
-      <dsp:spPr>
-        <a:xfrm>
-          <a:off x="2360390" y="2572821"/>
-          <a:ext cx="2066925" cy="516731"/>
-        </a:xfrm>
-        <a:prstGeom prst="roundRect">
-          <a:avLst>
-            <a:gd name="adj" fmla="val 10000"/>
-          </a:avLst>
-        </a:prstGeom>
-        <a:solidFill>
-          <a:schemeClr val="lt1">
-            <a:alpha val="90000"/>
-            <a:tint val="40000"/>
-            <a:hueOff val="0"/>
-            <a:satOff val="0"/>
-            <a:lumOff val="0"/>
-            <a:alphaOff val="0"/>
-          </a:schemeClr>
-        </a:solidFill>
-        <a:ln w="6350" cap="flat" cmpd="sng" algn="ctr">
-          <a:solidFill>
-            <a:schemeClr val="accent1">
-              <a:alpha val="90000"/>
-              <a:hueOff val="0"/>
-              <a:satOff val="0"/>
-              <a:lumOff val="0"/>
-              <a:alphaOff val="0"/>
-            </a:schemeClr>
-          </a:solidFill>
-          <a:prstDash val="solid"/>
-          <a:miter lim="800000"/>
-        </a:ln>
-        <a:effectLst/>
-      </dsp:spPr>
-      <dsp:style>
-        <a:lnRef idx="1">
-          <a:scrgbClr r="0" g="0" b="0"/>
-        </a:lnRef>
-        <a:fillRef idx="1">
-          <a:scrgbClr r="0" g="0" b="0"/>
-        </a:fillRef>
-        <a:effectRef idx="0">
-          <a:scrgbClr r="0" g="0" b="0"/>
-        </a:effectRef>
-        <a:fontRef idx="minor"/>
-      </dsp:style>
-      <dsp:txBody>
-        <a:bodyPr spcFirstLastPara="0" vert="horz" wrap="square" lIns="27940" tIns="27940" rIns="27940" bIns="27940" numCol="1" spcCol="1270" anchor="ctr" anchorCtr="0">
-          <a:noAutofit/>
-        </a:bodyPr>
-        <a:lstStyle/>
-        <a:p>
-          <a:pPr marL="0" lvl="0" indent="0" algn="ctr" defTabSz="977900">
-            <a:lnSpc>
-              <a:spcPct val="90000"/>
-            </a:lnSpc>
-            <a:spcBef>
-              <a:spcPct val="0"/>
-            </a:spcBef>
-            <a:spcAft>
-              <a:spcPct val="35000"/>
-            </a:spcAft>
-            <a:buNone/>
-          </a:pPr>
-          <a:r>
-            <a:rPr lang="en-US" sz="2200" kern="1200" dirty="0"/>
-            <a:t>Task description</a:t>
-          </a:r>
-        </a:p>
-      </dsp:txBody>
-      <dsp:txXfrm>
-        <a:off x="2375525" y="2587956"/>
-        <a:ext cx="2036655" cy="486461"/>
-      </dsp:txXfrm>
-    </dsp:sp>
-    <dsp:sp modelId="{67971461-EE07-4B5E-A0C3-A166C6559682}">
-      <dsp:nvSpPr>
-        <dsp:cNvPr id="0" name=""/>
-        <dsp:cNvSpPr/>
-      </dsp:nvSpPr>
-      <dsp:spPr>
-        <a:xfrm>
-          <a:off x="4716684" y="480060"/>
-          <a:ext cx="2066925" cy="516731"/>
-        </a:xfrm>
-        <a:prstGeom prst="roundRect">
-          <a:avLst>
-            <a:gd name="adj" fmla="val 10000"/>
-          </a:avLst>
-        </a:prstGeom>
-        <a:gradFill rotWithShape="0">
-          <a:gsLst>
-            <a:gs pos="0">
-              <a:schemeClr val="lt1">
-                <a:hueOff val="0"/>
-                <a:satOff val="0"/>
-                <a:lumOff val="0"/>
-                <a:alphaOff val="0"/>
-                <a:satMod val="103000"/>
-                <a:lumMod val="102000"/>
-                <a:tint val="94000"/>
-              </a:schemeClr>
-            </a:gs>
-            <a:gs pos="50000">
-              <a:schemeClr val="lt1">
-                <a:hueOff val="0"/>
-                <a:satOff val="0"/>
-                <a:lumOff val="0"/>
-                <a:alphaOff val="0"/>
-                <a:satMod val="110000"/>
-                <a:lumMod val="100000"/>
-                <a:shade val="100000"/>
-              </a:schemeClr>
-            </a:gs>
-            <a:gs pos="100000">
-              <a:schemeClr val="lt1">
-                <a:hueOff val="0"/>
-                <a:satOff val="0"/>
-                <a:lumOff val="0"/>
-                <a:alphaOff val="0"/>
-                <a:lumMod val="99000"/>
-                <a:satMod val="120000"/>
-                <a:shade val="78000"/>
-              </a:schemeClr>
-            </a:gs>
-          </a:gsLst>
-          <a:lin ang="5400000" scaled="0"/>
-        </a:gradFill>
-        <a:ln>
-          <a:noFill/>
-        </a:ln>
-        <a:effectLst/>
-      </dsp:spPr>
-      <dsp:style>
-        <a:lnRef idx="0">
-          <a:scrgbClr r="0" g="0" b="0"/>
-        </a:lnRef>
-        <a:fillRef idx="3">
-          <a:scrgbClr r="0" g="0" b="0"/>
-        </a:fillRef>
-        <a:effectRef idx="2">
-          <a:scrgbClr r="0" g="0" b="0"/>
-        </a:effectRef>
-        <a:fontRef idx="minor">
-          <a:schemeClr val="lt1"/>
-        </a:fontRef>
-      </dsp:style>
-      <dsp:txBody>
-        <a:bodyPr spcFirstLastPara="0" vert="horz" wrap="square" lIns="36830" tIns="36830" rIns="36830" bIns="36830" numCol="1" spcCol="1270" anchor="ctr" anchorCtr="0">
-          <a:noAutofit/>
-        </a:bodyPr>
-        <a:lstStyle/>
-        <a:p>
-          <a:pPr marL="0" lvl="0" indent="0" algn="ctr" defTabSz="1289050">
-            <a:lnSpc>
-              <a:spcPct val="90000"/>
-            </a:lnSpc>
-            <a:spcBef>
-              <a:spcPct val="0"/>
-            </a:spcBef>
-            <a:spcAft>
-              <a:spcPct val="35000"/>
-            </a:spcAft>
-            <a:buNone/>
-          </a:pPr>
-          <a:r>
-            <a:rPr lang="en-US" sz="2900" kern="1200" dirty="0" err="1"/>
-            <a:t>Ethereum</a:t>
-          </a:r>
-          <a:endParaRPr lang="en-US" sz="2900" kern="1200" dirty="0"/>
-        </a:p>
-      </dsp:txBody>
-      <dsp:txXfrm>
-        <a:off x="4731819" y="495195"/>
-        <a:ext cx="2036655" cy="486461"/>
-      </dsp:txXfrm>
-    </dsp:sp>
-    <dsp:sp modelId="{BF9CEF10-4726-4D20-AC2F-85DE706D0D00}">
-      <dsp:nvSpPr>
-        <dsp:cNvPr id="0" name=""/>
-        <dsp:cNvSpPr/>
-      </dsp:nvSpPr>
-      <dsp:spPr>
-        <a:xfrm rot="5400000">
-          <a:off x="5704933" y="1042005"/>
-          <a:ext cx="90427" cy="90427"/>
-        </a:xfrm>
-        <a:prstGeom prst="rightArrow">
-          <a:avLst>
-            <a:gd name="adj1" fmla="val 66700"/>
-            <a:gd name="adj2" fmla="val 50000"/>
-          </a:avLst>
-        </a:prstGeom>
-        <a:gradFill rotWithShape="0">
-          <a:gsLst>
-            <a:gs pos="0">
-              <a:schemeClr val="accent1">
-                <a:tint val="60000"/>
-                <a:hueOff val="0"/>
-                <a:satOff val="0"/>
-                <a:lumOff val="0"/>
-                <a:alphaOff val="0"/>
-                <a:satMod val="103000"/>
-                <a:lumMod val="102000"/>
-                <a:tint val="94000"/>
-              </a:schemeClr>
-            </a:gs>
-            <a:gs pos="50000">
-              <a:schemeClr val="accent1">
-                <a:tint val="60000"/>
-                <a:hueOff val="0"/>
-                <a:satOff val="0"/>
-                <a:lumOff val="0"/>
-                <a:alphaOff val="0"/>
-                <a:satMod val="110000"/>
-                <a:lumMod val="100000"/>
-                <a:shade val="100000"/>
-              </a:schemeClr>
-            </a:gs>
-            <a:gs pos="100000">
-              <a:schemeClr val="accent1">
-                <a:tint val="60000"/>
-                <a:hueOff val="0"/>
-                <a:satOff val="0"/>
-                <a:lumOff val="0"/>
-                <a:alphaOff val="0"/>
-                <a:lumMod val="99000"/>
-                <a:satMod val="120000"/>
-                <a:shade val="78000"/>
-              </a:schemeClr>
-            </a:gs>
-          </a:gsLst>
-          <a:lin ang="5400000" scaled="0"/>
-        </a:gradFill>
-        <a:ln>
-          <a:noFill/>
-        </a:ln>
-        <a:effectLst/>
-      </dsp:spPr>
-      <dsp:style>
-        <a:lnRef idx="0">
-          <a:scrgbClr r="0" g="0" b="0"/>
-        </a:lnRef>
-        <a:fillRef idx="3">
-          <a:scrgbClr r="0" g="0" b="0"/>
-        </a:fillRef>
-        <a:effectRef idx="2">
-          <a:scrgbClr r="0" g="0" b="0"/>
-        </a:effectRef>
-        <a:fontRef idx="minor">
-          <a:schemeClr val="lt1"/>
-        </a:fontRef>
-      </dsp:style>
-    </dsp:sp>
-    <dsp:sp modelId="{C1386769-D313-4B62-9BE9-A84DD636105E}">
-      <dsp:nvSpPr>
-        <dsp:cNvPr id="0" name=""/>
-        <dsp:cNvSpPr/>
-      </dsp:nvSpPr>
-      <dsp:spPr>
-        <a:xfrm>
-          <a:off x="4716684" y="1177647"/>
-          <a:ext cx="2066925" cy="516731"/>
-        </a:xfrm>
-        <a:prstGeom prst="roundRect">
-          <a:avLst>
-            <a:gd name="adj" fmla="val 10000"/>
-          </a:avLst>
-        </a:prstGeom>
-        <a:solidFill>
-          <a:schemeClr val="lt1">
-            <a:alpha val="90000"/>
-            <a:tint val="40000"/>
-            <a:hueOff val="0"/>
-            <a:satOff val="0"/>
-            <a:lumOff val="0"/>
-            <a:alphaOff val="0"/>
-          </a:schemeClr>
-        </a:solidFill>
-        <a:ln w="6350" cap="flat" cmpd="sng" algn="ctr">
-          <a:solidFill>
-            <a:schemeClr val="accent1">
-              <a:alpha val="90000"/>
-              <a:hueOff val="0"/>
-              <a:satOff val="0"/>
-              <a:lumOff val="0"/>
-              <a:alphaOff val="0"/>
-            </a:schemeClr>
-          </a:solidFill>
-          <a:prstDash val="solid"/>
-          <a:miter lim="800000"/>
-        </a:ln>
-        <a:effectLst/>
-      </dsp:spPr>
-      <dsp:style>
-        <a:lnRef idx="1">
-          <a:scrgbClr r="0" g="0" b="0"/>
-        </a:lnRef>
-        <a:fillRef idx="1">
-          <a:scrgbClr r="0" g="0" b="0"/>
-        </a:fillRef>
-        <a:effectRef idx="0">
-          <a:scrgbClr r="0" g="0" b="0"/>
-        </a:effectRef>
-        <a:fontRef idx="minor"/>
-      </dsp:style>
-      <dsp:txBody>
-        <a:bodyPr spcFirstLastPara="0" vert="horz" wrap="square" lIns="27940" tIns="27940" rIns="27940" bIns="27940" numCol="1" spcCol="1270" anchor="ctr" anchorCtr="0">
-          <a:noAutofit/>
-        </a:bodyPr>
-        <a:lstStyle/>
-        <a:p>
-          <a:pPr marL="0" lvl="0" indent="0" algn="ctr" defTabSz="977900">
-            <a:lnSpc>
-              <a:spcPct val="90000"/>
-            </a:lnSpc>
-            <a:spcBef>
-              <a:spcPct val="0"/>
-            </a:spcBef>
-            <a:spcAft>
-              <a:spcPct val="35000"/>
-            </a:spcAft>
-            <a:buNone/>
-          </a:pPr>
-          <a:r>
-            <a:rPr lang="en-US" sz="2200" kern="1200" dirty="0"/>
-            <a:t>Task description</a:t>
-          </a:r>
-        </a:p>
-      </dsp:txBody>
-      <dsp:txXfrm>
-        <a:off x="4731819" y="1192782"/>
-        <a:ext cx="2036655" cy="486461"/>
-      </dsp:txXfrm>
-    </dsp:sp>
-    <dsp:sp modelId="{0C1CAC8B-CC80-49DA-9707-021AB163C55F}">
-      <dsp:nvSpPr>
-        <dsp:cNvPr id="0" name=""/>
-        <dsp:cNvSpPr/>
-      </dsp:nvSpPr>
-      <dsp:spPr>
-        <a:xfrm rot="5400000">
-          <a:off x="5704933" y="1739592"/>
-          <a:ext cx="90427" cy="90427"/>
-        </a:xfrm>
-        <a:prstGeom prst="rightArrow">
-          <a:avLst>
-            <a:gd name="adj1" fmla="val 66700"/>
-            <a:gd name="adj2" fmla="val 50000"/>
-          </a:avLst>
-        </a:prstGeom>
-        <a:gradFill rotWithShape="0">
-          <a:gsLst>
-            <a:gs pos="0">
-              <a:schemeClr val="accent1">
-                <a:tint val="60000"/>
-                <a:hueOff val="0"/>
-                <a:satOff val="0"/>
-                <a:lumOff val="0"/>
-                <a:alphaOff val="0"/>
-                <a:satMod val="103000"/>
-                <a:lumMod val="102000"/>
-                <a:tint val="94000"/>
-              </a:schemeClr>
-            </a:gs>
-            <a:gs pos="50000">
-              <a:schemeClr val="accent1">
-                <a:tint val="60000"/>
-                <a:hueOff val="0"/>
-                <a:satOff val="0"/>
-                <a:lumOff val="0"/>
-                <a:alphaOff val="0"/>
-                <a:satMod val="110000"/>
-                <a:lumMod val="100000"/>
-                <a:shade val="100000"/>
-              </a:schemeClr>
-            </a:gs>
-            <a:gs pos="100000">
-              <a:schemeClr val="accent1">
-                <a:tint val="60000"/>
-                <a:hueOff val="0"/>
-                <a:satOff val="0"/>
-                <a:lumOff val="0"/>
-                <a:alphaOff val="0"/>
-                <a:lumMod val="99000"/>
-                <a:satMod val="120000"/>
-                <a:shade val="78000"/>
-              </a:schemeClr>
-            </a:gs>
-          </a:gsLst>
-          <a:lin ang="5400000" scaled="0"/>
-        </a:gradFill>
-        <a:ln>
-          <a:noFill/>
-        </a:ln>
-        <a:effectLst/>
-      </dsp:spPr>
-      <dsp:style>
-        <a:lnRef idx="0">
-          <a:scrgbClr r="0" g="0" b="0"/>
-        </a:lnRef>
-        <a:fillRef idx="3">
-          <a:scrgbClr r="0" g="0" b="0"/>
-        </a:fillRef>
-        <a:effectRef idx="2">
-          <a:scrgbClr r="0" g="0" b="0"/>
-        </a:effectRef>
-        <a:fontRef idx="minor">
-          <a:schemeClr val="lt1"/>
-        </a:fontRef>
-      </dsp:style>
-    </dsp:sp>
-    <dsp:sp modelId="{2985E292-795D-4403-BD7F-3A17BE0B21A7}">
-      <dsp:nvSpPr>
-        <dsp:cNvPr id="0" name=""/>
-        <dsp:cNvSpPr/>
-      </dsp:nvSpPr>
-      <dsp:spPr>
-        <a:xfrm>
-          <a:off x="4716684" y="1875234"/>
-          <a:ext cx="2066925" cy="516731"/>
-        </a:xfrm>
-        <a:prstGeom prst="roundRect">
-          <a:avLst>
-            <a:gd name="adj" fmla="val 10000"/>
-          </a:avLst>
-        </a:prstGeom>
-        <a:solidFill>
-          <a:schemeClr val="lt1">
-            <a:alpha val="90000"/>
-            <a:tint val="40000"/>
-            <a:hueOff val="0"/>
-            <a:satOff val="0"/>
-            <a:lumOff val="0"/>
-            <a:alphaOff val="0"/>
-          </a:schemeClr>
-        </a:solidFill>
-        <a:ln w="6350" cap="flat" cmpd="sng" algn="ctr">
-          <a:solidFill>
-            <a:schemeClr val="accent1">
-              <a:alpha val="90000"/>
-              <a:hueOff val="0"/>
-              <a:satOff val="0"/>
-              <a:lumOff val="0"/>
-              <a:alphaOff val="0"/>
-            </a:schemeClr>
-          </a:solidFill>
-          <a:prstDash val="solid"/>
-          <a:miter lim="800000"/>
-        </a:ln>
-        <a:effectLst/>
-      </dsp:spPr>
-      <dsp:style>
-        <a:lnRef idx="1">
-          <a:scrgbClr r="0" g="0" b="0"/>
-        </a:lnRef>
-        <a:fillRef idx="1">
-          <a:scrgbClr r="0" g="0" b="0"/>
-        </a:fillRef>
-        <a:effectRef idx="0">
-          <a:scrgbClr r="0" g="0" b="0"/>
-        </a:effectRef>
-        <a:fontRef idx="minor"/>
-      </dsp:style>
-      <dsp:txBody>
-        <a:bodyPr spcFirstLastPara="0" vert="horz" wrap="square" lIns="27940" tIns="27940" rIns="27940" bIns="27940" numCol="1" spcCol="1270" anchor="ctr" anchorCtr="0">
-          <a:noAutofit/>
-        </a:bodyPr>
-        <a:lstStyle/>
-        <a:p>
-          <a:pPr marL="0" lvl="0" indent="0" algn="ctr" defTabSz="977900">
-            <a:lnSpc>
-              <a:spcPct val="90000"/>
-            </a:lnSpc>
-            <a:spcBef>
-              <a:spcPct val="0"/>
-            </a:spcBef>
-            <a:spcAft>
-              <a:spcPct val="35000"/>
-            </a:spcAft>
-            <a:buNone/>
-          </a:pPr>
-          <a:r>
-            <a:rPr lang="en-US" sz="2200" kern="1200" dirty="0"/>
-            <a:t>Task description</a:t>
-          </a:r>
-        </a:p>
-      </dsp:txBody>
-      <dsp:txXfrm>
-        <a:off x="4731819" y="1890369"/>
-        <a:ext cx="2036655" cy="486461"/>
-      </dsp:txXfrm>
-    </dsp:sp>
-    <dsp:sp modelId="{DA50ACFD-2722-4D29-B376-5CF3C8F3EB41}">
-      <dsp:nvSpPr>
-        <dsp:cNvPr id="0" name=""/>
-        <dsp:cNvSpPr/>
-      </dsp:nvSpPr>
-      <dsp:spPr>
-        <a:xfrm>
-          <a:off x="7072979" y="480060"/>
-          <a:ext cx="2066925" cy="516731"/>
-        </a:xfrm>
-        <a:prstGeom prst="roundRect">
-          <a:avLst>
-            <a:gd name="adj" fmla="val 10000"/>
-          </a:avLst>
-        </a:prstGeom>
-        <a:gradFill rotWithShape="0">
-          <a:gsLst>
-            <a:gs pos="0">
-              <a:schemeClr val="lt1">
-                <a:hueOff val="0"/>
-                <a:satOff val="0"/>
-                <a:lumOff val="0"/>
-                <a:alphaOff val="0"/>
-                <a:satMod val="103000"/>
-                <a:lumMod val="102000"/>
-                <a:tint val="94000"/>
-              </a:schemeClr>
-            </a:gs>
-            <a:gs pos="50000">
-              <a:schemeClr val="lt1">
-                <a:hueOff val="0"/>
-                <a:satOff val="0"/>
-                <a:lumOff val="0"/>
-                <a:alphaOff val="0"/>
-                <a:satMod val="110000"/>
-                <a:lumMod val="100000"/>
-                <a:shade val="100000"/>
-              </a:schemeClr>
-            </a:gs>
-            <a:gs pos="100000">
-              <a:schemeClr val="lt1">
-                <a:hueOff val="0"/>
-                <a:satOff val="0"/>
-                <a:lumOff val="0"/>
-                <a:alphaOff val="0"/>
-                <a:lumMod val="99000"/>
-                <a:satMod val="120000"/>
-                <a:shade val="78000"/>
-              </a:schemeClr>
-            </a:gs>
-          </a:gsLst>
-          <a:lin ang="5400000" scaled="0"/>
-        </a:gradFill>
-        <a:ln>
-          <a:noFill/>
-        </a:ln>
-        <a:effectLst/>
-      </dsp:spPr>
-      <dsp:style>
-        <a:lnRef idx="0">
-          <a:scrgbClr r="0" g="0" b="0"/>
-        </a:lnRef>
-        <a:fillRef idx="3">
-          <a:scrgbClr r="0" g="0" b="0"/>
-        </a:fillRef>
-        <a:effectRef idx="2">
-          <a:scrgbClr r="0" g="0" b="0"/>
-        </a:effectRef>
-        <a:fontRef idx="minor">
-          <a:schemeClr val="lt1"/>
-        </a:fontRef>
-      </dsp:style>
-      <dsp:txBody>
-        <a:bodyPr spcFirstLastPara="0" vert="horz" wrap="square" lIns="36830" tIns="36830" rIns="36830" bIns="36830" numCol="1" spcCol="1270" anchor="ctr" anchorCtr="0">
-          <a:noAutofit/>
-        </a:bodyPr>
-        <a:lstStyle/>
-        <a:p>
-          <a:pPr marL="0" lvl="0" indent="0" algn="ctr" defTabSz="1289050">
-            <a:lnSpc>
-              <a:spcPct val="90000"/>
-            </a:lnSpc>
-            <a:spcBef>
-              <a:spcPct val="0"/>
-            </a:spcBef>
-            <a:spcAft>
-              <a:spcPct val="35000"/>
-            </a:spcAft>
-            <a:buNone/>
-          </a:pPr>
-          <a:r>
-            <a:rPr lang="en-US" sz="2900" kern="1200" dirty="0"/>
-            <a:t>IBM</a:t>
-          </a:r>
-        </a:p>
-      </dsp:txBody>
-      <dsp:txXfrm>
-        <a:off x="7088114" y="495195"/>
-        <a:ext cx="2036655" cy="486461"/>
-      </dsp:txXfrm>
-    </dsp:sp>
-    <dsp:sp modelId="{E31C91BC-3A8F-4AC7-8DBF-330AFF31351C}">
-      <dsp:nvSpPr>
-        <dsp:cNvPr id="0" name=""/>
-        <dsp:cNvSpPr/>
-      </dsp:nvSpPr>
-      <dsp:spPr>
-        <a:xfrm rot="5400000">
-          <a:off x="8061227" y="1042005"/>
-          <a:ext cx="90427" cy="90427"/>
-        </a:xfrm>
-        <a:prstGeom prst="rightArrow">
-          <a:avLst>
-            <a:gd name="adj1" fmla="val 66700"/>
-            <a:gd name="adj2" fmla="val 50000"/>
-          </a:avLst>
-        </a:prstGeom>
-        <a:gradFill rotWithShape="0">
-          <a:gsLst>
-            <a:gs pos="0">
-              <a:schemeClr val="accent1">
-                <a:tint val="60000"/>
-                <a:hueOff val="0"/>
-                <a:satOff val="0"/>
-                <a:lumOff val="0"/>
-                <a:alphaOff val="0"/>
-                <a:satMod val="103000"/>
-                <a:lumMod val="102000"/>
-                <a:tint val="94000"/>
-              </a:schemeClr>
-            </a:gs>
-            <a:gs pos="50000">
-              <a:schemeClr val="accent1">
-                <a:tint val="60000"/>
-                <a:hueOff val="0"/>
-                <a:satOff val="0"/>
-                <a:lumOff val="0"/>
-                <a:alphaOff val="0"/>
-                <a:satMod val="110000"/>
-                <a:lumMod val="100000"/>
-                <a:shade val="100000"/>
-              </a:schemeClr>
-            </a:gs>
-            <a:gs pos="100000">
-              <a:schemeClr val="accent1">
-                <a:tint val="60000"/>
-                <a:hueOff val="0"/>
-                <a:satOff val="0"/>
-                <a:lumOff val="0"/>
-                <a:alphaOff val="0"/>
-                <a:lumMod val="99000"/>
-                <a:satMod val="120000"/>
-                <a:shade val="78000"/>
-              </a:schemeClr>
-            </a:gs>
-          </a:gsLst>
-          <a:lin ang="5400000" scaled="0"/>
-        </a:gradFill>
-        <a:ln>
-          <a:noFill/>
-        </a:ln>
-        <a:effectLst/>
-      </dsp:spPr>
-      <dsp:style>
-        <a:lnRef idx="0">
-          <a:scrgbClr r="0" g="0" b="0"/>
-        </a:lnRef>
-        <a:fillRef idx="3">
-          <a:scrgbClr r="0" g="0" b="0"/>
-        </a:fillRef>
-        <a:effectRef idx="2">
-          <a:scrgbClr r="0" g="0" b="0"/>
-        </a:effectRef>
-        <a:fontRef idx="minor">
-          <a:schemeClr val="lt1"/>
-        </a:fontRef>
-      </dsp:style>
-    </dsp:sp>
-    <dsp:sp modelId="{AC28A259-E8AB-491C-9FF1-41516FA5BC71}">
-      <dsp:nvSpPr>
-        <dsp:cNvPr id="0" name=""/>
-        <dsp:cNvSpPr/>
-      </dsp:nvSpPr>
-      <dsp:spPr>
-        <a:xfrm>
-          <a:off x="7072979" y="1177647"/>
-          <a:ext cx="2066925" cy="516731"/>
-        </a:xfrm>
-        <a:prstGeom prst="roundRect">
-          <a:avLst>
-            <a:gd name="adj" fmla="val 10000"/>
-          </a:avLst>
-        </a:prstGeom>
-        <a:solidFill>
-          <a:schemeClr val="lt1">
-            <a:alpha val="90000"/>
-            <a:tint val="40000"/>
-            <a:hueOff val="0"/>
-            <a:satOff val="0"/>
-            <a:lumOff val="0"/>
-            <a:alphaOff val="0"/>
-          </a:schemeClr>
-        </a:solidFill>
-        <a:ln w="6350" cap="flat" cmpd="sng" algn="ctr">
-          <a:solidFill>
-            <a:schemeClr val="accent1">
-              <a:alpha val="90000"/>
-              <a:hueOff val="0"/>
-              <a:satOff val="0"/>
-              <a:lumOff val="0"/>
-              <a:alphaOff val="0"/>
-            </a:schemeClr>
-          </a:solidFill>
-          <a:prstDash val="solid"/>
-          <a:miter lim="800000"/>
-        </a:ln>
-        <a:effectLst/>
-      </dsp:spPr>
-      <dsp:style>
-        <a:lnRef idx="1">
-          <a:scrgbClr r="0" g="0" b="0"/>
-        </a:lnRef>
-        <a:fillRef idx="1">
-          <a:scrgbClr r="0" g="0" b="0"/>
-        </a:fillRef>
-        <a:effectRef idx="0">
-          <a:scrgbClr r="0" g="0" b="0"/>
-        </a:effectRef>
-        <a:fontRef idx="minor"/>
-      </dsp:style>
-      <dsp:txBody>
-        <a:bodyPr spcFirstLastPara="0" vert="horz" wrap="square" lIns="27940" tIns="27940" rIns="27940" bIns="27940" numCol="1" spcCol="1270" anchor="ctr" anchorCtr="0">
-          <a:noAutofit/>
-        </a:bodyPr>
-        <a:lstStyle/>
-        <a:p>
-          <a:pPr marL="0" lvl="0" indent="0" algn="ctr" defTabSz="977900">
-            <a:lnSpc>
-              <a:spcPct val="90000"/>
-            </a:lnSpc>
-            <a:spcBef>
-              <a:spcPct val="0"/>
-            </a:spcBef>
-            <a:spcAft>
-              <a:spcPct val="35000"/>
-            </a:spcAft>
-            <a:buNone/>
-          </a:pPr>
-          <a:r>
-            <a:rPr lang="en-US" sz="2200" kern="1200" dirty="0"/>
-            <a:t>Task description</a:t>
-          </a:r>
-        </a:p>
-      </dsp:txBody>
-      <dsp:txXfrm>
-        <a:off x="7088114" y="1192782"/>
-        <a:ext cx="2036655" cy="486461"/>
-      </dsp:txXfrm>
-    </dsp:sp>
-    <dsp:sp modelId="{DF54C50F-225E-47E8-9EC4-AAA209AD28CA}">
-      <dsp:nvSpPr>
-        <dsp:cNvPr id="0" name=""/>
-        <dsp:cNvSpPr/>
-      </dsp:nvSpPr>
-      <dsp:spPr>
-        <a:xfrm rot="5400000">
-          <a:off x="8061227" y="1739592"/>
-          <a:ext cx="90427" cy="90427"/>
-        </a:xfrm>
-        <a:prstGeom prst="rightArrow">
-          <a:avLst>
-            <a:gd name="adj1" fmla="val 66700"/>
-            <a:gd name="adj2" fmla="val 50000"/>
-          </a:avLst>
-        </a:prstGeom>
-        <a:gradFill rotWithShape="0">
-          <a:gsLst>
-            <a:gs pos="0">
-              <a:schemeClr val="accent1">
-                <a:tint val="60000"/>
-                <a:hueOff val="0"/>
-                <a:satOff val="0"/>
-                <a:lumOff val="0"/>
-                <a:alphaOff val="0"/>
-                <a:satMod val="103000"/>
-                <a:lumMod val="102000"/>
-                <a:tint val="94000"/>
-              </a:schemeClr>
-            </a:gs>
-            <a:gs pos="50000">
-              <a:schemeClr val="accent1">
-                <a:tint val="60000"/>
-                <a:hueOff val="0"/>
-                <a:satOff val="0"/>
-                <a:lumOff val="0"/>
-                <a:alphaOff val="0"/>
-                <a:satMod val="110000"/>
-                <a:lumMod val="100000"/>
-                <a:shade val="100000"/>
-              </a:schemeClr>
-            </a:gs>
-            <a:gs pos="100000">
-              <a:schemeClr val="accent1">
-                <a:tint val="60000"/>
-                <a:hueOff val="0"/>
-                <a:satOff val="0"/>
-                <a:lumOff val="0"/>
-                <a:alphaOff val="0"/>
-                <a:lumMod val="99000"/>
-                <a:satMod val="120000"/>
-                <a:shade val="78000"/>
-              </a:schemeClr>
-            </a:gs>
-          </a:gsLst>
-          <a:lin ang="5400000" scaled="0"/>
-        </a:gradFill>
-        <a:ln>
-          <a:noFill/>
-        </a:ln>
-        <a:effectLst/>
-      </dsp:spPr>
-      <dsp:style>
-        <a:lnRef idx="0">
-          <a:scrgbClr r="0" g="0" b="0"/>
-        </a:lnRef>
-        <a:fillRef idx="3">
-          <a:scrgbClr r="0" g="0" b="0"/>
-        </a:fillRef>
-        <a:effectRef idx="2">
-          <a:scrgbClr r="0" g="0" b="0"/>
-        </a:effectRef>
-        <a:fontRef idx="minor">
-          <a:schemeClr val="lt1"/>
-        </a:fontRef>
-      </dsp:style>
-    </dsp:sp>
-    <dsp:sp modelId="{75889BA5-DC82-4D41-8983-B2EE794BC078}">
-      <dsp:nvSpPr>
-        <dsp:cNvPr id="0" name=""/>
-        <dsp:cNvSpPr/>
-      </dsp:nvSpPr>
-      <dsp:spPr>
-        <a:xfrm>
-          <a:off x="7072979" y="1875234"/>
-          <a:ext cx="2066925" cy="516731"/>
-        </a:xfrm>
-        <a:prstGeom prst="roundRect">
-          <a:avLst>
-            <a:gd name="adj" fmla="val 10000"/>
-          </a:avLst>
-        </a:prstGeom>
-        <a:solidFill>
-          <a:schemeClr val="lt1">
-            <a:alpha val="90000"/>
-            <a:tint val="40000"/>
-            <a:hueOff val="0"/>
-            <a:satOff val="0"/>
-            <a:lumOff val="0"/>
-            <a:alphaOff val="0"/>
-          </a:schemeClr>
-        </a:solidFill>
-        <a:ln w="6350" cap="flat" cmpd="sng" algn="ctr">
-          <a:solidFill>
-            <a:schemeClr val="accent1">
-              <a:alpha val="90000"/>
-              <a:hueOff val="0"/>
-              <a:satOff val="0"/>
-              <a:lumOff val="0"/>
-              <a:alphaOff val="0"/>
-            </a:schemeClr>
-          </a:solidFill>
-          <a:prstDash val="solid"/>
-          <a:miter lim="800000"/>
-        </a:ln>
-        <a:effectLst/>
-      </dsp:spPr>
-      <dsp:style>
-        <a:lnRef idx="1">
-          <a:scrgbClr r="0" g="0" b="0"/>
-        </a:lnRef>
-        <a:fillRef idx="1">
-          <a:scrgbClr r="0" g="0" b="0"/>
-        </a:fillRef>
-        <a:effectRef idx="0">
-          <a:scrgbClr r="0" g="0" b="0"/>
-        </a:effectRef>
-        <a:fontRef idx="minor"/>
-      </dsp:style>
-      <dsp:txBody>
-        <a:bodyPr spcFirstLastPara="0" vert="horz" wrap="square" lIns="27940" tIns="27940" rIns="27940" bIns="27940" numCol="1" spcCol="1270" anchor="ctr" anchorCtr="0">
-          <a:noAutofit/>
-        </a:bodyPr>
-        <a:lstStyle/>
-        <a:p>
-          <a:pPr marL="0" lvl="0" indent="0" algn="ctr" defTabSz="977900">
-            <a:lnSpc>
-              <a:spcPct val="90000"/>
-            </a:lnSpc>
-            <a:spcBef>
-              <a:spcPct val="0"/>
-            </a:spcBef>
-            <a:spcAft>
-              <a:spcPct val="35000"/>
-            </a:spcAft>
-            <a:buNone/>
-          </a:pPr>
-          <a:r>
-            <a:rPr lang="en-US" sz="2200" kern="1200" dirty="0"/>
-            <a:t>Task description</a:t>
-          </a:r>
-        </a:p>
-      </dsp:txBody>
-      <dsp:txXfrm>
-        <a:off x="7088114" y="1890369"/>
-        <a:ext cx="2036655" cy="486461"/>
-      </dsp:txXfrm>
-    </dsp:sp>
-  </dsp:spTree>
-</dsp:drawing>
-</file>
-
-<file path=ppt/diagrams/layout1.xml><?xml version="1.0" encoding="utf-8"?>
-<dgm:layoutDef xmlns:dgm="http://schemas.openxmlformats.org/drawingml/2006/diagram" xmlns:a="http://schemas.openxmlformats.org/drawingml/2006/main" uniqueId="urn:microsoft.com/office/officeart/2005/8/layout/lProcess1">
-  <dgm:title val=""/>
-  <dgm:desc val=""/>
-  <dgm:catLst>
-    <dgm:cat type="process" pri="15000"/>
-  </dgm:catLst>
-  <dgm:sampData>
-    <dgm:dataModel>
-      <dgm:ptLst>
-        <dgm:pt modelId="0" type="doc"/>
-        <dgm:pt modelId="1">
-          <dgm:prSet phldr="1"/>
-        </dgm:pt>
-        <dgm:pt modelId="2">
-          <dgm:prSet phldr="1"/>
-        </dgm:pt>
-        <dgm:pt modelId="21">
-          <dgm:prSet phldr="1"/>
-        </dgm:pt>
-        <dgm:pt modelId="22">
-          <dgm:prSet phldr="1"/>
-        </dgm:pt>
-        <dgm:pt modelId="3">
-          <dgm:prSet phldr="1"/>
-        </dgm:pt>
-        <dgm:pt modelId="31">
-          <dgm:prSet phldr="1"/>
-        </dgm:pt>
-      </dgm:ptLst>
-      <dgm:cxnLst>
-        <dgm:cxn modelId="4" srcId="0" destId="1" srcOrd="0" destOrd="0"/>
-        <dgm:cxn modelId="5" srcId="0" destId="2" srcOrd="0" destOrd="0"/>
-        <dgm:cxn modelId="6" srcId="1" destId="3" srcOrd="1" destOrd="0"/>
-        <dgm:cxn modelId="23" srcId="2" destId="21" srcOrd="0" destOrd="0"/>
-        <dgm:cxn modelId="24" srcId="2" destId="22" srcOrd="1" destOrd="0"/>
-        <dgm:cxn modelId="33" srcId="1" destId="31" srcOrd="0" destOrd="0"/>
-      </dgm:cxnLst>
-      <dgm:bg/>
-      <dgm:whole/>
-    </dgm:dataModel>
-  </dgm:sampData>
-  <dgm:styleData>
-    <dgm:dataModel>
-      <dgm:ptLst>
-        <dgm:pt modelId="0" type="doc"/>
-        <dgm:pt modelId="1"/>
-        <dgm:pt modelId="11"/>
-        <dgm:pt modelId="2"/>
-        <dgm:pt modelId="22"/>
-      </dgm:ptLst>
-      <dgm:cxnLst>
-        <dgm:cxn modelId="3" srcId="0" destId="1" srcOrd="0" destOrd="0"/>
-        <dgm:cxn modelId="4" srcId="0" destId="2" srcOrd="0" destOrd="0"/>
-        <dgm:cxn modelId="5" srcId="1" destId="11" srcOrd="0" destOrd="0"/>
-        <dgm:cxn modelId="6" srcId="2" destId="22" srcOrd="0" destOrd="0"/>
-      </dgm:cxnLst>
-      <dgm:bg/>
-      <dgm:whole/>
-    </dgm:dataModel>
-  </dgm:styleData>
-  <dgm:clrData>
-    <dgm:dataModel>
-      <dgm:ptLst>
-        <dgm:pt modelId="0" type="doc"/>
-        <dgm:pt modelId="1"/>
-        <dgm:pt modelId="11"/>
-        <dgm:pt modelId="2"/>
-        <dgm:pt modelId="21"/>
-        <dgm:pt modelId="3"/>
-        <dgm:pt modelId="31"/>
-        <dgm:pt modelId="4"/>
-        <dgm:pt modelId="41"/>
-      </dgm:ptLst>
-      <dgm:cxnLst>
-        <dgm:cxn modelId="5" srcId="0" destId="1" srcOrd="0" destOrd="0"/>
-        <dgm:cxn modelId="6" srcId="0" destId="2" srcOrd="1" destOrd="0"/>
-        <dgm:cxn modelId="7" srcId="0" destId="3" srcOrd="2" destOrd="0"/>
-        <dgm:cxn modelId="8" srcId="0" destId="4" srcOrd="3" destOrd="0"/>
-        <dgm:cxn modelId="51" srcId="1" destId="11" srcOrd="0" destOrd="0"/>
-        <dgm:cxn modelId="61" srcId="2" destId="21" srcOrd="0" destOrd="0"/>
-        <dgm:cxn modelId="71" srcId="3" destId="31" srcOrd="0" destOrd="0"/>
-        <dgm:cxn modelId="81" srcId="4" destId="41" srcOrd="0" destOrd="0"/>
-      </dgm:cxnLst>
-      <dgm:bg/>
-      <dgm:whole/>
-    </dgm:dataModel>
-  </dgm:clrData>
-  <dgm:layoutNode name="Name0">
-    <dgm:varLst>
-      <dgm:dir/>
-      <dgm:animLvl val="lvl"/>
-      <dgm:resizeHandles val="exact"/>
-    </dgm:varLst>
-    <dgm:choose name="Name1">
-      <dgm:if name="Name2" func="var" arg="dir" op="equ" val="norm">
-        <dgm:alg type="lin">
-          <dgm:param type="linDir" val="fromL"/>
-          <dgm:param type="vertAlign" val="mid"/>
-          <dgm:param type="nodeHorzAlign" val="l"/>
-          <dgm:param type="nodeVertAlign" val="t"/>
-          <dgm:param type="fallback" val="2D"/>
-        </dgm:alg>
-      </dgm:if>
-      <dgm:else name="Name3">
-        <dgm:alg type="lin">
-          <dgm:param type="linDir" val="fromR"/>
-          <dgm:param type="vertAlign" val="mid"/>
-          <dgm:param type="nodeHorzAlign" val="r"/>
-          <dgm:param type="nodeVertAlign" val="t"/>
-          <dgm:param type="fallback" val="2D"/>
-        </dgm:alg>
-      </dgm:else>
-    </dgm:choose>
-    <dgm:shape xmlns:r="http://schemas.openxmlformats.org/officeDocument/2006/relationships" r:blip="">
-      <dgm:adjLst/>
-    </dgm:shape>
-    <dgm:presOf/>
-    <dgm:constrLst>
-      <dgm:constr type="h" for="des" forName="header" refType="h"/>
-      <dgm:constr type="w" for="des" forName="header" refType="h" refFor="des" refForName="header" op="equ" fact="4"/>
-      <dgm:constr type="h" for="des" forName="child" refType="h" refFor="des" refForName="header" op="equ"/>
-      <dgm:constr type="w" for="des" forName="child" refType="w" refFor="des" refForName="header" op="equ"/>
-      <dgm:constr type="w" for="ch" forName="hSp" refType="w" refFor="des" refForName="header" op="equ" fact="0.14"/>
-      <dgm:constr type="h" for="des" forName="parTrans" refType="h" refFor="des" refForName="header" op="equ" fact="0.35"/>
-      <dgm:constr type="h" for="des" forName="sibTrans" refType="h" refFor="des" refForName="parTrans" op="equ"/>
-      <dgm:constr type="primFontSz" for="des" forName="child" op="equ" val="65"/>
-      <dgm:constr type="primFontSz" for="des" forName="header" op="equ" val="65"/>
-    </dgm:constrLst>
-    <dgm:ruleLst/>
-    <dgm:forEach name="Name4" axis="ch" ptType="node">
-      <dgm:layoutNode name="vertFlow">
-        <dgm:choose name="Name5">
-          <dgm:if name="Name6" func="var" arg="dir" op="equ" val="norm">
-            <dgm:alg type="lin">
-              <dgm:param type="linDir" val="fromT"/>
-              <dgm:param type="nodeHorzAlign" val="ctr"/>
-              <dgm:param type="nodeVertAlign" val="t"/>
-              <dgm:param type="fallback" val="2D"/>
-            </dgm:alg>
-          </dgm:if>
-          <dgm:else name="Name7">
-            <dgm:alg type="lin">
-              <dgm:param type="linDir" val="fromT"/>
-              <dgm:param type="nodeHorzAlign" val="ctr"/>
-              <dgm:param type="nodeVertAlign" val="t"/>
-              <dgm:param type="fallback" val="2D"/>
-            </dgm:alg>
-          </dgm:else>
-        </dgm:choose>
-        <dgm:shape xmlns:r="http://schemas.openxmlformats.org/officeDocument/2006/relationships" r:blip="">
-          <dgm:adjLst/>
-        </dgm:shape>
-        <dgm:presOf/>
-        <dgm:constrLst/>
-        <dgm:ruleLst/>
-        <dgm:layoutNode name="header" styleLbl="node1">
-          <dgm:alg type="tx"/>
-          <dgm:shape xmlns:r="http://schemas.openxmlformats.org/officeDocument/2006/relationships" type="roundRect" r:blip="">
-            <dgm:adjLst>
-              <dgm:adj idx="1" val="0.1"/>
-            </dgm:adjLst>
-          </dgm:shape>
-          <dgm:presOf axis="self"/>
-          <dgm:constrLst>
-            <dgm:constr type="tMarg" refType="primFontSz" fact="0.1"/>
-            <dgm:constr type="bMarg" refType="primFontSz" fact="0.1"/>
-            <dgm:constr type="lMarg" refType="primFontSz" fact="0.1"/>
-            <dgm:constr type="rMarg" refType="primFontSz" fact="0.1"/>
-          </dgm:constrLst>
-          <dgm:ruleLst>
-            <dgm:rule type="primFontSz" val="5" fact="NaN" max="NaN"/>
-          </dgm:ruleLst>
-        </dgm:layoutNode>
-        <dgm:forEach name="Name8" axis="ch" ptType="parTrans" cnt="1">
-          <dgm:layoutNode name="parTrans" styleLbl="sibTrans2D1">
-            <dgm:alg type="conn">
-              <dgm:param type="begPts" val="auto"/>
-              <dgm:param type="endPts" val="auto"/>
-            </dgm:alg>
-            <dgm:shape xmlns:r="http://schemas.openxmlformats.org/officeDocument/2006/relationships" type="conn" r:blip="">
-              <dgm:adjLst/>
-            </dgm:shape>
-            <dgm:presOf axis="self"/>
-            <dgm:constrLst>
-              <dgm:constr type="w" refType="h"/>
-              <dgm:constr type="connDist"/>
-              <dgm:constr type="wArH" refType="h" fact="0.25"/>
-              <dgm:constr type="hArH" refType="wArH" fact="2"/>
-              <dgm:constr type="stemThick" refType="hArH" fact="0.667"/>
-              <dgm:constr type="begPad" refType="connDist" fact="0.25"/>
-              <dgm:constr type="endPad" refType="connDist" fact="0.25"/>
-            </dgm:constrLst>
-            <dgm:ruleLst/>
-          </dgm:layoutNode>
-        </dgm:forEach>
-        <dgm:forEach name="Name9" axis="ch" ptType="node">
-          <dgm:layoutNode name="child" styleLbl="alignAccFollowNode1">
-            <dgm:varLst>
-              <dgm:chMax val="0"/>
-              <dgm:bulletEnabled val="1"/>
-            </dgm:varLst>
-            <dgm:alg type="tx"/>
-            <dgm:shape xmlns:r="http://schemas.openxmlformats.org/officeDocument/2006/relationships" type="roundRect" r:blip="">
-              <dgm:adjLst>
-                <dgm:adj idx="1" val="0.1"/>
-              </dgm:adjLst>
-            </dgm:shape>
-            <dgm:presOf axis="desOrSelf" ptType="node"/>
-            <dgm:constrLst>
-              <dgm:constr type="tMarg" refType="primFontSz" fact="0.1"/>
-              <dgm:constr type="bMarg" refType="primFontSz" fact="0.1"/>
-              <dgm:constr type="lMarg" refType="primFontSz" fact="0.1"/>
-              <dgm:constr type="rMarg" refType="primFontSz" fact="0.1"/>
-            </dgm:constrLst>
-            <dgm:ruleLst>
-              <dgm:rule type="primFontSz" val="5" fact="NaN" max="NaN"/>
-            </dgm:ruleLst>
-          </dgm:layoutNode>
-          <dgm:forEach name="Name10" axis="followSib" ptType="sibTrans" cnt="1">
-            <dgm:layoutNode name="sibTrans" styleLbl="sibTrans2D1">
-              <dgm:alg type="conn">
-                <dgm:param type="begPts" val="auto"/>
-                <dgm:param type="endPts" val="auto"/>
-              </dgm:alg>
-              <dgm:shape xmlns:r="http://schemas.openxmlformats.org/officeDocument/2006/relationships" type="conn" r:blip="">
-                <dgm:adjLst/>
-              </dgm:shape>
-              <dgm:presOf axis="self"/>
-              <dgm:constrLst>
-                <dgm:constr type="w" refType="h"/>
-                <dgm:constr type="connDist"/>
-                <dgm:constr type="wArH" refType="h" fact="0.25"/>
-                <dgm:constr type="hArH" refType="wArH" fact="2"/>
-                <dgm:constr type="stemThick" refType="hArH" fact="0.667"/>
-                <dgm:constr type="begPad" refType="w" fact="0.25"/>
-                <dgm:constr type="endPad" refType="w" fact="0.25"/>
-              </dgm:constrLst>
-              <dgm:ruleLst/>
-            </dgm:layoutNode>
-          </dgm:forEach>
-        </dgm:forEach>
-      </dgm:layoutNode>
-      <dgm:choose name="Name11">
-        <dgm:if name="Name12" axis="self" ptType="node" func="revPos" op="gte" val="2">
-          <dgm:layoutNode name="hSp">
-            <dgm:alg type="sp"/>
-            <dgm:shape xmlns:r="http://schemas.openxmlformats.org/officeDocument/2006/relationships" r:blip="">
-              <dgm:adjLst/>
-            </dgm:shape>
-            <dgm:presOf/>
-            <dgm:constrLst/>
-            <dgm:ruleLst/>
-          </dgm:layoutNode>
-        </dgm:if>
-        <dgm:else name="Name13"/>
-      </dgm:choose>
-    </dgm:forEach>
-  </dgm:layoutNode>
-</dgm:layoutDef>
-</file>
-
-<file path=ppt/diagrams/quickStyle1.xml><?xml version="1.0" encoding="utf-8"?>
-<dgm:styleDef xmlns:dgm="http://schemas.openxmlformats.org/drawingml/2006/diagram" xmlns:a="http://schemas.openxmlformats.org/drawingml/2006/main" uniqueId="urn:microsoft.com/office/officeart/2005/8/quickstyle/simple4">
-  <dgm:title val=""/>
-  <dgm:desc val=""/>
-  <dgm:catLst>
-    <dgm:cat type="simple" pri="10400"/>
-  </dgm:catLst>
-  <dgm:scene3d>
-    <a:camera prst="orthographicFront"/>
-    <a:lightRig rig="threePt" dir="t"/>
-  </dgm:scene3d>
-  <dgm:styleLbl name="node0">
-    <dgm:scene3d>
-      <a:camera prst="orthographicFront"/>
-      <a:lightRig rig="threePt" dir="t"/>
-    </dgm:scene3d>
-    <dgm:sp3d/>
-    <dgm:txPr/>
-    <dgm:style>
-      <a:lnRef idx="0">
-        <a:scrgbClr r="0" g="0" b="0"/>
-      </a:lnRef>
-      <a:fillRef idx="3">
-        <a:scrgbClr r="0" g="0" b="0"/>
-      </a:fillRef>
-      <a:effectRef idx="2">
-        <a:scrgbClr r="0" g="0" b="0"/>
-      </a:effectRef>
-      <a:fontRef idx="minor">
-        <a:schemeClr val="lt1"/>
-      </a:fontRef>
-    </dgm:style>
-  </dgm:styleLbl>
-  <dgm:styleLbl name="lnNode1">
-    <dgm:scene3d>
-      <a:camera prst="orthographicFront"/>
-      <a:lightRig rig="threePt" dir="t"/>
-    </dgm:scene3d>
-    <dgm:sp3d/>
-    <dgm:txPr/>
-    <dgm:style>
-      <a:lnRef idx="1">
-        <a:scrgbClr r="0" g="0" b="0"/>
-      </a:lnRef>
-      <a:fillRef idx="3">
-        <a:scrgbClr r="0" g="0" b="0"/>
-      </a:fillRef>
-      <a:effectRef idx="2">
-        <a:scrgbClr r="0" g="0" b="0"/>
-      </a:effectRef>
-      <a:fontRef idx="minor">
-        <a:schemeClr val="lt1"/>
-      </a:fontRef>
-    </dgm:style>
-  </dgm:styleLbl>
-  <dgm:styleLbl name="vennNode1">
-    <dgm:scene3d>
-      <a:camera prst="orthographicFront"/>
-      <a:lightRig rig="threePt" dir="t"/>
-    </dgm:scene3d>
-    <dgm:sp3d/>
-    <dgm:txPr/>
-    <dgm:style>
-      <a:lnRef idx="0">
-        <a:scrgbClr r="0" g="0" b="0"/>
-      </a:lnRef>
-      <a:fillRef idx="3">
-        <a:scrgbClr r="0" g="0" b="0"/>
-      </a:fillRef>
-      <a:effectRef idx="0">
-        <a:scrgbClr r="0" g="0" b="0"/>
-      </a:effectRef>
-      <a:fontRef idx="minor">
-        <a:schemeClr val="tx1"/>
-      </a:fontRef>
-    </dgm:style>
-  </dgm:styleLbl>
-  <dgm:styleLbl name="alignNode1">
-    <dgm:scene3d>
-      <a:camera prst="orthographicFront"/>
-      <a:lightRig rig="threePt" dir="t"/>
-    </dgm:scene3d>
-    <dgm:sp3d/>
-    <dgm:txPr/>
-    <dgm:style>
-      <a:lnRef idx="1">
-        <a:scrgbClr r="0" g="0" b="0"/>
-      </a:lnRef>
-      <a:fillRef idx="3">
-        <a:scrgbClr r="0" g="0" b="0"/>
-      </a:fillRef>
-      <a:effectRef idx="2">
-        <a:scrgbClr r="0" g="0" b="0"/>
-      </a:effectRef>
-      <a:fontRef idx="minor">
-        <a:schemeClr val="lt1"/>
-      </a:fontRef>
-    </dgm:style>
-  </dgm:styleLbl>
-  <dgm:styleLbl name="node1">
-    <dgm:scene3d>
-      <a:camera prst="orthographicFront"/>
-      <a:lightRig rig="threePt" dir="t"/>
-    </dgm:scene3d>
-    <dgm:sp3d/>
-    <dgm:txPr/>
-    <dgm:style>
-      <a:lnRef idx="0">
-        <a:scrgbClr r="0" g="0" b="0"/>
-      </a:lnRef>
-      <a:fillRef idx="3">
-        <a:scrgbClr r="0" g="0" b="0"/>
-      </a:fillRef>
-      <a:effectRef idx="2">
-        <a:scrgbClr r="0" g="0" b="0"/>
-      </a:effectRef>
-      <a:fontRef idx="minor">
-        <a:schemeClr val="lt1"/>
-      </a:fontRef>
-    </dgm:style>
-  </dgm:styleLbl>
-  <dgm:styleLbl name="node2">
-    <dgm:scene3d>
-      <a:camera prst="orthographicFront"/>
-      <a:lightRig rig="threePt" dir="t"/>
-    </dgm:scene3d>
-    <dgm:sp3d/>
-    <dgm:txPr/>
-    <dgm:style>
-      <a:lnRef idx="0">
-        <a:scrgbClr r="0" g="0" b="0"/>
-      </a:lnRef>
-      <a:fillRef idx="3">
-        <a:scrgbClr r="0" g="0" b="0"/>
-      </a:fillRef>
-      <a:effectRef idx="2">
-        <a:scrgbClr r="0" g="0" b="0"/>
-      </a:effectRef>
-      <a:fontRef idx="minor">
-        <a:schemeClr val="lt1"/>
-      </a:fontRef>
-    </dgm:style>
-  </dgm:styleLbl>
-  <dgm:styleLbl name="node3">
-    <dgm:scene3d>
-      <a:camera prst="orthographicFront"/>
-      <a:lightRig rig="threePt" dir="t"/>
-    </dgm:scene3d>
-    <dgm:sp3d/>
-    <dgm:txPr/>
-    <dgm:style>
-      <a:lnRef idx="0">
-        <a:scrgbClr r="0" g="0" b="0"/>
-      </a:lnRef>
-      <a:fillRef idx="3">
-        <a:scrgbClr r="0" g="0" b="0"/>
-      </a:fillRef>
-      <a:effectRef idx="2">
-        <a:scrgbClr r="0" g="0" b="0"/>
-      </a:effectRef>
-      <a:fontRef idx="minor">
-        <a:schemeClr val="lt1"/>
-      </a:fontRef>
-    </dgm:style>
-  </dgm:styleLbl>
-  <dgm:styleLbl name="node4">
-    <dgm:scene3d>
-      <a:camera prst="orthographicFront"/>
-      <a:lightRig rig="threePt" dir="t"/>
-    </dgm:scene3d>
-    <dgm:sp3d/>
-    <dgm:txPr/>
-    <dgm:style>
-      <a:lnRef idx="0">
-        <a:scrgbClr r="0" g="0" b="0"/>
-      </a:lnRef>
-      <a:fillRef idx="3">
-        <a:scrgbClr r="0" g="0" b="0"/>
-      </a:fillRef>
-      <a:effectRef idx="2">
-        <a:scrgbClr r="0" g="0" b="0"/>
-      </a:effectRef>
-      <a:fontRef idx="minor">
-        <a:schemeClr val="lt1"/>
-      </a:fontRef>
-    </dgm:style>
-  </dgm:styleLbl>
-  <dgm:styleLbl name="fgImgPlace1">
-    <dgm:scene3d>
-      <a:camera prst="orthographicFront"/>
-      <a:lightRig rig="threePt" dir="t"/>
-    </dgm:scene3d>
-    <dgm:sp3d/>
-    <dgm:txPr/>
-    <dgm:style>
-      <a:lnRef idx="0">
-        <a:scrgbClr r="0" g="0" b="0"/>
-      </a:lnRef>
-      <a:fillRef idx="1">
-        <a:scrgbClr r="0" g="0" b="0"/>
-      </a:fillRef>
-      <a:effectRef idx="2">
-        <a:scrgbClr r="0" g="0" b="0"/>
-      </a:effectRef>
-      <a:fontRef idx="minor"/>
-    </dgm:style>
-  </dgm:styleLbl>
-  <dgm:styleLbl name="alignImgPlace1">
-    <dgm:scene3d>
-      <a:camera prst="orthographicFront"/>
-      <a:lightRig rig="threePt" dir="t"/>
-    </dgm:scene3d>
-    <dgm:sp3d/>
-    <dgm:txPr/>
-    <dgm:style>
-      <a:lnRef idx="0">
-        <a:scrgbClr r="0" g="0" b="0"/>
-      </a:lnRef>
-      <a:fillRef idx="1">
-        <a:scrgbClr r="0" g="0" b="0"/>
-      </a:fillRef>
-      <a:effectRef idx="2">
-        <a:scrgbClr r="0" g="0" b="0"/>
-      </a:effectRef>
-      <a:fontRef idx="minor"/>
-    </dgm:style>
-  </dgm:styleLbl>
-  <dgm:styleLbl name="bgImgPlace1">
-    <dgm:scene3d>
-      <a:camera prst="orthographicFront"/>
-      <a:lightRig rig="threePt" dir="t"/>
-    </dgm:scene3d>
-    <dgm:sp3d/>
-    <dgm:txPr/>
-    <dgm:style>
-      <a:lnRef idx="0">
-        <a:scrgbClr r="0" g="0" b="0"/>
-      </a:lnRef>
-      <a:fillRef idx="1">
-        <a:scrgbClr r="0" g="0" b="0"/>
-      </a:fillRef>
-      <a:effectRef idx="2">
-        <a:scrgbClr r="0" g="0" b="0"/>
-      </a:effectRef>
-      <a:fontRef idx="minor"/>
-    </dgm:style>
-  </dgm:styleLbl>
-  <dgm:styleLbl name="sibTrans2D1">
-    <dgm:scene3d>
-      <a:camera prst="orthographicFront"/>
-      <a:lightRig rig="threePt" dir="t"/>
-    </dgm:scene3d>
-    <dgm:sp3d/>
-    <dgm:txPr/>
-    <dgm:style>
-      <a:lnRef idx="0">
-        <a:scrgbClr r="0" g="0" b="0"/>
-      </a:lnRef>
-      <a:fillRef idx="3">
-        <a:scrgbClr r="0" g="0" b="0"/>
-      </a:fillRef>
-      <a:effectRef idx="2">
-        <a:scrgbClr r="0" g="0" b="0"/>
-      </a:effectRef>
-      <a:fontRef idx="minor">
-        <a:schemeClr val="lt1"/>
-      </a:fontRef>
-    </dgm:style>
-  </dgm:styleLbl>
-  <dgm:styleLbl name="fgSibTrans2D1">
-    <dgm:scene3d>
-      <a:camera prst="orthographicFront"/>
-      <a:lightRig rig="threePt" dir="t"/>
-    </dgm:scene3d>
-    <dgm:sp3d/>
-    <dgm:txPr/>
-    <dgm:style>
-      <a:lnRef idx="0">
-        <a:scrgbClr r="0" g="0" b="0"/>
-      </a:lnRef>
-      <a:fillRef idx="3">
-        <a:scrgbClr r="0" g="0" b="0"/>
-      </a:fillRef>
-      <a:effectRef idx="2">
-        <a:scrgbClr r="0" g="0" b="0"/>
-      </a:effectRef>
-      <a:fontRef idx="minor">
-        <a:schemeClr val="lt1"/>
-      </a:fontRef>
-    </dgm:style>
-  </dgm:styleLbl>
-  <dgm:styleLbl name="bgSibTrans2D1">
-    <dgm:scene3d>
-      <a:camera prst="orthographicFront"/>
-      <a:lightRig rig="threePt" dir="t"/>
-    </dgm:scene3d>
-    <dgm:sp3d/>
-    <dgm:txPr/>
-    <dgm:style>
-      <a:lnRef idx="0">
-        <a:scrgbClr r="0" g="0" b="0"/>
-      </a:lnRef>
-      <a:fillRef idx="3">
-        <a:scrgbClr r="0" g="0" b="0"/>
-      </a:fillRef>
-      <a:effectRef idx="2">
-        <a:scrgbClr r="0" g="0" b="0"/>
-      </a:effectRef>
-      <a:fontRef idx="minor">
-        <a:schemeClr val="lt1"/>
-      </a:fontRef>
-    </dgm:style>
-  </dgm:styleLbl>
-  <dgm:styleLbl name="sibTrans1D1">
-    <dgm:scene3d>
-      <a:camera prst="orthographicFront"/>
-      <a:lightRig rig="threePt" dir="t"/>
-    </dgm:scene3d>
-    <dgm:sp3d/>
-    <dgm:txPr/>
-    <dgm:style>
-      <a:lnRef idx="1">
-        <a:scrgbClr r="0" g="0" b="0"/>
-      </a:lnRef>
-      <a:fillRef idx="0">
-        <a:scrgbClr r="0" g="0" b="0"/>
-      </a:fillRef>
-      <a:effectRef idx="0">
-        <a:scrgbClr r="0" g="0" b="0"/>
-      </a:effectRef>
-      <a:fontRef idx="minor"/>
-    </dgm:style>
-  </dgm:styleLbl>
-  <dgm:styleLbl name="callout">
-    <dgm:scene3d>
-      <a:camera prst="orthographicFront"/>
-      <a:lightRig rig="threePt" dir="t"/>
-    </dgm:scene3d>
-    <dgm:sp3d/>
-    <dgm:txPr/>
-    <dgm:style>
-      <a:lnRef idx="2">
-        <a:scrgbClr r="0" g="0" b="0"/>
-      </a:lnRef>
-      <a:fillRef idx="1">
-        <a:scrgbClr r="0" g="0" b="0"/>
-      </a:fillRef>
-      <a:effectRef idx="1">
-        <a:scrgbClr r="0" g="0" b="0"/>
-      </a:effectRef>
-      <a:fontRef idx="minor"/>
-    </dgm:style>
-  </dgm:styleLbl>
-  <dgm:styleLbl name="asst0">
-    <dgm:scene3d>
-      <a:camera prst="orthographicFront"/>
-      <a:lightRig rig="threePt" dir="t"/>
-    </dgm:scene3d>
-    <dgm:sp3d/>
-    <dgm:txPr/>
-    <dgm:style>
-      <a:lnRef idx="0">
-        <a:scrgbClr r="0" g="0" b="0"/>
-      </a:lnRef>
-      <a:fillRef idx="3">
-        <a:scrgbClr r="0" g="0" b="0"/>
-      </a:fillRef>
-      <a:effectRef idx="2">
-        <a:scrgbClr r="0" g="0" b="0"/>
-      </a:effectRef>
-      <a:fontRef idx="minor">
-        <a:schemeClr val="lt1"/>
-      </a:fontRef>
-    </dgm:style>
-  </dgm:styleLbl>
-  <dgm:styleLbl name="asst1">
-    <dgm:scene3d>
-      <a:camera prst="orthographicFront"/>
-      <a:lightRig rig="threePt" dir="t"/>
-    </dgm:scene3d>
-    <dgm:sp3d/>
-    <dgm:txPr/>
-    <dgm:style>
-      <a:lnRef idx="0">
-        <a:scrgbClr r="0" g="0" b="0"/>
-      </a:lnRef>
-      <a:fillRef idx="3">
-        <a:scrgbClr r="0" g="0" b="0"/>
-      </a:fillRef>
-      <a:effectRef idx="2">
-        <a:scrgbClr r="0" g="0" b="0"/>
-      </a:effectRef>
-      <a:fontRef idx="minor">
-        <a:schemeClr val="lt1"/>
-      </a:fontRef>
-    </dgm:style>
-  </dgm:styleLbl>
-  <dgm:styleLbl name="asst2">
-    <dgm:scene3d>
-      <a:camera prst="orthographicFront"/>
-      <a:lightRig rig="threePt" dir="t"/>
-    </dgm:scene3d>
-    <dgm:sp3d/>
-    <dgm:txPr/>
-    <dgm:style>
-      <a:lnRef idx="0">
-        <a:scrgbClr r="0" g="0" b="0"/>
-      </a:lnRef>
-      <a:fillRef idx="3">
-        <a:scrgbClr r="0" g="0" b="0"/>
-      </a:fillRef>
-      <a:effectRef idx="2">
-        <a:scrgbClr r="0" g="0" b="0"/>
-      </a:effectRef>
-      <a:fontRef idx="minor">
-        <a:schemeClr val="lt1"/>
-      </a:fontRef>
-    </dgm:style>
-  </dgm:styleLbl>
-  <dgm:styleLbl name="asst3">
-    <dgm:scene3d>
-      <a:camera prst="orthographicFront"/>
-      <a:lightRig rig="threePt" dir="t"/>
-    </dgm:scene3d>
-    <dgm:sp3d/>
-    <dgm:txPr/>
-    <dgm:style>
-      <a:lnRef idx="0">
-        <a:scrgbClr r="0" g="0" b="0"/>
-      </a:lnRef>
-      <a:fillRef idx="3">
-        <a:scrgbClr r="0" g="0" b="0"/>
-      </a:fillRef>
-      <a:effectRef idx="2">
-        <a:scrgbClr r="0" g="0" b="0"/>
-      </a:effectRef>
-      <a:fontRef idx="minor">
-        <a:schemeClr val="lt1"/>
-      </a:fontRef>
-    </dgm:style>
-  </dgm:styleLbl>
-  <dgm:styleLbl name="asst4">
-    <dgm:scene3d>
-      <a:camera prst="orthographicFront"/>
-      <a:lightRig rig="threePt" dir="t"/>
-    </dgm:scene3d>
-    <dgm:sp3d/>
-    <dgm:txPr/>
-    <dgm:style>
-      <a:lnRef idx="0">
-        <a:scrgbClr r="0" g="0" b="0"/>
-      </a:lnRef>
-      <a:fillRef idx="3">
-        <a:scrgbClr r="0" g="0" b="0"/>
-      </a:fillRef>
-      <a:effectRef idx="2">
-        <a:scrgbClr r="0" g="0" b="0"/>
-      </a:effectRef>
-      <a:fontRef idx="minor">
-        <a:schemeClr val="lt1"/>
-      </a:fontRef>
-    </dgm:style>
-  </dgm:styleLbl>
-  <dgm:styleLbl name="parChTrans2D1">
-    <dgm:scene3d>
-      <a:camera prst="orthographicFront"/>
-      <a:lightRig rig="threePt" dir="t"/>
-    </dgm:scene3d>
-    <dgm:sp3d/>
-    <dgm:txPr/>
-    <dgm:style>
-      <a:lnRef idx="0">
-        <a:scrgbClr r="0" g="0" b="0"/>
-      </a:lnRef>
-      <a:fillRef idx="3">
-        <a:scrgbClr r="0" g="0" b="0"/>
-      </a:fillRef>
-      <a:effectRef idx="2">
-        <a:scrgbClr r="0" g="0" b="0"/>
-      </a:effectRef>
-      <a:fontRef idx="minor">
-        <a:schemeClr val="lt1"/>
-      </a:fontRef>
-    </dgm:style>
-  </dgm:styleLbl>
-  <dgm:styleLbl name="parChTrans2D2">
-    <dgm:scene3d>
-      <a:camera prst="orthographicFront"/>
-      <a:lightRig rig="threePt" dir="t"/>
-    </dgm:scene3d>
-    <dgm:sp3d/>
-    <dgm:txPr/>
-    <dgm:style>
-      <a:lnRef idx="0">
-        <a:scrgbClr r="0" g="0" b="0"/>
-      </a:lnRef>
-      <a:fillRef idx="3">
-        <a:scrgbClr r="0" g="0" b="0"/>
-      </a:fillRef>
-      <a:effectRef idx="2">
-        <a:scrgbClr r="0" g="0" b="0"/>
-      </a:effectRef>
-      <a:fontRef idx="minor">
-        <a:schemeClr val="lt1"/>
-      </a:fontRef>
-    </dgm:style>
-  </dgm:styleLbl>
-  <dgm:styleLbl name="parChTrans2D3">
-    <dgm:scene3d>
-      <a:camera prst="orthographicFront"/>
-      <a:lightRig rig="threePt" dir="t"/>
-    </dgm:scene3d>
-    <dgm:sp3d/>
-    <dgm:txPr/>
-    <dgm:style>
-      <a:lnRef idx="1">
-        <a:scrgbClr r="0" g="0" b="0"/>
-      </a:lnRef>
-      <a:fillRef idx="3">
-        <a:scrgbClr r="0" g="0" b="0"/>
-      </a:fillRef>
-      <a:effectRef idx="2">
-        <a:scrgbClr r="0" g="0" b="0"/>
-      </a:effectRef>
-      <a:fontRef idx="minor">
-        <a:schemeClr val="lt1"/>
-      </a:fontRef>
-    </dgm:style>
-  </dgm:styleLbl>
-  <dgm:styleLbl name="parChTrans2D4">
-    <dgm:scene3d>
-      <a:camera prst="orthographicFront"/>
-      <a:lightRig rig="threePt" dir="t"/>
-    </dgm:scene3d>
-    <dgm:sp3d/>
-    <dgm:txPr/>
-    <dgm:style>
-      <a:lnRef idx="1">
-        <a:scrgbClr r="0" g="0" b="0"/>
-      </a:lnRef>
-      <a:fillRef idx="3">
-        <a:scrgbClr r="0" g="0" b="0"/>
-      </a:fillRef>
-      <a:effectRef idx="2">
-        <a:scrgbClr r="0" g="0" b="0"/>
-      </a:effectRef>
-      <a:fontRef idx="minor">
-        <a:schemeClr val="lt1"/>
-      </a:fontRef>
-    </dgm:style>
-  </dgm:styleLbl>
-  <dgm:styleLbl name="parChTrans1D1">
-    <dgm:scene3d>
-      <a:camera prst="orthographicFront"/>
-      <a:lightRig rig="threePt" dir="t"/>
-    </dgm:scene3d>
-    <dgm:sp3d/>
-    <dgm:txPr/>
-    <dgm:style>
-      <a:lnRef idx="1">
-        <a:scrgbClr r="0" g="0" b="0"/>
-      </a:lnRef>
-      <a:fillRef idx="0">
-        <a:scrgbClr r="0" g="0" b="0"/>
-      </a:fillRef>
-      <a:effectRef idx="0">
-        <a:scrgbClr r="0" g="0" b="0"/>
-      </a:effectRef>
-      <a:fontRef idx="minor"/>
-    </dgm:style>
-  </dgm:styleLbl>
-  <dgm:styleLbl name="parChTrans1D2">
-    <dgm:scene3d>
-      <a:camera prst="orthographicFront"/>
-      <a:lightRig rig="threePt" dir="t"/>
-    </dgm:scene3d>
-    <dgm:sp3d/>
-    <dgm:txPr/>
-    <dgm:style>
-      <a:lnRef idx="1">
-        <a:scrgbClr r="0" g="0" b="0"/>
-      </a:lnRef>
-      <a:fillRef idx="0">
-        <a:scrgbClr r="0" g="0" b="0"/>
-      </a:fillRef>
-      <a:effectRef idx="0">
-        <a:scrgbClr r="0" g="0" b="0"/>
-      </a:effectRef>
-      <a:fontRef idx="minor"/>
-    </dgm:style>
-  </dgm:styleLbl>
-  <dgm:styleLbl name="parChTrans1D3">
-    <dgm:scene3d>
-      <a:camera prst="orthographicFront"/>
-      <a:lightRig rig="threePt" dir="t"/>
-    </dgm:scene3d>
-    <dgm:sp3d/>
-    <dgm:txPr/>
-    <dgm:style>
-      <a:lnRef idx="1">
-        <a:scrgbClr r="0" g="0" b="0"/>
-      </a:lnRef>
-      <a:fillRef idx="0">
-        <a:scrgbClr r="0" g="0" b="0"/>
-      </a:fillRef>
-      <a:effectRef idx="0">
-        <a:scrgbClr r="0" g="0" b="0"/>
-      </a:effectRef>
-      <a:fontRef idx="minor"/>
-    </dgm:style>
-  </dgm:styleLbl>
-  <dgm:styleLbl name="parChTrans1D4">
-    <dgm:scene3d>
-      <a:camera prst="orthographicFront"/>
-      <a:lightRig rig="threePt" dir="t"/>
-    </dgm:scene3d>
-    <dgm:sp3d/>
-    <dgm:txPr/>
-    <dgm:style>
-      <a:lnRef idx="1">
-        <a:scrgbClr r="0" g="0" b="0"/>
-      </a:lnRef>
-      <a:fillRef idx="0">
-        <a:scrgbClr r="0" g="0" b="0"/>
-      </a:fillRef>
-      <a:effectRef idx="0">
-        <a:scrgbClr r="0" g="0" b="0"/>
-      </a:effectRef>
-      <a:fontRef idx="minor"/>
-    </dgm:style>
-  </dgm:styleLbl>
-  <dgm:styleLbl name="fgAcc1">
-    <dgm:scene3d>
-      <a:camera prst="orthographicFront"/>
-      <a:lightRig rig="threePt" dir="t"/>
-    </dgm:scene3d>
-    <dgm:sp3d/>
-    <dgm:txPr/>
-    <dgm:style>
-      <a:lnRef idx="1">
-        <a:scrgbClr r="0" g="0" b="0"/>
-      </a:lnRef>
-      <a:fillRef idx="1">
-        <a:scrgbClr r="0" g="0" b="0"/>
-      </a:fillRef>
-      <a:effectRef idx="0">
-        <a:scrgbClr r="0" g="0" b="0"/>
-      </a:effectRef>
-      <a:fontRef idx="minor"/>
-    </dgm:style>
-  </dgm:styleLbl>
-  <dgm:styleLbl name="conFgAcc1">
-    <dgm:scene3d>
-      <a:camera prst="orthographicFront"/>
-      <a:lightRig rig="threePt" dir="t"/>
-    </dgm:scene3d>
-    <dgm:sp3d/>
-    <dgm:txPr/>
-    <dgm:style>
-      <a:lnRef idx="1">
-        <a:scrgbClr r="0" g="0" b="0"/>
-      </a:lnRef>
-      <a:fillRef idx="1">
-        <a:scrgbClr r="0" g="0" b="0"/>
-      </a:fillRef>
-      <a:effectRef idx="0">
-        <a:scrgbClr r="0" g="0" b="0"/>
-      </a:effectRef>
-      <a:fontRef idx="minor"/>
-    </dgm:style>
-  </dgm:styleLbl>
-  <dgm:styleLbl name="alignAcc1">
-    <dgm:scene3d>
-      <a:camera prst="orthographicFront"/>
-      <a:lightRig rig="threePt" dir="t"/>
-    </dgm:scene3d>
-    <dgm:sp3d/>
-    <dgm:txPr/>
-    <dgm:style>
-      <a:lnRef idx="1">
-        <a:scrgbClr r="0" g="0" b="0"/>
-      </a:lnRef>
-      <a:fillRef idx="1">
-        <a:scrgbClr r="0" g="0" b="0"/>
-      </a:fillRef>
-      <a:effectRef idx="0">
-        <a:scrgbClr r="0" g="0" b="0"/>
-      </a:effectRef>
-      <a:fontRef idx="minor"/>
-    </dgm:style>
-  </dgm:styleLbl>
-  <dgm:styleLbl name="trAlignAcc1">
-    <dgm:scene3d>
-      <a:camera prst="orthographicFront"/>
-      <a:lightRig rig="threePt" dir="t"/>
-    </dgm:scene3d>
-    <dgm:sp3d/>
-    <dgm:txPr/>
-    <dgm:style>
-      <a:lnRef idx="1">
-        <a:scrgbClr r="0" g="0" b="0"/>
-      </a:lnRef>
-      <a:fillRef idx="1">
-        <a:scrgbClr r="0" g="0" b="0"/>
-      </a:fillRef>
-      <a:effectRef idx="0">
-        <a:scrgbClr r="0" g="0" b="0"/>
-      </a:effectRef>
-      <a:fontRef idx="minor"/>
-    </dgm:style>
-  </dgm:styleLbl>
-  <dgm:styleLbl name="bgAcc1">
-    <dgm:scene3d>
-      <a:camera prst="orthographicFront"/>
-      <a:lightRig rig="threePt" dir="t"/>
-    </dgm:scene3d>
-    <dgm:sp3d/>
-    <dgm:txPr/>
-    <dgm:style>
-      <a:lnRef idx="1">
-        <a:scrgbClr r="0" g="0" b="0"/>
-      </a:lnRef>
-      <a:fillRef idx="1">
-        <a:scrgbClr r="0" g="0" b="0"/>
-      </a:fillRef>
-      <a:effectRef idx="0">
-        <a:scrgbClr r="0" g="0" b="0"/>
-      </a:effectRef>
-      <a:fontRef idx="minor"/>
-    </dgm:style>
-  </dgm:styleLbl>
-  <dgm:styleLbl name="solidFgAcc1">
-    <dgm:scene3d>
-      <a:camera prst="orthographicFront"/>
-      <a:lightRig rig="threePt" dir="t"/>
-    </dgm:scene3d>
-    <dgm:sp3d/>
-    <dgm:txPr/>
-    <dgm:style>
-      <a:lnRef idx="1">
-        <a:scrgbClr r="0" g="0" b="0"/>
-      </a:lnRef>
-      <a:fillRef idx="1">
-        <a:scrgbClr r="0" g="0" b="0"/>
-      </a:fillRef>
-      <a:effectRef idx="0">
-        <a:scrgbClr r="0" g="0" b="0"/>
-      </a:effectRef>
-      <a:fontRef idx="minor"/>
-    </dgm:style>
-  </dgm:styleLbl>
-  <dgm:styleLbl name="solidAlignAcc1">
-    <dgm:scene3d>
-      <a:camera prst="orthographicFront"/>
-      <a:lightRig rig="threePt" dir="t"/>
-    </dgm:scene3d>
-    <dgm:sp3d/>
-    <dgm:txPr/>
-    <dgm:style>
-      <a:lnRef idx="1">
-        <a:scrgbClr r="0" g="0" b="0"/>
-      </a:lnRef>
-      <a:fillRef idx="1">
-        <a:scrgbClr r="0" g="0" b="0"/>
-      </a:fillRef>
-      <a:effectRef idx="0">
-        <a:scrgbClr r="0" g="0" b="0"/>
-      </a:effectRef>
-      <a:fontRef idx="minor"/>
-    </dgm:style>
-  </dgm:styleLbl>
-  <dgm:styleLbl name="solidBgAcc1">
-    <dgm:scene3d>
-      <a:camera prst="orthographicFront"/>
-      <a:lightRig rig="threePt" dir="t"/>
-    </dgm:scene3d>
-    <dgm:sp3d/>
-    <dgm:txPr/>
-    <dgm:style>
-      <a:lnRef idx="1">
-        <a:scrgbClr r="0" g="0" b="0"/>
-      </a:lnRef>
-      <a:fillRef idx="1">
-        <a:scrgbClr r="0" g="0" b="0"/>
-      </a:fillRef>
-      <a:effectRef idx="0">
-        <a:scrgbClr r="0" g="0" b="0"/>
-      </a:effectRef>
-      <a:fontRef idx="minor"/>
-    </dgm:style>
-  </dgm:styleLbl>
-  <dgm:styleLbl name="fgAccFollowNode1">
-    <dgm:scene3d>
-      <a:camera prst="orthographicFront"/>
-      <a:lightRig rig="threePt" dir="t"/>
-    </dgm:scene3d>
-    <dgm:sp3d/>
-    <dgm:txPr/>
-    <dgm:style>
-      <a:lnRef idx="1">
-        <a:scrgbClr r="0" g="0" b="0"/>
-      </a:lnRef>
-      <a:fillRef idx="1">
-        <a:scrgbClr r="0" g="0" b="0"/>
-      </a:fillRef>
-      <a:effectRef idx="0">
-        <a:scrgbClr r="0" g="0" b="0"/>
-      </a:effectRef>
-      <a:fontRef idx="minor"/>
-    </dgm:style>
-  </dgm:styleLbl>
-  <dgm:styleLbl name="alignAccFollowNode1">
-    <dgm:scene3d>
-      <a:camera prst="orthographicFront"/>
-      <a:lightRig rig="threePt" dir="t"/>
-    </dgm:scene3d>
-    <dgm:sp3d/>
-    <dgm:txPr/>
-    <dgm:style>
-      <a:lnRef idx="1">
-        <a:scrgbClr r="0" g="0" b="0"/>
-      </a:lnRef>
-      <a:fillRef idx="1">
-        <a:scrgbClr r="0" g="0" b="0"/>
-      </a:fillRef>
-      <a:effectRef idx="0">
-        <a:scrgbClr r="0" g="0" b="0"/>
-      </a:effectRef>
-      <a:fontRef idx="minor"/>
-    </dgm:style>
-  </dgm:styleLbl>
-  <dgm:styleLbl name="bgAccFollowNode1">
-    <dgm:scene3d>
-      <a:camera prst="orthographicFront"/>
-      <a:lightRig rig="threePt" dir="t"/>
-    </dgm:scene3d>
-    <dgm:sp3d/>
-    <dgm:txPr/>
-    <dgm:style>
-      <a:lnRef idx="1">
-        <a:scrgbClr r="0" g="0" b="0"/>
-      </a:lnRef>
-      <a:fillRef idx="1">
-        <a:scrgbClr r="0" g="0" b="0"/>
-      </a:fillRef>
-      <a:effectRef idx="0">
-        <a:scrgbClr r="0" g="0" b="0"/>
-      </a:effectRef>
-      <a:fontRef idx="minor"/>
-    </dgm:style>
-  </dgm:styleLbl>
-  <dgm:styleLbl name="fgAcc0">
-    <dgm:scene3d>
-      <a:camera prst="orthographicFront"/>
-      <a:lightRig rig="threePt" dir="t"/>
-    </dgm:scene3d>
-    <dgm:sp3d/>
-    <dgm:txPr/>
-    <dgm:style>
-      <a:lnRef idx="1">
-        <a:scrgbClr r="0" g="0" b="0"/>
-      </a:lnRef>
-      <a:fillRef idx="1">
-        <a:scrgbClr r="0" g="0" b="0"/>
-      </a:fillRef>
-      <a:effectRef idx="0">
-        <a:scrgbClr r="0" g="0" b="0"/>
-      </a:effectRef>
-      <a:fontRef idx="minor"/>
-    </dgm:style>
-  </dgm:styleLbl>
-  <dgm:styleLbl name="fgAcc2">
-    <dgm:scene3d>
-      <a:camera prst="orthographicFront"/>
-      <a:lightRig rig="threePt" dir="t"/>
-    </dgm:scene3d>
-    <dgm:sp3d/>
-    <dgm:txPr/>
-    <dgm:style>
-      <a:lnRef idx="1">
-        <a:scrgbClr r="0" g="0" b="0"/>
-      </a:lnRef>
-      <a:fillRef idx="1">
-        <a:scrgbClr r="0" g="0" b="0"/>
-      </a:fillRef>
-      <a:effectRef idx="0">
-        <a:scrgbClr r="0" g="0" b="0"/>
-      </a:effectRef>
-      <a:fontRef idx="minor"/>
-    </dgm:style>
-  </dgm:styleLbl>
-  <dgm:styleLbl name="fgAcc3">
-    <dgm:scene3d>
-      <a:camera prst="orthographicFront"/>
-      <a:lightRig rig="threePt" dir="t"/>
-    </dgm:scene3d>
-    <dgm:sp3d/>
-    <dgm:txPr/>
-    <dgm:style>
-      <a:lnRef idx="1">
-        <a:scrgbClr r="0" g="0" b="0"/>
-      </a:lnRef>
-      <a:fillRef idx="1">
-        <a:scrgbClr r="0" g="0" b="0"/>
-      </a:fillRef>
-      <a:effectRef idx="0">
-        <a:scrgbClr r="0" g="0" b="0"/>
-      </a:effectRef>
-      <a:fontRef idx="minor"/>
-    </dgm:style>
-  </dgm:styleLbl>
-  <dgm:styleLbl name="fgAcc4">
-    <dgm:scene3d>
-      <a:camera prst="orthographicFront"/>
-      <a:lightRig rig="threePt" dir="t"/>
-    </dgm:scene3d>
-    <dgm:sp3d/>
-    <dgm:txPr/>
-    <dgm:style>
-      <a:lnRef idx="1">
-        <a:scrgbClr r="0" g="0" b="0"/>
-      </a:lnRef>
-      <a:fillRef idx="1">
-        <a:scrgbClr r="0" g="0" b="0"/>
-      </a:fillRef>
-      <a:effectRef idx="0">
-        <a:scrgbClr r="0" g="0" b="0"/>
-      </a:effectRef>
-      <a:fontRef idx="minor"/>
-    </dgm:style>
-  </dgm:styleLbl>
-  <dgm:styleLbl name="bgShp">
-    <dgm:scene3d>
-      <a:camera prst="orthographicFront"/>
-      <a:lightRig rig="threePt" dir="t"/>
-    </dgm:scene3d>
-    <dgm:sp3d/>
-    <dgm:txPr/>
-    <dgm:style>
-      <a:lnRef idx="0">
-        <a:scrgbClr r="0" g="0" b="0"/>
-      </a:lnRef>
-      <a:fillRef idx="1">
-        <a:scrgbClr r="0" g="0" b="0"/>
-      </a:fillRef>
-      <a:effectRef idx="2">
-        <a:scrgbClr r="0" g="0" b="0"/>
-      </a:effectRef>
-      <a:fontRef idx="minor"/>
-    </dgm:style>
-  </dgm:styleLbl>
-  <dgm:styleLbl name="dkBgShp">
-    <dgm:scene3d>
-      <a:camera prst="orthographicFront"/>
-      <a:lightRig rig="threePt" dir="t"/>
-    </dgm:scene3d>
-    <dgm:sp3d/>
-    <dgm:txPr/>
-    <dgm:style>
-      <a:lnRef idx="0">
-        <a:scrgbClr r="0" g="0" b="0"/>
-      </a:lnRef>
-      <a:fillRef idx="1">
-        <a:scrgbClr r="0" g="0" b="0"/>
-      </a:fillRef>
-      <a:effectRef idx="2">
-        <a:scrgbClr r="0" g="0" b="0"/>
-      </a:effectRef>
-      <a:fontRef idx="minor"/>
-    </dgm:style>
-  </dgm:styleLbl>
-  <dgm:styleLbl name="trBgShp">
-    <dgm:scene3d>
-      <a:camera prst="orthographicFront"/>
-      <a:lightRig rig="threePt" dir="t"/>
-    </dgm:scene3d>
-    <dgm:sp3d/>
-    <dgm:txPr/>
-    <dgm:style>
-      <a:lnRef idx="0">
-        <a:scrgbClr r="0" g="0" b="0"/>
-      </a:lnRef>
-      <a:fillRef idx="1">
-        <a:scrgbClr r="0" g="0" b="0"/>
-      </a:fillRef>
-      <a:effectRef idx="0">
-        <a:scrgbClr r="0" g="0" b="0"/>
-      </a:effectRef>
-      <a:fontRef idx="minor"/>
-    </dgm:style>
-  </dgm:styleLbl>
-  <dgm:styleLbl name="fgShp">
-    <dgm:scene3d>
-      <a:camera prst="orthographicFront"/>
-      <a:lightRig rig="threePt" dir="t"/>
-    </dgm:scene3d>
-    <dgm:sp3d/>
-    <dgm:txPr/>
-    <dgm:style>
-      <a:lnRef idx="0">
-        <a:scrgbClr r="0" g="0" b="0"/>
-      </a:lnRef>
-      <a:fillRef idx="3">
-        <a:scrgbClr r="0" g="0" b="0"/>
-      </a:fillRef>
-      <a:effectRef idx="2">
-        <a:scrgbClr r="0" g="0" b="0"/>
-      </a:effectRef>
-      <a:fontRef idx="minor"/>
-    </dgm:style>
-  </dgm:styleLbl>
-  <dgm:styleLbl name="revTx">
-    <dgm:scene3d>
-      <a:camera prst="orthographicFront"/>
-      <a:lightRig rig="threePt" dir="t"/>
-    </dgm:scene3d>
-    <dgm:sp3d/>
-    <dgm:txPr/>
-    <dgm:style>
-      <a:lnRef idx="0">
-        <a:scrgbClr r="0" g="0" b="0"/>
-      </a:lnRef>
-      <a:fillRef idx="0">
-        <a:scrgbClr r="0" g="0" b="0"/>
-      </a:fillRef>
-      <a:effectRef idx="0">
-        <a:scrgbClr r="0" g="0" b="0"/>
-      </a:effectRef>
-      <a:fontRef idx="minor"/>
-    </dgm:style>
-  </dgm:styleLbl>
-</dgm:styleDef>
 </file>
 
 <file path=ppt/handoutMasters/handoutMaster1.xml><?xml version="1.0" encoding="utf-8"?>
@@ -8927,7 +3827,7 @@
           <a:p>
             <a:r>
               <a:rPr lang="en-US" dirty="0"/>
-              <a:t>API’s</a:t>
+              <a:t>DDD approach for Voting</a:t>
             </a:r>
             <a:endParaRPr dirty="0"/>
           </a:p>
@@ -8935,283 +3835,64 @@
       </p:sp>
       <p:sp>
         <p:nvSpPr>
-          <p:cNvPr id="3" name="Content Placeholder 2"/>
-          <p:cNvSpPr>
-            <a:spLocks noGrp="1"/>
-          </p:cNvSpPr>
-          <p:nvPr>
-            <p:ph sz="half" idx="1"/>
-          </p:nvPr>
-        </p:nvSpPr>
-        <p:spPr/>
-        <p:txBody>
-          <a:bodyPr/>
+          <p:cNvPr id="3" name="TextBox 2"/>
+          <p:cNvSpPr txBox="1"/>
+          <p:nvPr/>
+        </p:nvSpPr>
+        <p:spPr>
+          <a:xfrm>
+            <a:off x="1600200" y="1905000"/>
+            <a:ext cx="8305800" cy="2895600"/>
+          </a:xfrm>
+          <a:prstGeom prst="rect">
+            <a:avLst/>
+          </a:prstGeom>
+          <a:noFill/>
+        </p:spPr>
+        <p:txBody>
+          <a:bodyPr wrap="square" rtlCol="0">
+            <a:spAutoFit/>
+          </a:bodyPr>
           <a:lstStyle/>
           <a:p>
-            <a:r>
-              <a:rPr dirty="0"/>
-              <a:t>First bullet point here</a:t>
-            </a:r>
-          </a:p>
-          <a:p>
-            <a:r>
-              <a:rPr dirty="0"/>
-              <a:t>Second bullet point here</a:t>
-            </a:r>
-          </a:p>
-          <a:p>
-            <a:r>
-              <a:rPr dirty="0"/>
-              <a:t>Third bullet point here</a:t>
-            </a:r>
-          </a:p>
-        </p:txBody>
-      </p:sp>
-      <p:graphicFrame>
-        <p:nvGraphicFramePr>
-          <p:cNvPr id="5" name="Content Placeholder 4"/>
-          <p:cNvGraphicFramePr>
-            <a:graphicFrameLocks noGrp="1"/>
-          </p:cNvGraphicFramePr>
-          <p:nvPr>
-            <p:ph sz="half" idx="2"/>
-            <p:extLst>
-              <p:ext uri="{D42A27DB-BD31-4B8C-83A1-F6EECF244321}">
-                <p14:modId xmlns:p14="http://schemas.microsoft.com/office/powerpoint/2010/main" val="1809551004"/>
-              </p:ext>
-            </p:extLst>
-          </p:nvPr>
-        </p:nvGraphicFramePr>
-        <p:xfrm>
-          <a:off x="6324600" y="1825623"/>
-          <a:ext cx="4343400" cy="1984376"/>
-        </p:xfrm>
-        <a:graphic>
-          <a:graphicData uri="http://schemas.openxmlformats.org/drawingml/2006/table">
-            <a:tbl>
-              <a:tblPr firstRow="1" bandRow="1">
-                <a:tableStyleId>{073A0DAA-6AF3-43AB-8588-CEC1D06C72B9}</a:tableStyleId>
-              </a:tblPr>
-              <a:tblGrid>
-                <a:gridCol w="1447800">
-                  <a:extLst>
-                    <a:ext uri="{9D8B030D-6E8A-4147-A177-3AD203B41FA5}">
-                      <a16:colId xmlns:a16="http://schemas.microsoft.com/office/drawing/2014/main" val="20000"/>
-                    </a:ext>
-                  </a:extLst>
-                </a:gridCol>
-                <a:gridCol w="1447800">
-                  <a:extLst>
-                    <a:ext uri="{9D8B030D-6E8A-4147-A177-3AD203B41FA5}">
-                      <a16:colId xmlns:a16="http://schemas.microsoft.com/office/drawing/2014/main" val="20001"/>
-                    </a:ext>
-                  </a:extLst>
-                </a:gridCol>
-                <a:gridCol w="1447800">
-                  <a:extLst>
-                    <a:ext uri="{9D8B030D-6E8A-4147-A177-3AD203B41FA5}">
-                      <a16:colId xmlns:a16="http://schemas.microsoft.com/office/drawing/2014/main" val="20002"/>
-                    </a:ext>
-                  </a:extLst>
-                </a:gridCol>
-              </a:tblGrid>
-              <a:tr h="496094">
-                <a:tc>
-                  <a:txBody>
-                    <a:bodyPr/>
-                    <a:lstStyle/>
-                    <a:p>
-                      <a:r>
-                        <a:rPr lang="en-US" dirty="0"/>
-                        <a:t>Class</a:t>
-                      </a:r>
-                      <a:endParaRPr dirty="0"/>
-                    </a:p>
-                  </a:txBody>
-                  <a:tcPr anchor="ctr"/>
-                </a:tc>
-                <a:tc>
-                  <a:txBody>
-                    <a:bodyPr/>
-                    <a:lstStyle/>
-                    <a:p>
-                      <a:pPr algn="ctr"/>
-                      <a:r>
-                        <a:rPr dirty="0"/>
-                        <a:t>Group 1</a:t>
-                      </a:r>
-                    </a:p>
-                  </a:txBody>
-                  <a:tcPr anchor="ctr"/>
-                </a:tc>
-                <a:tc>
-                  <a:txBody>
-                    <a:bodyPr/>
-                    <a:lstStyle/>
-                    <a:p>
-                      <a:pPr algn="ctr"/>
-                      <a:r>
-                        <a:t>Group 2</a:t>
-                      </a:r>
-                    </a:p>
-                  </a:txBody>
-                  <a:tcPr anchor="ctr"/>
-                </a:tc>
-                <a:extLst>
-                  <a:ext uri="{0D108BD9-81ED-4DB2-BD59-A6C34878D82A}">
-                    <a16:rowId xmlns:a16="http://schemas.microsoft.com/office/drawing/2014/main" val="10000"/>
-                  </a:ext>
-                </a:extLst>
-              </a:tr>
-              <a:tr h="496094">
-                <a:tc>
-                  <a:txBody>
-                    <a:bodyPr/>
-                    <a:lstStyle/>
-                    <a:p>
-                      <a:r>
-                        <a:t>Class 1</a:t>
-                      </a:r>
-                    </a:p>
-                  </a:txBody>
-                  <a:tcPr anchor="ctr"/>
-                </a:tc>
-                <a:tc>
-                  <a:txBody>
-                    <a:bodyPr/>
-                    <a:lstStyle/>
-                    <a:p>
-                      <a:pPr algn="ctr"/>
-                      <a:r>
-                        <a:t>82</a:t>
-                      </a:r>
-                    </a:p>
-                  </a:txBody>
-                  <a:tcPr anchor="ctr"/>
-                </a:tc>
-                <a:tc>
-                  <a:txBody>
-                    <a:bodyPr/>
-                    <a:lstStyle/>
-                    <a:p>
-                      <a:pPr algn="ctr"/>
-                      <a:r>
-                        <a:t>95</a:t>
-                      </a:r>
-                    </a:p>
-                  </a:txBody>
-                  <a:tcPr anchor="ctr"/>
-                </a:tc>
-                <a:extLst>
-                  <a:ext uri="{0D108BD9-81ED-4DB2-BD59-A6C34878D82A}">
-                    <a16:rowId xmlns:a16="http://schemas.microsoft.com/office/drawing/2014/main" val="10001"/>
-                  </a:ext>
-                </a:extLst>
-              </a:tr>
-              <a:tr h="496094">
-                <a:tc>
-                  <a:txBody>
-                    <a:bodyPr/>
-                    <a:lstStyle/>
-                    <a:p>
-                      <a:r>
-                        <a:t>Class</a:t>
-                      </a:r>
-                      <a:r>
-                        <a:rPr baseline="0"/>
-                        <a:t> 2</a:t>
-                      </a:r>
-                      <a:endParaRPr/>
-                    </a:p>
-                  </a:txBody>
-                  <a:tcPr anchor="ctr"/>
-                </a:tc>
-                <a:tc>
-                  <a:txBody>
-                    <a:bodyPr/>
-                    <a:lstStyle/>
-                    <a:p>
-                      <a:pPr algn="ctr"/>
-                      <a:r>
-                        <a:t>76</a:t>
-                      </a:r>
-                    </a:p>
-                  </a:txBody>
-                  <a:tcPr anchor="ctr"/>
-                </a:tc>
-                <a:tc>
-                  <a:txBody>
-                    <a:bodyPr/>
-                    <a:lstStyle/>
-                    <a:p>
-                      <a:pPr algn="ctr"/>
-                      <a:r>
-                        <a:t>88</a:t>
-                      </a:r>
-                    </a:p>
-                  </a:txBody>
-                  <a:tcPr anchor="ctr"/>
-                </a:tc>
-                <a:extLst>
-                  <a:ext uri="{0D108BD9-81ED-4DB2-BD59-A6C34878D82A}">
-                    <a16:rowId xmlns:a16="http://schemas.microsoft.com/office/drawing/2014/main" val="10002"/>
-                  </a:ext>
-                </a:extLst>
-              </a:tr>
-              <a:tr h="496094">
-                <a:tc>
-                  <a:txBody>
-                    <a:bodyPr/>
-                    <a:lstStyle/>
-                    <a:p>
-                      <a:r>
-                        <a:t>Class 3</a:t>
-                      </a:r>
-                    </a:p>
-                  </a:txBody>
-                  <a:tcPr anchor="ctr"/>
-                </a:tc>
-                <a:tc>
-                  <a:txBody>
-                    <a:bodyPr/>
-                    <a:lstStyle/>
-                    <a:p>
-                      <a:pPr algn="ctr"/>
-                      <a:r>
-                        <a:t>84</a:t>
-                      </a:r>
-                    </a:p>
-                  </a:txBody>
-                  <a:tcPr anchor="ctr"/>
-                </a:tc>
-                <a:tc>
-                  <a:txBody>
-                    <a:bodyPr/>
-                    <a:lstStyle/>
-                    <a:p>
-                      <a:pPr algn="ctr"/>
-                      <a:r>
-                        <a:rPr dirty="0"/>
-                        <a:t>90</a:t>
-                      </a:r>
-                    </a:p>
-                  </a:txBody>
-                  <a:tcPr anchor="ctr"/>
-                </a:tc>
-                <a:extLst>
-                  <a:ext uri="{0D108BD9-81ED-4DB2-BD59-A6C34878D82A}">
-                    <a16:rowId xmlns:a16="http://schemas.microsoft.com/office/drawing/2014/main" val="10003"/>
-                  </a:ext>
-                </a:extLst>
-              </a:tr>
-            </a:tbl>
-          </a:graphicData>
-        </a:graphic>
-      </p:graphicFrame>
+            <a:endParaRPr lang="en-US" dirty="0"/>
+          </a:p>
+        </p:txBody>
+      </p:sp>
+      <p:pic>
+        <p:nvPicPr>
+          <p:cNvPr id="6" name="Picture 5">
+            <a:extLst>
+              <a:ext uri="{FF2B5EF4-FFF2-40B4-BE49-F238E27FC236}">
+                <a16:creationId xmlns:a16="http://schemas.microsoft.com/office/drawing/2014/main" id="{04941EBB-4E69-4402-BDAC-90191D280DD9}"/>
+              </a:ext>
+            </a:extLst>
+          </p:cNvPr>
+          <p:cNvPicPr>
+            <a:picLocks noChangeAspect="1"/>
+          </p:cNvPicPr>
+          <p:nvPr/>
+        </p:nvPicPr>
+        <p:blipFill>
+          <a:blip r:embed="rId2"/>
+          <a:stretch>
+            <a:fillRect/>
+          </a:stretch>
+        </p:blipFill>
+        <p:spPr>
+          <a:xfrm>
+            <a:off x="3171825" y="1843087"/>
+            <a:ext cx="5848350" cy="3171825"/>
+          </a:xfrm>
+          <a:prstGeom prst="rect">
+            <a:avLst/>
+          </a:prstGeom>
+        </p:spPr>
+      </p:pic>
     </p:spTree>
     <p:extLst>
       <p:ext uri="{BB962C8B-B14F-4D97-AF65-F5344CB8AC3E}">
-        <p14:creationId xmlns:p14="http://schemas.microsoft.com/office/powerpoint/2010/main" val="4145261392"/>
+        <p14:creationId xmlns:p14="http://schemas.microsoft.com/office/powerpoint/2010/main" val="1486914112"/>
       </p:ext>
     </p:extLst>
   </p:cSld>
@@ -9255,7 +3936,7 @@
           <a:p>
             <a:r>
               <a:rPr lang="en-US" dirty="0"/>
-              <a:t>Add a Slide Title - 2</a:t>
+              <a:t>Ledger doesn’t change?</a:t>
             </a:r>
             <a:endParaRPr dirty="0"/>
           </a:p>
@@ -9263,84 +3944,64 @@
       </p:sp>
       <p:sp>
         <p:nvSpPr>
-          <p:cNvPr id="3" name="Text Placeholder 2"/>
-          <p:cNvSpPr>
-            <a:spLocks noGrp="1"/>
-          </p:cNvSpPr>
-          <p:nvPr>
-            <p:ph type="body" idx="1"/>
-          </p:nvPr>
-        </p:nvSpPr>
-        <p:spPr/>
-        <p:txBody>
-          <a:bodyPr/>
+          <p:cNvPr id="3" name="TextBox 2"/>
+          <p:cNvSpPr txBox="1"/>
+          <p:nvPr/>
+        </p:nvSpPr>
+        <p:spPr>
+          <a:xfrm>
+            <a:off x="1600200" y="1905000"/>
+            <a:ext cx="8305800" cy="2895600"/>
+          </a:xfrm>
+          <a:prstGeom prst="rect">
+            <a:avLst/>
+          </a:prstGeom>
+          <a:noFill/>
+        </p:spPr>
+        <p:txBody>
+          <a:bodyPr wrap="square" rtlCol="0">
+            <a:spAutoFit/>
+          </a:bodyPr>
           <a:lstStyle/>
           <a:p>
-            <a:endParaRPr/>
-          </a:p>
-        </p:txBody>
-      </p:sp>
-      <p:sp>
-        <p:nvSpPr>
-          <p:cNvPr id="4" name="Content Placeholder 3"/>
-          <p:cNvSpPr>
-            <a:spLocks noGrp="1"/>
-          </p:cNvSpPr>
-          <p:nvPr>
-            <p:ph sz="half" idx="2"/>
-          </p:nvPr>
-        </p:nvSpPr>
-        <p:spPr/>
-        <p:txBody>
-          <a:bodyPr/>
-          <a:lstStyle/>
-          <a:p>
-            <a:endParaRPr/>
-          </a:p>
-        </p:txBody>
-      </p:sp>
-      <p:sp>
-        <p:nvSpPr>
-          <p:cNvPr id="5" name="Text Placeholder 4"/>
-          <p:cNvSpPr>
-            <a:spLocks noGrp="1"/>
-          </p:cNvSpPr>
-          <p:nvPr>
-            <p:ph type="body" sz="quarter" idx="3"/>
-          </p:nvPr>
-        </p:nvSpPr>
-        <p:spPr/>
-        <p:txBody>
-          <a:bodyPr/>
-          <a:lstStyle/>
-          <a:p>
-            <a:endParaRPr/>
-          </a:p>
-        </p:txBody>
-      </p:sp>
-      <p:sp>
-        <p:nvSpPr>
-          <p:cNvPr id="6" name="Content Placeholder 5"/>
-          <p:cNvSpPr>
-            <a:spLocks noGrp="1"/>
-          </p:cNvSpPr>
-          <p:nvPr>
-            <p:ph sz="quarter" idx="4"/>
-          </p:nvPr>
-        </p:nvSpPr>
-        <p:spPr/>
-        <p:txBody>
-          <a:bodyPr/>
-          <a:lstStyle/>
-          <a:p>
-            <a:endParaRPr/>
-          </a:p>
-        </p:txBody>
-      </p:sp>
+            <a:endParaRPr lang="en-US" dirty="0"/>
+          </a:p>
+        </p:txBody>
+      </p:sp>
+      <p:pic>
+        <p:nvPicPr>
+          <p:cNvPr id="4" name="Picture 3">
+            <a:extLst>
+              <a:ext uri="{FF2B5EF4-FFF2-40B4-BE49-F238E27FC236}">
+                <a16:creationId xmlns:a16="http://schemas.microsoft.com/office/drawing/2014/main" id="{08D2C517-4A1A-4FB6-97F1-EA7725832676}"/>
+              </a:ext>
+            </a:extLst>
+          </p:cNvPr>
+          <p:cNvPicPr>
+            <a:picLocks noChangeAspect="1"/>
+          </p:cNvPicPr>
+          <p:nvPr/>
+        </p:nvPicPr>
+        <p:blipFill>
+          <a:blip r:embed="rId2"/>
+          <a:stretch>
+            <a:fillRect/>
+          </a:stretch>
+        </p:blipFill>
+        <p:spPr>
+          <a:xfrm>
+            <a:off x="2862262" y="2524125"/>
+            <a:ext cx="6467475" cy="1809750"/>
+          </a:xfrm>
+          <a:prstGeom prst="rect">
+            <a:avLst/>
+          </a:prstGeom>
+        </p:spPr>
+      </p:pic>
     </p:spTree>
     <p:extLst>
       <p:ext uri="{BB962C8B-B14F-4D97-AF65-F5344CB8AC3E}">
-        <p14:creationId xmlns:p14="http://schemas.microsoft.com/office/powerpoint/2010/main" val="1475842300"/>
+        <p14:creationId xmlns:p14="http://schemas.microsoft.com/office/powerpoint/2010/main" val="3286730415"/>
       </p:ext>
     </p:extLst>
   </p:cSld>
@@ -9367,10 +4028,103 @@
           <a:chExt cx="0" cy="0"/>
         </a:xfrm>
       </p:grpSpPr>
+      <p:sp>
+        <p:nvSpPr>
+          <p:cNvPr id="2" name="Title 1"/>
+          <p:cNvSpPr>
+            <a:spLocks noGrp="1"/>
+          </p:cNvSpPr>
+          <p:nvPr>
+            <p:ph type="title"/>
+          </p:nvPr>
+        </p:nvSpPr>
+        <p:spPr/>
+        <p:txBody>
+          <a:bodyPr/>
+          <a:lstStyle/>
+          <a:p>
+            <a:r>
+              <a:rPr lang="en-US" dirty="0"/>
+              <a:t>Blockchain – Do’s and Don’ts</a:t>
+            </a:r>
+            <a:endParaRPr dirty="0"/>
+          </a:p>
+        </p:txBody>
+      </p:sp>
+      <p:sp>
+        <p:nvSpPr>
+          <p:cNvPr id="3" name="Text Placeholder 2"/>
+          <p:cNvSpPr>
+            <a:spLocks noGrp="1"/>
+          </p:cNvSpPr>
+          <p:nvPr>
+            <p:ph type="body" idx="1"/>
+          </p:nvPr>
+        </p:nvSpPr>
+        <p:spPr/>
+        <p:txBody>
+          <a:bodyPr/>
+          <a:lstStyle/>
+          <a:p>
+            <a:r>
+              <a:rPr lang="en-US" dirty="0"/>
+              <a:t>It’s a magical rainbow with only gold at the end</a:t>
+            </a:r>
+            <a:endParaRPr dirty="0"/>
+          </a:p>
+        </p:txBody>
+      </p:sp>
+      <p:pic>
+        <p:nvPicPr>
+          <p:cNvPr id="1026" name="Picture 2" descr="https://i.imgflip.com/25amrv.jpg">
+            <a:extLst>
+              <a:ext uri="{FF2B5EF4-FFF2-40B4-BE49-F238E27FC236}">
+                <a16:creationId xmlns:a16="http://schemas.microsoft.com/office/drawing/2014/main" id="{1389F274-801E-45A0-A486-F7BA98C3DDE2}"/>
+              </a:ext>
+            </a:extLst>
+          </p:cNvPr>
+          <p:cNvPicPr>
+            <a:picLocks noChangeAspect="1" noChangeArrowheads="1"/>
+          </p:cNvPicPr>
+          <p:nvPr/>
+        </p:nvPicPr>
+        <p:blipFill>
+          <a:blip r:embed="rId2" cstate="print">
+            <a:extLst>
+              <a:ext uri="{28A0092B-C50C-407E-A947-70E740481C1C}">
+                <a14:useLocalDpi xmlns:a14="http://schemas.microsoft.com/office/drawing/2010/main" val="0"/>
+              </a:ext>
+            </a:extLst>
+          </a:blip>
+          <a:srcRect/>
+          <a:stretch>
+            <a:fillRect/>
+          </a:stretch>
+        </p:blipFill>
+        <p:spPr bwMode="auto">
+          <a:xfrm>
+            <a:off x="9144000" y="4418806"/>
+            <a:ext cx="2465032" cy="1847850"/>
+          </a:xfrm>
+          <a:prstGeom prst="rect">
+            <a:avLst/>
+          </a:prstGeom>
+          <a:noFill/>
+          <a:extLst>
+            <a:ext uri="{909E8E84-426E-40DD-AFC4-6F175D3DCCD1}">
+              <a14:hiddenFill xmlns:a14="http://schemas.microsoft.com/office/drawing/2010/main">
+                <a:solidFill>
+                  <a:srgbClr val="FFFFFF"/>
+                </a:solidFill>
+              </a14:hiddenFill>
+            </a:ext>
+          </a:extLst>
+        </p:spPr>
+      </p:pic>
     </p:spTree>
     <p:extLst>
       <p:ext uri="{BB962C8B-B14F-4D97-AF65-F5344CB8AC3E}">
-        <p14:creationId xmlns:p14="http://schemas.microsoft.com/office/powerpoint/2010/main" val="3661180859"/>
+        <p14:creationId xmlns:p14="http://schemas.microsoft.com/office/powerpoint/2010/main" val="3359901800"/>
       </p:ext>
     </p:extLst>
   </p:cSld>
@@ -9399,7 +4153,13 @@
       </p:grpSpPr>
       <p:sp>
         <p:nvSpPr>
-          <p:cNvPr id="2" name="Title 1"/>
+          <p:cNvPr id="4" name="Title 3">
+            <a:extLst>
+              <a:ext uri="{FF2B5EF4-FFF2-40B4-BE49-F238E27FC236}">
+                <a16:creationId xmlns:a16="http://schemas.microsoft.com/office/drawing/2014/main" id="{AFDA4703-F4DC-4825-A020-205A3A5A16CF}"/>
+              </a:ext>
+            </a:extLst>
+          </p:cNvPr>
           <p:cNvSpPr>
             <a:spLocks noGrp="1"/>
           </p:cNvSpPr>
@@ -9414,20 +4174,25 @@
           <a:p>
             <a:r>
               <a:rPr lang="en-US" dirty="0"/>
-              <a:t>Add a Slide Title - 4</a:t>
-            </a:r>
-            <a:endParaRPr dirty="0"/>
-          </a:p>
-        </p:txBody>
-      </p:sp>
-      <p:sp>
-        <p:nvSpPr>
-          <p:cNvPr id="3" name="Content Placeholder 2"/>
-          <p:cNvSpPr>
-            <a:spLocks noGrp="1"/>
-          </p:cNvSpPr>
-          <p:nvPr>
-            <p:ph idx="1"/>
+              <a:t>When to use distributed ledgers</a:t>
+            </a:r>
+          </a:p>
+        </p:txBody>
+      </p:sp>
+      <p:sp>
+        <p:nvSpPr>
+          <p:cNvPr id="5" name="Text Placeholder 4">
+            <a:extLst>
+              <a:ext uri="{FF2B5EF4-FFF2-40B4-BE49-F238E27FC236}">
+                <a16:creationId xmlns:a16="http://schemas.microsoft.com/office/drawing/2014/main" id="{1F48560A-20D7-40B0-9FAD-DC07228081BD}"/>
+              </a:ext>
+            </a:extLst>
+          </p:cNvPr>
+          <p:cNvSpPr>
+            <a:spLocks noGrp="1"/>
+          </p:cNvSpPr>
+          <p:nvPr>
+            <p:ph type="body" idx="1"/>
           </p:nvPr>
         </p:nvSpPr>
         <p:spPr/>
@@ -9435,18 +4200,27 @@
           <a:bodyPr/>
           <a:lstStyle/>
           <a:p>
-            <a:endParaRPr/>
-          </a:p>
-        </p:txBody>
-      </p:sp>
-      <p:sp>
-        <p:nvSpPr>
-          <p:cNvPr id="4" name="Text Placeholder 3"/>
-          <p:cNvSpPr>
-            <a:spLocks noGrp="1"/>
-          </p:cNvSpPr>
-          <p:nvPr>
-            <p:ph type="body" sz="half" idx="2"/>
+            <a:r>
+              <a:rPr lang="en-US" dirty="0"/>
+              <a:t>Yes</a:t>
+            </a:r>
+          </a:p>
+        </p:txBody>
+      </p:sp>
+      <p:sp>
+        <p:nvSpPr>
+          <p:cNvPr id="6" name="Content Placeholder 5">
+            <a:extLst>
+              <a:ext uri="{FF2B5EF4-FFF2-40B4-BE49-F238E27FC236}">
+                <a16:creationId xmlns:a16="http://schemas.microsoft.com/office/drawing/2014/main" id="{9337D71E-E649-461A-993E-6B4C94BFABC3}"/>
+              </a:ext>
+            </a:extLst>
+          </p:cNvPr>
+          <p:cNvSpPr>
+            <a:spLocks noGrp="1"/>
+          </p:cNvSpPr>
+          <p:nvPr>
+            <p:ph sz="half" idx="2"/>
           </p:nvPr>
         </p:nvSpPr>
         <p:spPr/>
@@ -9454,14 +4228,174 @@
           <a:bodyPr/>
           <a:lstStyle/>
           <a:p>
-            <a:endParaRPr/>
+            <a:pPr>
+              <a:buFont typeface="Wingdings" panose="05000000000000000000" pitchFamily="2" charset="2"/>
+              <a:buChar char="q"/>
+            </a:pPr>
+            <a:r>
+              <a:rPr lang="en-US" dirty="0"/>
+              <a:t> Power to the people</a:t>
+            </a:r>
+          </a:p>
+          <a:p>
+            <a:pPr>
+              <a:buFont typeface="Wingdings" panose="05000000000000000000" pitchFamily="2" charset="2"/>
+              <a:buChar char="q"/>
+            </a:pPr>
+            <a:r>
+              <a:rPr lang="en-US" dirty="0"/>
+              <a:t> Data portability is paramount</a:t>
+            </a:r>
+          </a:p>
+          <a:p>
+            <a:pPr>
+              <a:buFont typeface="Wingdings" panose="05000000000000000000" pitchFamily="2" charset="2"/>
+              <a:buChar char="q"/>
+            </a:pPr>
+            <a:r>
+              <a:rPr lang="en-US" dirty="0"/>
+              <a:t> Who did what</a:t>
+            </a:r>
+          </a:p>
+          <a:p>
+            <a:pPr>
+              <a:buFont typeface="Wingdings" panose="05000000000000000000" pitchFamily="2" charset="2"/>
+              <a:buChar char="q"/>
+            </a:pPr>
+            <a:r>
+              <a:rPr lang="en-US" dirty="0"/>
+              <a:t> Proof of work is valuable</a:t>
+            </a:r>
+          </a:p>
+          <a:p>
+            <a:pPr>
+              <a:buFont typeface="Wingdings" panose="05000000000000000000" pitchFamily="2" charset="2"/>
+              <a:buChar char="q"/>
+            </a:pPr>
+            <a:r>
+              <a:rPr lang="en-US" dirty="0"/>
+              <a:t> Believe in the power of good</a:t>
+            </a:r>
+          </a:p>
+          <a:p>
+            <a:pPr marL="0" indent="0">
+              <a:buNone/>
+            </a:pPr>
+            <a:endParaRPr lang="en-US" dirty="0"/>
+          </a:p>
+        </p:txBody>
+      </p:sp>
+      <p:sp>
+        <p:nvSpPr>
+          <p:cNvPr id="7" name="Text Placeholder 6">
+            <a:extLst>
+              <a:ext uri="{FF2B5EF4-FFF2-40B4-BE49-F238E27FC236}">
+                <a16:creationId xmlns:a16="http://schemas.microsoft.com/office/drawing/2014/main" id="{F4B4F2CB-575F-4758-9B88-0F0329FB2E3F}"/>
+              </a:ext>
+            </a:extLst>
+          </p:cNvPr>
+          <p:cNvSpPr>
+            <a:spLocks noGrp="1"/>
+          </p:cNvSpPr>
+          <p:nvPr>
+            <p:ph type="body" sz="quarter" idx="3"/>
+          </p:nvPr>
+        </p:nvSpPr>
+        <p:spPr/>
+        <p:txBody>
+          <a:bodyPr/>
+          <a:lstStyle/>
+          <a:p>
+            <a:r>
+              <a:rPr lang="en-US" dirty="0"/>
+              <a:t>No</a:t>
+            </a:r>
+          </a:p>
+        </p:txBody>
+      </p:sp>
+      <p:sp>
+        <p:nvSpPr>
+          <p:cNvPr id="8" name="Content Placeholder 7">
+            <a:extLst>
+              <a:ext uri="{FF2B5EF4-FFF2-40B4-BE49-F238E27FC236}">
+                <a16:creationId xmlns:a16="http://schemas.microsoft.com/office/drawing/2014/main" id="{0C3FD5DB-0539-41CA-916F-4DA6679C3AFF}"/>
+              </a:ext>
+            </a:extLst>
+          </p:cNvPr>
+          <p:cNvSpPr>
+            <a:spLocks noGrp="1"/>
+          </p:cNvSpPr>
+          <p:nvPr>
+            <p:ph sz="quarter" idx="4"/>
+          </p:nvPr>
+        </p:nvSpPr>
+        <p:spPr/>
+        <p:txBody>
+          <a:bodyPr/>
+          <a:lstStyle/>
+          <a:p>
+            <a:pPr>
+              <a:buFont typeface="Wingdings" panose="05000000000000000000" pitchFamily="2" charset="2"/>
+              <a:buChar char="q"/>
+            </a:pPr>
+            <a:r>
+              <a:rPr lang="en-US" dirty="0"/>
+              <a:t> Sole purpose of sharing data</a:t>
+            </a:r>
+          </a:p>
+          <a:p>
+            <a:pPr>
+              <a:buFont typeface="Wingdings" panose="05000000000000000000" pitchFamily="2" charset="2"/>
+              <a:buChar char="q"/>
+            </a:pPr>
+            <a:r>
+              <a:rPr lang="en-US" dirty="0"/>
+              <a:t> All data is private</a:t>
+            </a:r>
+          </a:p>
+          <a:p>
+            <a:pPr>
+              <a:buFont typeface="Wingdings" panose="05000000000000000000" pitchFamily="2" charset="2"/>
+              <a:buChar char="q"/>
+            </a:pPr>
+            <a:r>
+              <a:rPr lang="en-US" dirty="0"/>
+              <a:t> State &gt; Transaction</a:t>
+            </a:r>
+          </a:p>
+          <a:p>
+            <a:pPr>
+              <a:buFont typeface="Wingdings" panose="05000000000000000000" pitchFamily="2" charset="2"/>
+              <a:buChar char="q"/>
+            </a:pPr>
+            <a:r>
+              <a:rPr lang="en-US" dirty="0"/>
+              <a:t> Buy in (vs CRUD)</a:t>
+            </a:r>
+          </a:p>
+          <a:p>
+            <a:pPr>
+              <a:buFont typeface="Wingdings" panose="05000000000000000000" pitchFamily="2" charset="2"/>
+              <a:buChar char="q"/>
+            </a:pPr>
+            <a:r>
+              <a:rPr lang="en-US" dirty="0"/>
+              <a:t> Because it’s the “cool” thing</a:t>
+            </a:r>
+          </a:p>
+          <a:p>
+            <a:pPr>
+              <a:buFont typeface="Wingdings" panose="05000000000000000000" pitchFamily="2" charset="2"/>
+              <a:buChar char="q"/>
+            </a:pPr>
+            <a:endParaRPr lang="en-US" dirty="0"/>
           </a:p>
         </p:txBody>
       </p:sp>
     </p:spTree>
     <p:extLst>
       <p:ext uri="{BB962C8B-B14F-4D97-AF65-F5344CB8AC3E}">
-        <p14:creationId xmlns:p14="http://schemas.microsoft.com/office/powerpoint/2010/main" val="3232560146"/>
+        <p14:creationId xmlns:p14="http://schemas.microsoft.com/office/powerpoint/2010/main" val="3506119226"/>
       </p:ext>
     </p:extLst>
   </p:cSld>
@@ -9490,7 +4424,13 @@
       </p:grpSpPr>
       <p:sp>
         <p:nvSpPr>
-          <p:cNvPr id="2" name="Title 1"/>
+          <p:cNvPr id="7" name="Title 6">
+            <a:extLst>
+              <a:ext uri="{FF2B5EF4-FFF2-40B4-BE49-F238E27FC236}">
+                <a16:creationId xmlns:a16="http://schemas.microsoft.com/office/drawing/2014/main" id="{AEF4031E-D835-44F6-A981-DABA01AA6E08}"/>
+              </a:ext>
+            </a:extLst>
+          </p:cNvPr>
           <p:cNvSpPr>
             <a:spLocks noGrp="1"/>
           </p:cNvSpPr>
@@ -9504,33 +4444,30 @@
           <a:lstStyle/>
           <a:p>
             <a:r>
+              <a:rPr lang="en-US" dirty="0" err="1"/>
+              <a:t>Api</a:t>
+            </a:r>
+            <a:r>
               <a:rPr lang="en-US" dirty="0"/>
-              <a:t>Add a Slide Title - 5</a:t>
-            </a:r>
-            <a:endParaRPr dirty="0"/>
-          </a:p>
-        </p:txBody>
-      </p:sp>
-      <p:sp>
-        <p:nvSpPr>
-          <p:cNvPr id="3" name="Picture Placeholder 2" descr="An empty placeholder to add an image. Click on the placeholder and select the image that you wish to add."/>
-          <p:cNvSpPr>
-            <a:spLocks noGrp="1"/>
-          </p:cNvSpPr>
-          <p:nvPr>
-            <p:ph type="pic" idx="1"/>
-          </p:nvPr>
-        </p:nvSpPr>
-        <p:spPr/>
-      </p:sp>
-      <p:sp>
-        <p:nvSpPr>
-          <p:cNvPr id="4" name="Text Placeholder 3"/>
-          <p:cNvSpPr>
-            <a:spLocks noGrp="1"/>
-          </p:cNvSpPr>
-          <p:nvPr>
-            <p:ph type="body" sz="half" idx="2"/>
+              <a:t> Resources</a:t>
+            </a:r>
+          </a:p>
+        </p:txBody>
+      </p:sp>
+      <p:sp>
+        <p:nvSpPr>
+          <p:cNvPr id="8" name="Content Placeholder 7">
+            <a:extLst>
+              <a:ext uri="{FF2B5EF4-FFF2-40B4-BE49-F238E27FC236}">
+                <a16:creationId xmlns:a16="http://schemas.microsoft.com/office/drawing/2014/main" id="{9099E99D-1638-4F4B-80D1-A0E08CBF7998}"/>
+              </a:ext>
+            </a:extLst>
+          </p:cNvPr>
+          <p:cNvSpPr>
+            <a:spLocks noGrp="1"/>
+          </p:cNvSpPr>
+          <p:nvPr>
+            <p:ph idx="1"/>
           </p:nvPr>
         </p:nvSpPr>
         <p:spPr/>
@@ -9538,10 +4475,321 @@
           <a:bodyPr/>
           <a:lstStyle/>
           <a:p>
-            <a:endParaRPr/>
-          </a:p>
-        </p:txBody>
-      </p:sp>
+            <a:r>
+              <a:rPr lang="en-US" dirty="0">
+                <a:hlinkClick r:id="rId2"/>
+              </a:rPr>
+              <a:t>https://blockchain.info/api</a:t>
+            </a:r>
+            <a:endParaRPr lang="en-US" dirty="0"/>
+          </a:p>
+          <a:p>
+            <a:r>
+              <a:rPr lang="en-US" dirty="0">
+                <a:hlinkClick r:id="rId3"/>
+              </a:rPr>
+              <a:t>https://www.ethereum.org/greeter</a:t>
+            </a:r>
+            <a:endParaRPr lang="en-US" dirty="0"/>
+          </a:p>
+          <a:p>
+            <a:r>
+              <a:rPr lang="en-US" dirty="0">
+                <a:hlinkClick r:id="rId4"/>
+              </a:rPr>
+              <a:t>https://developers.coinbase.com/</a:t>
+            </a:r>
+            <a:endParaRPr lang="en-US" dirty="0"/>
+          </a:p>
+          <a:p>
+            <a:r>
+              <a:rPr lang="en-US" dirty="0">
+                <a:hlinkClick r:id="rId5"/>
+              </a:rPr>
+              <a:t>https://www.ibm.com/blockchain/platform/</a:t>
+            </a:r>
+            <a:endParaRPr lang="en-US" dirty="0"/>
+          </a:p>
+          <a:p>
+            <a:pPr lvl="1"/>
+            <a:r>
+              <a:rPr lang="en-US" dirty="0">
+                <a:hlinkClick r:id="rId6"/>
+              </a:rPr>
+              <a:t>http://fortune.com/2018/01/16/ibm-blockchain-maersk-company/</a:t>
+            </a:r>
+            <a:endParaRPr lang="en-US" dirty="0"/>
+          </a:p>
+          <a:p>
+            <a:pPr lvl="1"/>
+            <a:r>
+              <a:rPr lang="en-US" dirty="0"/>
+              <a:t>“The concern intends to help shippers, ports, customs offices, banks, and other stakeholders in global supply chains track freight as well as replace related paperwork with tamper-resistant digital records.”</a:t>
+            </a:r>
+          </a:p>
+        </p:txBody>
+      </p:sp>
+    </p:spTree>
+    <p:extLst>
+      <p:ext uri="{BB962C8B-B14F-4D97-AF65-F5344CB8AC3E}">
+        <p14:creationId xmlns:p14="http://schemas.microsoft.com/office/powerpoint/2010/main" val="341347396"/>
+      </p:ext>
+    </p:extLst>
+  </p:cSld>
+  <p:clrMapOvr>
+    <a:masterClrMapping/>
+  </p:clrMapOvr>
+</p:sld>
+</file>
+
+<file path=ppt/slides/slide15.xml><?xml version="1.0" encoding="utf-8"?>
+<p:sld xmlns:a="http://schemas.openxmlformats.org/drawingml/2006/main" xmlns:r="http://schemas.openxmlformats.org/officeDocument/2006/relationships" xmlns:p="http://schemas.openxmlformats.org/presentationml/2006/main">
+  <p:cSld>
+    <p:spTree>
+      <p:nvGrpSpPr>
+        <p:cNvPr id="1" name=""/>
+        <p:cNvGrpSpPr/>
+        <p:nvPr/>
+      </p:nvGrpSpPr>
+      <p:grpSpPr>
+        <a:xfrm>
+          <a:off x="0" y="0"/>
+          <a:ext cx="0" cy="0"/>
+          <a:chOff x="0" y="0"/>
+          <a:chExt cx="0" cy="0"/>
+        </a:xfrm>
+      </p:grpSpPr>
+      <p:sp>
+        <p:nvSpPr>
+          <p:cNvPr id="7" name="Title 6">
+            <a:extLst>
+              <a:ext uri="{FF2B5EF4-FFF2-40B4-BE49-F238E27FC236}">
+                <a16:creationId xmlns:a16="http://schemas.microsoft.com/office/drawing/2014/main" id="{AEF4031E-D835-44F6-A981-DABA01AA6E08}"/>
+              </a:ext>
+            </a:extLst>
+          </p:cNvPr>
+          <p:cNvSpPr>
+            <a:spLocks noGrp="1"/>
+          </p:cNvSpPr>
+          <p:nvPr>
+            <p:ph type="title"/>
+          </p:nvPr>
+        </p:nvSpPr>
+        <p:spPr/>
+        <p:txBody>
+          <a:bodyPr/>
+          <a:lstStyle/>
+          <a:p>
+            <a:r>
+              <a:rPr lang="en-US" dirty="0"/>
+              <a:t>Follow ups</a:t>
+            </a:r>
+          </a:p>
+        </p:txBody>
+      </p:sp>
+      <p:sp>
+        <p:nvSpPr>
+          <p:cNvPr id="8" name="Content Placeholder 7">
+            <a:extLst>
+              <a:ext uri="{FF2B5EF4-FFF2-40B4-BE49-F238E27FC236}">
+                <a16:creationId xmlns:a16="http://schemas.microsoft.com/office/drawing/2014/main" id="{9099E99D-1638-4F4B-80D1-A0E08CBF7998}"/>
+              </a:ext>
+            </a:extLst>
+          </p:cNvPr>
+          <p:cNvSpPr>
+            <a:spLocks noGrp="1"/>
+          </p:cNvSpPr>
+          <p:nvPr>
+            <p:ph idx="1"/>
+          </p:nvPr>
+        </p:nvSpPr>
+        <p:spPr/>
+        <p:txBody>
+          <a:bodyPr/>
+          <a:lstStyle/>
+          <a:p>
+            <a:r>
+              <a:rPr lang="en-US" dirty="0">
+                <a:hlinkClick r:id="rId2"/>
+              </a:rPr>
+              <a:t>http://lmgtfy.com/?q=parallelized+hashing</a:t>
+            </a:r>
+            <a:endParaRPr lang="en-US" dirty="0"/>
+          </a:p>
+          <a:p>
+            <a:pPr lvl="1"/>
+            <a:r>
+              <a:rPr lang="en-US" dirty="0">
+                <a:hlinkClick r:id="rId3"/>
+              </a:rPr>
+              <a:t>https://automationrhapsody.com/md5-sha-1-sha-256-sha-512-speed-performance</a:t>
+            </a:r>
+            <a:endParaRPr lang="en-US" dirty="0"/>
+          </a:p>
+          <a:p>
+            <a:r>
+              <a:rPr lang="en-US" dirty="0">
+                <a:hlinkClick r:id="rId4"/>
+              </a:rPr>
+              <a:t>http://lmgtfy.com/?q=bitcoin+algorithm+computing+costs</a:t>
+            </a:r>
+            <a:endParaRPr lang="en-US" dirty="0"/>
+          </a:p>
+          <a:p>
+            <a:pPr lvl="1"/>
+            <a:r>
+              <a:rPr lang="en-US" dirty="0"/>
+              <a:t>$3,966</a:t>
+            </a:r>
+          </a:p>
+          <a:p>
+            <a:r>
+              <a:rPr lang="en-US" dirty="0">
+                <a:hlinkClick r:id="rId5"/>
+              </a:rPr>
+              <a:t>http://lmgtfy.com/?q=bitcoin+mining+legislation</a:t>
+            </a:r>
+            <a:endParaRPr lang="en-US" dirty="0"/>
+          </a:p>
+          <a:p>
+            <a:r>
+              <a:rPr lang="en-US" dirty="0"/>
+              <a:t> </a:t>
+            </a:r>
+            <a:r>
+              <a:rPr lang="en-US" dirty="0">
+                <a:hlinkClick r:id="rId6"/>
+              </a:rPr>
+              <a:t>http://lmgtfy.com/?q=future+of+distributed+ledger+technology</a:t>
+            </a:r>
+            <a:endParaRPr lang="en-US" dirty="0"/>
+          </a:p>
+          <a:p>
+            <a:endParaRPr lang="en-US" dirty="0"/>
+          </a:p>
+        </p:txBody>
+      </p:sp>
+    </p:spTree>
+    <p:extLst>
+      <p:ext uri="{BB962C8B-B14F-4D97-AF65-F5344CB8AC3E}">
+        <p14:creationId xmlns:p14="http://schemas.microsoft.com/office/powerpoint/2010/main" val="923193008"/>
+      </p:ext>
+    </p:extLst>
+  </p:cSld>
+  <p:clrMapOvr>
+    <a:masterClrMapping/>
+  </p:clrMapOvr>
+</p:sld>
+</file>
+
+<file path=ppt/slides/slide16.xml><?xml version="1.0" encoding="utf-8"?>
+<p:sld xmlns:a="http://schemas.openxmlformats.org/drawingml/2006/main" xmlns:r="http://schemas.openxmlformats.org/officeDocument/2006/relationships" xmlns:p="http://schemas.openxmlformats.org/presentationml/2006/main">
+  <p:cSld>
+    <p:spTree>
+      <p:nvGrpSpPr>
+        <p:cNvPr id="1" name=""/>
+        <p:cNvGrpSpPr/>
+        <p:nvPr/>
+      </p:nvGrpSpPr>
+      <p:grpSpPr>
+        <a:xfrm>
+          <a:off x="0" y="0"/>
+          <a:ext cx="0" cy="0"/>
+          <a:chOff x="0" y="0"/>
+          <a:chExt cx="0" cy="0"/>
+        </a:xfrm>
+      </p:grpSpPr>
+      <p:sp>
+        <p:nvSpPr>
+          <p:cNvPr id="2" name="Title 1"/>
+          <p:cNvSpPr>
+            <a:spLocks noGrp="1"/>
+          </p:cNvSpPr>
+          <p:nvPr>
+            <p:ph type="title"/>
+          </p:nvPr>
+        </p:nvSpPr>
+        <p:spPr/>
+        <p:txBody>
+          <a:bodyPr/>
+          <a:lstStyle/>
+          <a:p>
+            <a:r>
+              <a:rPr lang="en-US" dirty="0"/>
+              <a:t>Questions…</a:t>
+            </a:r>
+            <a:endParaRPr dirty="0"/>
+          </a:p>
+        </p:txBody>
+      </p:sp>
+      <p:sp>
+        <p:nvSpPr>
+          <p:cNvPr id="4" name="Text Placeholder 3"/>
+          <p:cNvSpPr>
+            <a:spLocks noGrp="1"/>
+          </p:cNvSpPr>
+          <p:nvPr>
+            <p:ph type="body" sz="half" idx="2"/>
+          </p:nvPr>
+        </p:nvSpPr>
+        <p:spPr/>
+        <p:txBody>
+          <a:bodyPr/>
+          <a:lstStyle/>
+          <a:p>
+            <a:r>
+              <a:rPr lang="en-US" dirty="0"/>
+              <a:t>https://github.com/jcutrono/leanledger</a:t>
+            </a:r>
+            <a:endParaRPr dirty="0"/>
+          </a:p>
+        </p:txBody>
+      </p:sp>
+      <p:pic>
+        <p:nvPicPr>
+          <p:cNvPr id="2050" name="Picture 2" descr="Image result for kilimanjaro">
+            <a:extLst>
+              <a:ext uri="{FF2B5EF4-FFF2-40B4-BE49-F238E27FC236}">
+                <a16:creationId xmlns:a16="http://schemas.microsoft.com/office/drawing/2014/main" id="{366D938B-155C-4A1C-A808-53B097AF5DC2}"/>
+              </a:ext>
+            </a:extLst>
+          </p:cNvPr>
+          <p:cNvPicPr>
+            <a:picLocks noGrp="1" noChangeAspect="1" noChangeArrowheads="1"/>
+          </p:cNvPicPr>
+          <p:nvPr>
+            <p:ph type="pic" idx="1"/>
+          </p:nvPr>
+        </p:nvPicPr>
+        <p:blipFill>
+          <a:blip r:embed="rId2">
+            <a:extLst>
+              <a:ext uri="{28A0092B-C50C-407E-A947-70E740481C1C}">
+                <a14:useLocalDpi xmlns:a14="http://schemas.microsoft.com/office/drawing/2010/main" val="0"/>
+              </a:ext>
+            </a:extLst>
+          </a:blip>
+          <a:srcRect l="9988" r="9988"/>
+          <a:stretch>
+            <a:fillRect/>
+          </a:stretch>
+        </p:blipFill>
+        <p:spPr bwMode="auto">
+          <a:prstGeom prst="rect">
+            <a:avLst/>
+          </a:prstGeom>
+          <a:noFill/>
+          <a:extLst>
+            <a:ext uri="{909E8E84-426E-40DD-AFC4-6F175D3DCCD1}">
+              <a14:hiddenFill xmlns:a14="http://schemas.microsoft.com/office/drawing/2010/main">
+                <a:solidFill>
+                  <a:srgbClr val="FFFFFF"/>
+                </a:solidFill>
+              </a14:hiddenFill>
+            </a:ext>
+          </a:extLst>
+        </p:spPr>
+      </p:pic>
     </p:spTree>
     <p:extLst>
       <p:ext uri="{BB962C8B-B14F-4D97-AF65-F5344CB8AC3E}">
@@ -10139,7 +5387,7 @@
           <a:p>
             <a:r>
               <a:rPr lang="en-US" dirty="0"/>
-              <a:t>Example: Cryptocurrency</a:t>
+              <a:t>Example 1: Cryptocurrency</a:t>
             </a:r>
             <a:endParaRPr dirty="0"/>
           </a:p>
@@ -11375,41 +6623,39 @@
           <a:p>
             <a:r>
               <a:rPr lang="en-US" dirty="0"/>
-              <a:t>Public API’s</a:t>
+              <a:t>Example 2: Voting</a:t>
             </a:r>
             <a:endParaRPr dirty="0"/>
           </a:p>
         </p:txBody>
       </p:sp>
-      <p:graphicFrame>
-        <p:nvGraphicFramePr>
-          <p:cNvPr id="9" name="Content Placeholder 8" descr="Process list showing 4 titles with tasks  arranged one below the other and downward pointing arrows are used to indicate progression from title to task and from task to task. First title has 4 tasks, second title has 3, third has 2 and fourth has 2."/>
-          <p:cNvGraphicFramePr>
-            <a:graphicFrameLocks noGrp="1"/>
-          </p:cNvGraphicFramePr>
-          <p:nvPr>
-            <p:ph idx="1"/>
-            <p:extLst>
-              <p:ext uri="{D42A27DB-BD31-4B8C-83A1-F6EECF244321}">
-                <p14:modId xmlns:p14="http://schemas.microsoft.com/office/powerpoint/2010/main" val="1065489376"/>
-              </p:ext>
-            </p:extLst>
-          </p:nvPr>
-        </p:nvGraphicFramePr>
-        <p:xfrm>
-          <a:off x="1524000" y="1828800"/>
-          <a:ext cx="9144000" cy="4267200"/>
-        </p:xfrm>
-        <a:graphic>
-          <a:graphicData uri="http://schemas.openxmlformats.org/drawingml/2006/diagram">
-            <dgm:relIds xmlns:dgm="http://schemas.openxmlformats.org/drawingml/2006/diagram" xmlns:r="http://schemas.openxmlformats.org/officeDocument/2006/relationships" r:dm="rId2" r:lo="rId3" r:qs="rId4" r:cs="rId5"/>
-          </a:graphicData>
-        </a:graphic>
-      </p:graphicFrame>
+      <p:sp>
+        <p:nvSpPr>
+          <p:cNvPr id="3" name="Text Placeholder 2"/>
+          <p:cNvSpPr>
+            <a:spLocks noGrp="1"/>
+          </p:cNvSpPr>
+          <p:nvPr>
+            <p:ph type="body" idx="1"/>
+          </p:nvPr>
+        </p:nvSpPr>
+        <p:spPr/>
+        <p:txBody>
+          <a:bodyPr/>
+          <a:lstStyle/>
+          <a:p>
+            <a:r>
+              <a:rPr lang="en-US" dirty="0"/>
+              <a:t>Could it be…</a:t>
+            </a:r>
+            <a:endParaRPr dirty="0"/>
+          </a:p>
+        </p:txBody>
+      </p:sp>
     </p:spTree>
     <p:extLst>
       <p:ext uri="{BB962C8B-B14F-4D97-AF65-F5344CB8AC3E}">
-        <p14:creationId xmlns:p14="http://schemas.microsoft.com/office/powerpoint/2010/main" val="1153027685"/>
+        <p14:creationId xmlns:p14="http://schemas.microsoft.com/office/powerpoint/2010/main" val="2404858657"/>
       </p:ext>
     </p:extLst>
   </p:cSld>
@@ -12203,15 +7449,6 @@
 </file>
 
 <file path=customXml/item1.xml><?xml version="1.0" encoding="utf-8"?>
-<?mso-contentType ?>
-<FormTemplates xmlns="http://schemas.microsoft.com/sharepoint/v3/contenttype/forms">
-  <Display>DocumentLibraryForm</Display>
-  <Edit>AssetEditForm</Edit>
-  <New>DocumentLibraryForm</New>
-</FormTemplates>
-</file>
-
-<file path=customXml/item2.xml><?xml version="1.0" encoding="utf-8"?>
 <ct:contentTypeSchema xmlns:ct="http://schemas.microsoft.com/office/2006/metadata/contentType" xmlns:ma="http://schemas.microsoft.com/office/2006/metadata/properties/metaAttributes" ct:_="" ma:_="" ma:contentTypeName="TemplateFile" ma:contentTypeID="0x0101006EDDDB5EE6D98C44930B742096920B300400F5B6D36B3EF94B4E9A635CDF2A18F5B8" ma:contentTypeVersion="72" ma:contentTypeDescription="Create a new document." ma:contentTypeScope="" ma:versionID="a23e56308344d904b51738559c3d67c9">
   <xsd:schema xmlns:xsd="http://www.w3.org/2001/XMLSchema" xmlns:xs="http://www.w3.org/2001/XMLSchema" xmlns:p="http://schemas.microsoft.com/office/2006/metadata/properties" xmlns:ns2="4873beb7-5857-4685-be1f-d57550cc96cc" targetNamespace="http://schemas.microsoft.com/office/2006/metadata/properties" ma:root="true" ma:fieldsID="cd0908cc4600e77bf5da051303e00c8d" ns2:_="">
     <xsd:import namespace="4873beb7-5857-4685-be1f-d57550cc96cc"/>
@@ -13251,6 +8488,15 @@
 </ct:contentTypeSchema>
 </file>
 
+<file path=customXml/item2.xml><?xml version="1.0" encoding="utf-8"?>
+<?mso-contentType ?>
+<FormTemplates xmlns="http://schemas.microsoft.com/sharepoint/v3/contenttype/forms">
+  <Display>DocumentLibraryForm</Display>
+  <Edit>AssetEditForm</Edit>
+  <New>DocumentLibraryForm</New>
+</FormTemplates>
+</file>
+
 <file path=customXml/item3.xml><?xml version="1.0" encoding="utf-8"?>
 <p:properties xmlns:p="http://schemas.microsoft.com/office/2006/metadata/properties" xmlns:xsi="http://www.w3.org/2001/XMLSchema-instance" xmlns:pc="http://schemas.microsoft.com/office/infopath/2007/PartnerControls">
   <documentManagement>
@@ -13378,14 +8624,6 @@
 </file>
 
 <file path=customXml/itemProps1.xml><?xml version="1.0" encoding="utf-8"?>
-<ds:datastoreItem xmlns:ds="http://schemas.openxmlformats.org/officeDocument/2006/customXml" ds:itemID="{746CFF6F-D9AA-4BC0-911A-0A1356771912}">
-  <ds:schemaRefs>
-    <ds:schemaRef ds:uri="http://schemas.microsoft.com/sharepoint/v3/contenttype/forms"/>
-  </ds:schemaRefs>
-</ds:datastoreItem>
-</file>
-
-<file path=customXml/itemProps2.xml><?xml version="1.0" encoding="utf-8"?>
 <ds:datastoreItem xmlns:ds="http://schemas.openxmlformats.org/officeDocument/2006/customXml" ds:itemID="{0B5C6E15-39DC-470B-9445-F754B9458020}">
   <ds:schemaRefs>
     <ds:schemaRef ds:uri="http://schemas.microsoft.com/office/2006/metadata/contentType"/>
@@ -13399,6 +8637,14 @@
     <ds:schemaRef ds:uri="http://purl.org/dc/elements/1.1/"/>
     <ds:schemaRef ds:uri="http://purl.org/dc/terms/"/>
     <ds:schemaRef ds:uri="http://schemas.microsoft.com/internal/obd"/>
+  </ds:schemaRefs>
+</ds:datastoreItem>
+</file>
+
+<file path=customXml/itemProps2.xml><?xml version="1.0" encoding="utf-8"?>
+<ds:datastoreItem xmlns:ds="http://schemas.openxmlformats.org/officeDocument/2006/customXml" ds:itemID="{746CFF6F-D9AA-4BC0-911A-0A1356771912}">
+  <ds:schemaRefs>
+    <ds:schemaRef ds:uri="http://schemas.microsoft.com/sharepoint/v3/contenttype/forms"/>
   </ds:schemaRefs>
 </ds:datastoreItem>
 </file>

--- a/Unmasking Blockchain.pptx
+++ b/Unmasking Blockchain.pptx
@@ -229,7 +229,7 @@
           <a:p>
             <a:fld id="{762B48F5-BACC-47D6-A0F7-82FBF9C6BC85}" type="datetimeFigureOut">
               <a:rPr lang="en-US"/>
-              <a:t>2/25/2018</a:t>
+              <a:t>2/26/2018</a:t>
             </a:fld>
             <a:endParaRPr/>
           </a:p>
@@ -394,7 +394,7 @@
           <a:p>
             <a:fld id="{0CB1CD00-5424-4675-AB18-2C419B060449}" type="datetimeFigureOut">
               <a:rPr lang="en-US"/>
-              <a:t>2/25/2018</a:t>
+              <a:t>2/26/2018</a:t>
             </a:fld>
             <a:endParaRPr/>
           </a:p>
@@ -1039,7 +1039,7 @@
           <a:p>
             <a:fld id="{37CC0096-1860-4642-9CD2-0079EA5E7CD1}" type="datetimeFigureOut">
               <a:rPr lang="en-US" smtClean="0"/>
-              <a:t>2/25/2018</a:t>
+              <a:t>2/26/2018</a:t>
             </a:fld>
             <a:endParaRPr lang="en-US"/>
           </a:p>
@@ -1218,7 +1218,7 @@
           <a:p>
             <a:fld id="{37CC0096-1860-4642-9CD2-0079EA5E7CD1}" type="datetimeFigureOut">
               <a:rPr lang="en-US" smtClean="0"/>
-              <a:t>2/25/2018</a:t>
+              <a:t>2/26/2018</a:t>
             </a:fld>
             <a:endParaRPr lang="en-US"/>
           </a:p>
@@ -1391,7 +1391,7 @@
           <a:p>
             <a:fld id="{37CC0096-1860-4642-9CD2-0079EA5E7CD1}" type="datetimeFigureOut">
               <a:rPr lang="en-US" smtClean="0"/>
-              <a:t>2/25/2018</a:t>
+              <a:t>2/26/2018</a:t>
             </a:fld>
             <a:endParaRPr lang="en-US"/>
           </a:p>
@@ -1824,7 +1824,7 @@
           <a:p>
             <a:fld id="{37CC0096-1860-4642-9CD2-0079EA5E7CD1}" type="datetimeFigureOut">
               <a:rPr lang="en-US" smtClean="0"/>
-              <a:t>2/25/2018</a:t>
+              <a:t>2/26/2018</a:t>
             </a:fld>
             <a:endParaRPr lang="en-US"/>
           </a:p>
@@ -2263,7 +2263,7 @@
           <a:p>
             <a:fld id="{37CC0096-1860-4642-9CD2-0079EA5E7CD1}" type="datetimeFigureOut">
               <a:rPr lang="en-US" smtClean="0"/>
-              <a:t>2/25/2018</a:t>
+              <a:t>2/26/2018</a:t>
             </a:fld>
             <a:endParaRPr lang="en-US"/>
           </a:p>
@@ -2380,7 +2380,7 @@
           <a:p>
             <a:fld id="{37CC0096-1860-4642-9CD2-0079EA5E7CD1}" type="datetimeFigureOut">
               <a:rPr lang="en-US" smtClean="0"/>
-              <a:t>2/25/2018</a:t>
+              <a:t>2/26/2018</a:t>
             </a:fld>
             <a:endParaRPr lang="en-US"/>
           </a:p>
@@ -2475,7 +2475,7 @@
           <a:p>
             <a:fld id="{37CC0096-1860-4642-9CD2-0079EA5E7CD1}" type="datetimeFigureOut">
               <a:rPr lang="en-US" smtClean="0"/>
-              <a:t>2/25/2018</a:t>
+              <a:t>2/26/2018</a:t>
             </a:fld>
             <a:endParaRPr lang="en-US"/>
           </a:p>
@@ -2759,7 +2759,7 @@
           <a:p>
             <a:fld id="{37CC0096-1860-4642-9CD2-0079EA5E7CD1}" type="datetimeFigureOut">
               <a:rPr lang="en-US" smtClean="0"/>
-              <a:t>2/25/2018</a:t>
+              <a:t>2/26/2018</a:t>
             </a:fld>
             <a:endParaRPr lang="en-US"/>
           </a:p>
@@ -3070,7 +3070,7 @@
           <a:p>
             <a:fld id="{37CC0096-1860-4642-9CD2-0079EA5E7CD1}" type="datetimeFigureOut">
               <a:rPr lang="en-US" smtClean="0"/>
-              <a:t>2/25/2018</a:t>
+              <a:t>2/26/2018</a:t>
             </a:fld>
             <a:endParaRPr lang="en-US"/>
           </a:p>
@@ -3302,7 +3302,7 @@
             <a:fld id="{37CC0096-1860-4642-9CD2-0079EA5E7CD1}" type="datetimeFigureOut">
               <a:rPr lang="en-US" smtClean="0"/>
               <a:pPr/>
-              <a:t>2/25/2018</a:t>
+              <a:t>2/26/2018</a:t>
             </a:fld>
             <a:endParaRPr lang="en-US"/>
           </a:p>
@@ -4622,31 +4622,71 @@
               <a:rPr lang="en-US" dirty="0">
                 <a:hlinkClick r:id="rId3"/>
               </a:rPr>
-              <a:t>https://automationrhapsody.com/md5-sha-1-sha-256-sha-512-speed-performance</a:t>
-            </a:r>
-            <a:endParaRPr lang="en-US" dirty="0"/>
+              <a:t>https://</a:t>
+            </a:r>
+            <a:r>
+              <a:rPr lang="en-US" dirty="0" smtClean="0">
+                <a:hlinkClick r:id="rId3"/>
+              </a:rPr>
+              <a:t>automationrhapsody.com/md5-sha-1-sha-256-sha-512-speed-performance</a:t>
+            </a:r>
+            <a:endParaRPr lang="en-US" dirty="0" smtClean="0"/>
           </a:p>
           <a:p>
             <a:r>
               <a:rPr lang="en-US" dirty="0">
                 <a:hlinkClick r:id="rId4"/>
               </a:rPr>
-              <a:t>http://lmgtfy.com/?q=bitcoin+algorithm+computing+costs</a:t>
+              <a:t>http://lmgtfy.com/?</a:t>
+            </a:r>
+            <a:r>
+              <a:rPr lang="en-US" dirty="0" smtClean="0">
+                <a:hlinkClick r:id="rId4"/>
+              </a:rPr>
+              <a:t>q=partial+proof+of+work</a:t>
             </a:r>
             <a:endParaRPr lang="en-US" dirty="0"/>
-          </a:p>
-          <a:p>
-            <a:pPr lvl="1"/>
-            <a:r>
-              <a:rPr lang="en-US" dirty="0"/>
-              <a:t>$3,966</a:t>
-            </a:r>
           </a:p>
           <a:p>
             <a:r>
               <a:rPr lang="en-US" dirty="0">
                 <a:hlinkClick r:id="rId5"/>
               </a:rPr>
+              <a:t>http://lmgtfy.com/?q=bitcoin+algorithm+computing+costs</a:t>
+            </a:r>
+            <a:endParaRPr lang="en-US" dirty="0"/>
+          </a:p>
+          <a:p>
+            <a:pPr lvl="1"/>
+            <a:r>
+              <a:rPr lang="en-US" dirty="0"/>
+              <a:t>$</a:t>
+            </a:r>
+            <a:r>
+              <a:rPr lang="en-US" dirty="0" smtClean="0"/>
+              <a:t>3,966</a:t>
+            </a:r>
+          </a:p>
+          <a:p>
+            <a:r>
+              <a:rPr lang="en-US" dirty="0">
+                <a:hlinkClick r:id="rId6"/>
+              </a:rPr>
+              <a:t>http://lmgtfy.com/?</a:t>
+            </a:r>
+            <a:r>
+              <a:rPr lang="en-US" dirty="0" smtClean="0">
+                <a:hlinkClick r:id="rId6"/>
+              </a:rPr>
+              <a:t>q=event+sourcing</a:t>
+            </a:r>
+            <a:endParaRPr lang="en-US" dirty="0"/>
+          </a:p>
+          <a:p>
+            <a:r>
+              <a:rPr lang="en-US" dirty="0">
+                <a:hlinkClick r:id="rId7"/>
+              </a:rPr>
               <a:t>http://lmgtfy.com/?q=bitcoin+mining+legislation</a:t>
             </a:r>
             <a:endParaRPr lang="en-US" dirty="0"/>
@@ -4658,7 +4698,7 @@
             </a:r>
             <a:r>
               <a:rPr lang="en-US" dirty="0">
-                <a:hlinkClick r:id="rId6"/>
+                <a:hlinkClick r:id="rId8"/>
               </a:rPr>
               <a:t>http://lmgtfy.com/?q=future+of+distributed+ledger+technology</a:t>
             </a:r>
@@ -7449,6 +7489,15 @@
 </file>
 
 <file path=customXml/item1.xml><?xml version="1.0" encoding="utf-8"?>
+<?mso-contentType ?>
+<FormTemplates xmlns="http://schemas.microsoft.com/sharepoint/v3/contenttype/forms">
+  <Display>DocumentLibraryForm</Display>
+  <Edit>AssetEditForm</Edit>
+  <New>DocumentLibraryForm</New>
+</FormTemplates>
+</file>
+
+<file path=customXml/item2.xml><?xml version="1.0" encoding="utf-8"?>
 <ct:contentTypeSchema xmlns:ct="http://schemas.microsoft.com/office/2006/metadata/contentType" xmlns:ma="http://schemas.microsoft.com/office/2006/metadata/properties/metaAttributes" ct:_="" ma:_="" ma:contentTypeName="TemplateFile" ma:contentTypeID="0x0101006EDDDB5EE6D98C44930B742096920B300400F5B6D36B3EF94B4E9A635CDF2A18F5B8" ma:contentTypeVersion="72" ma:contentTypeDescription="Create a new document." ma:contentTypeScope="" ma:versionID="a23e56308344d904b51738559c3d67c9">
   <xsd:schema xmlns:xsd="http://www.w3.org/2001/XMLSchema" xmlns:xs="http://www.w3.org/2001/XMLSchema" xmlns:p="http://schemas.microsoft.com/office/2006/metadata/properties" xmlns:ns2="4873beb7-5857-4685-be1f-d57550cc96cc" targetNamespace="http://schemas.microsoft.com/office/2006/metadata/properties" ma:root="true" ma:fieldsID="cd0908cc4600e77bf5da051303e00c8d" ns2:_="">
     <xsd:import namespace="4873beb7-5857-4685-be1f-d57550cc96cc"/>
@@ -8488,15 +8537,6 @@
 </ct:contentTypeSchema>
 </file>
 
-<file path=customXml/item2.xml><?xml version="1.0" encoding="utf-8"?>
-<?mso-contentType ?>
-<FormTemplates xmlns="http://schemas.microsoft.com/sharepoint/v3/contenttype/forms">
-  <Display>DocumentLibraryForm</Display>
-  <Edit>AssetEditForm</Edit>
-  <New>DocumentLibraryForm</New>
-</FormTemplates>
-</file>
-
 <file path=customXml/item3.xml><?xml version="1.0" encoding="utf-8"?>
 <p:properties xmlns:p="http://schemas.microsoft.com/office/2006/metadata/properties" xmlns:xsi="http://www.w3.org/2001/XMLSchema-instance" xmlns:pc="http://schemas.microsoft.com/office/infopath/2007/PartnerControls">
   <documentManagement>
@@ -8624,6 +8664,14 @@
 </file>
 
 <file path=customXml/itemProps1.xml><?xml version="1.0" encoding="utf-8"?>
+<ds:datastoreItem xmlns:ds="http://schemas.openxmlformats.org/officeDocument/2006/customXml" ds:itemID="{746CFF6F-D9AA-4BC0-911A-0A1356771912}">
+  <ds:schemaRefs>
+    <ds:schemaRef ds:uri="http://schemas.microsoft.com/sharepoint/v3/contenttype/forms"/>
+  </ds:schemaRefs>
+</ds:datastoreItem>
+</file>
+
+<file path=customXml/itemProps2.xml><?xml version="1.0" encoding="utf-8"?>
 <ds:datastoreItem xmlns:ds="http://schemas.openxmlformats.org/officeDocument/2006/customXml" ds:itemID="{0B5C6E15-39DC-470B-9445-F754B9458020}">
   <ds:schemaRefs>
     <ds:schemaRef ds:uri="http://schemas.microsoft.com/office/2006/metadata/contentType"/>
@@ -8637,14 +8685,6 @@
     <ds:schemaRef ds:uri="http://purl.org/dc/elements/1.1/"/>
     <ds:schemaRef ds:uri="http://purl.org/dc/terms/"/>
     <ds:schemaRef ds:uri="http://schemas.microsoft.com/internal/obd"/>
-  </ds:schemaRefs>
-</ds:datastoreItem>
-</file>
-
-<file path=customXml/itemProps2.xml><?xml version="1.0" encoding="utf-8"?>
-<ds:datastoreItem xmlns:ds="http://schemas.openxmlformats.org/officeDocument/2006/customXml" ds:itemID="{746CFF6F-D9AA-4BC0-911A-0A1356771912}">
-  <ds:schemaRefs>
-    <ds:schemaRef ds:uri="http://schemas.microsoft.com/sharepoint/v3/contenttype/forms"/>
   </ds:schemaRefs>
 </ds:datastoreItem>
 </file>
